--- a/architecture/General Architecture.pptx
+++ b/architecture/General Architecture.pptx
@@ -3865,7 +3865,7 @@
         </p:nvSpPr>
         <p:spPr>
           <a:xfrm>
-            <a:off x="4650658" y="4095135"/>
+            <a:off x="4657007" y="3206544"/>
             <a:ext cx="1081548" cy="835742"/>
           </a:xfrm>
           <a:prstGeom prst="rect">
@@ -3943,8 +3943,8 @@
           <a:p>
             <a:pPr algn="ctr"/>
             <a:r>
-              <a:rPr lang="en-US" dirty="0"/>
-              <a:t>Relay</a:t>
+              <a:rPr lang="en-US" sz="1400" dirty="0"/>
+              <a:t>MCP Relay</a:t>
             </a:r>
           </a:p>
         </p:txBody>
@@ -4338,49 +4338,6 @@
       </p:cxnSp>
       <p:cxnSp>
         <p:nvCxnSpPr>
-          <p:cNvPr id="18" name="Straight Arrow Connector 17">
-            <a:extLst>
-              <a:ext uri="{FF2B5EF4-FFF2-40B4-BE49-F238E27FC236}">
-                <a16:creationId xmlns:a16="http://schemas.microsoft.com/office/drawing/2014/main" id="{F25C6F84-6AE5-6E54-121A-8D2843DD46CE}"/>
-              </a:ext>
-            </a:extLst>
-          </p:cNvPr>
-          <p:cNvCxnSpPr>
-            <a:stCxn id="4" idx="0"/>
-            <a:endCxn id="5" idx="2"/>
-          </p:cNvCxnSpPr>
-          <p:nvPr/>
-        </p:nvCxnSpPr>
-        <p:spPr>
-          <a:xfrm flipV="1">
-            <a:off x="5191432" y="3197941"/>
-            <a:ext cx="0" cy="897194"/>
-          </a:xfrm>
-          <a:prstGeom prst="straightConnector1">
-            <a:avLst/>
-          </a:prstGeom>
-          <a:ln>
-            <a:headEnd type="triangle"/>
-            <a:tailEnd type="triangle"/>
-          </a:ln>
-        </p:spPr>
-        <p:style>
-          <a:lnRef idx="2">
-            <a:schemeClr val="accent1"/>
-          </a:lnRef>
-          <a:fillRef idx="0">
-            <a:schemeClr val="accent1"/>
-          </a:fillRef>
-          <a:effectRef idx="1">
-            <a:schemeClr val="accent1"/>
-          </a:effectRef>
-          <a:fontRef idx="minor">
-            <a:schemeClr val="tx1"/>
-          </a:fontRef>
-        </p:style>
-      </p:cxnSp>
-      <p:cxnSp>
-        <p:nvCxnSpPr>
           <p:cNvPr id="20" name="Straight Arrow Connector 19">
             <a:extLst>
               <a:ext uri="{FF2B5EF4-FFF2-40B4-BE49-F238E27FC236}">
@@ -4602,20 +4559,154 @@
       </p:cxnSp>
       <p:cxnSp>
         <p:nvCxnSpPr>
-          <p:cNvPr id="49" name="Straight Arrow Connector 48">
-            <a:extLst>
-              <a:ext uri="{FF2B5EF4-FFF2-40B4-BE49-F238E27FC236}">
-                <a16:creationId xmlns:a16="http://schemas.microsoft.com/office/drawing/2014/main" id="{6A2A9B3B-9B9D-DE1E-84F9-3C3710859B75}"/>
-              </a:ext>
-            </a:extLst>
-          </p:cNvPr>
-          <p:cNvCxnSpPr/>
+          <p:cNvPr id="50" name="Straight Arrow Connector 49">
+            <a:extLst>
+              <a:ext uri="{FF2B5EF4-FFF2-40B4-BE49-F238E27FC236}">
+                <a16:creationId xmlns:a16="http://schemas.microsoft.com/office/drawing/2014/main" id="{7D41EB1F-F0D7-EACC-923A-6828A4E4EE76}"/>
+              </a:ext>
+            </a:extLst>
+          </p:cNvPr>
+          <p:cNvCxnSpPr>
+            <a:cxnSpLocks/>
+          </p:cNvCxnSpPr>
           <p:nvPr/>
         </p:nvCxnSpPr>
         <p:spPr>
-          <a:xfrm flipV="1">
-            <a:off x="5432324" y="3197941"/>
-            <a:ext cx="0" cy="897194"/>
+          <a:xfrm flipH="1">
+            <a:off x="10636699" y="4021392"/>
+            <a:ext cx="711535" cy="3987"/>
+          </a:xfrm>
+          <a:prstGeom prst="straightConnector1">
+            <a:avLst/>
+          </a:prstGeom>
+          <a:ln>
+            <a:headEnd type="triangle"/>
+            <a:tailEnd type="triangle"/>
+          </a:ln>
+        </p:spPr>
+        <p:style>
+          <a:lnRef idx="2">
+            <a:schemeClr val="accent1"/>
+          </a:lnRef>
+          <a:fillRef idx="0">
+            <a:schemeClr val="accent1"/>
+          </a:fillRef>
+          <a:effectRef idx="1">
+            <a:schemeClr val="accent1"/>
+          </a:effectRef>
+          <a:fontRef idx="minor">
+            <a:schemeClr val="tx1"/>
+          </a:fontRef>
+        </p:style>
+      </p:cxnSp>
+      <p:cxnSp>
+        <p:nvCxnSpPr>
+          <p:cNvPr id="51" name="Straight Arrow Connector 50">
+            <a:extLst>
+              <a:ext uri="{FF2B5EF4-FFF2-40B4-BE49-F238E27FC236}">
+                <a16:creationId xmlns:a16="http://schemas.microsoft.com/office/drawing/2014/main" id="{71258794-ACF6-FD1D-5211-FADEB04C16C5}"/>
+              </a:ext>
+            </a:extLst>
+          </p:cNvPr>
+          <p:cNvCxnSpPr>
+            <a:cxnSpLocks/>
+          </p:cNvCxnSpPr>
+          <p:nvPr/>
+        </p:nvCxnSpPr>
+        <p:spPr>
+          <a:xfrm flipH="1">
+            <a:off x="10636699" y="4321276"/>
+            <a:ext cx="711535" cy="3987"/>
+          </a:xfrm>
+          <a:prstGeom prst="straightConnector1">
+            <a:avLst/>
+          </a:prstGeom>
+          <a:ln>
+            <a:solidFill>
+              <a:srgbClr val="FF0000"/>
+            </a:solidFill>
+            <a:headEnd type="triangle"/>
+            <a:tailEnd type="triangle"/>
+          </a:ln>
+        </p:spPr>
+        <p:style>
+          <a:lnRef idx="2">
+            <a:schemeClr val="accent1"/>
+          </a:lnRef>
+          <a:fillRef idx="0">
+            <a:schemeClr val="accent1"/>
+          </a:fillRef>
+          <a:effectRef idx="1">
+            <a:schemeClr val="accent1"/>
+          </a:effectRef>
+          <a:fontRef idx="minor">
+            <a:schemeClr val="tx1"/>
+          </a:fontRef>
+        </p:style>
+      </p:cxnSp>
+      <p:cxnSp>
+        <p:nvCxnSpPr>
+          <p:cNvPr id="52" name="Straight Arrow Connector 51">
+            <a:extLst>
+              <a:ext uri="{FF2B5EF4-FFF2-40B4-BE49-F238E27FC236}">
+                <a16:creationId xmlns:a16="http://schemas.microsoft.com/office/drawing/2014/main" id="{53777A9C-F270-4235-F6D7-6B6AC568300B}"/>
+              </a:ext>
+            </a:extLst>
+          </p:cNvPr>
+          <p:cNvCxnSpPr>
+            <a:cxnSpLocks/>
+          </p:cNvCxnSpPr>
+          <p:nvPr/>
+        </p:nvCxnSpPr>
+        <p:spPr>
+          <a:xfrm flipH="1">
+            <a:off x="10636698" y="4598108"/>
+            <a:ext cx="711535" cy="3987"/>
+          </a:xfrm>
+          <a:prstGeom prst="straightConnector1">
+            <a:avLst/>
+          </a:prstGeom>
+          <a:ln>
+            <a:solidFill>
+              <a:srgbClr val="7030A0"/>
+            </a:solidFill>
+            <a:headEnd type="triangle"/>
+            <a:tailEnd type="triangle"/>
+          </a:ln>
+        </p:spPr>
+        <p:style>
+          <a:lnRef idx="2">
+            <a:schemeClr val="accent1"/>
+          </a:lnRef>
+          <a:fillRef idx="0">
+            <a:schemeClr val="accent1"/>
+          </a:fillRef>
+          <a:effectRef idx="1">
+            <a:schemeClr val="accent1"/>
+          </a:effectRef>
+          <a:fontRef idx="minor">
+            <a:schemeClr val="tx1"/>
+          </a:fontRef>
+        </p:style>
+      </p:cxnSp>
+      <p:cxnSp>
+        <p:nvCxnSpPr>
+          <p:cNvPr id="53" name="Straight Arrow Connector 52">
+            <a:extLst>
+              <a:ext uri="{FF2B5EF4-FFF2-40B4-BE49-F238E27FC236}">
+                <a16:creationId xmlns:a16="http://schemas.microsoft.com/office/drawing/2014/main" id="{E2EDF5A3-2F88-E012-422C-D5EB635CE6DB}"/>
+              </a:ext>
+            </a:extLst>
+          </p:cNvPr>
+          <p:cNvCxnSpPr>
+            <a:cxnSpLocks/>
+          </p:cNvCxnSpPr>
+          <p:nvPr/>
+        </p:nvCxnSpPr>
+        <p:spPr>
+          <a:xfrm flipH="1">
+            <a:off x="10636697" y="4897992"/>
+            <a:ext cx="711535" cy="3987"/>
           </a:xfrm>
           <a:prstGeom prst="straightConnector1">
             <a:avLst/>
@@ -4645,156 +4736,162 @@
           </a:fontRef>
         </p:style>
       </p:cxnSp>
+      <p:sp>
+        <p:nvSpPr>
+          <p:cNvPr id="54" name="TextBox 53">
+            <a:extLst>
+              <a:ext uri="{FF2B5EF4-FFF2-40B4-BE49-F238E27FC236}">
+                <a16:creationId xmlns:a16="http://schemas.microsoft.com/office/drawing/2014/main" id="{72B417E4-9B34-E237-E3C8-E21A3677FFBA}"/>
+              </a:ext>
+            </a:extLst>
+          </p:cNvPr>
+          <p:cNvSpPr txBox="1"/>
+          <p:nvPr/>
+        </p:nvSpPr>
+        <p:spPr>
+          <a:xfrm>
+            <a:off x="9266062" y="3815522"/>
+            <a:ext cx="1197764" cy="369332"/>
+          </a:xfrm>
+          <a:prstGeom prst="rect">
+            <a:avLst/>
+          </a:prstGeom>
+          <a:noFill/>
+        </p:spPr>
+        <p:txBody>
+          <a:bodyPr wrap="none" rtlCol="0">
+            <a:spAutoFit/>
+          </a:bodyPr>
+          <a:lstStyle/>
+          <a:p>
+            <a:r>
+              <a:rPr lang="en-US" dirty="0"/>
+              <a:t>LLMs APIs</a:t>
+            </a:r>
+          </a:p>
+        </p:txBody>
+      </p:sp>
+      <p:sp>
+        <p:nvSpPr>
+          <p:cNvPr id="55" name="TextBox 54">
+            <a:extLst>
+              <a:ext uri="{FF2B5EF4-FFF2-40B4-BE49-F238E27FC236}">
+                <a16:creationId xmlns:a16="http://schemas.microsoft.com/office/drawing/2014/main" id="{4448E8B7-7386-0F7D-E629-84EE1D241ADC}"/>
+              </a:ext>
+            </a:extLst>
+          </p:cNvPr>
+          <p:cNvSpPr txBox="1"/>
+          <p:nvPr/>
+        </p:nvSpPr>
+        <p:spPr>
+          <a:xfrm>
+            <a:off x="9384046" y="4127077"/>
+            <a:ext cx="945067" cy="369332"/>
+          </a:xfrm>
+          <a:prstGeom prst="rect">
+            <a:avLst/>
+          </a:prstGeom>
+          <a:noFill/>
+        </p:spPr>
+        <p:txBody>
+          <a:bodyPr wrap="none" rtlCol="0">
+            <a:spAutoFit/>
+          </a:bodyPr>
+          <a:lstStyle/>
+          <a:p>
+            <a:r>
+              <a:rPr lang="en-US" dirty="0"/>
+              <a:t>Logging</a:t>
+            </a:r>
+          </a:p>
+        </p:txBody>
+      </p:sp>
+      <p:sp>
+        <p:nvSpPr>
+          <p:cNvPr id="56" name="TextBox 55">
+            <a:extLst>
+              <a:ext uri="{FF2B5EF4-FFF2-40B4-BE49-F238E27FC236}">
+                <a16:creationId xmlns:a16="http://schemas.microsoft.com/office/drawing/2014/main" id="{9340ADF5-8DB8-9FCF-72A7-EE8202FFEEC1}"/>
+              </a:ext>
+            </a:extLst>
+          </p:cNvPr>
+          <p:cNvSpPr txBox="1"/>
+          <p:nvPr/>
+        </p:nvSpPr>
+        <p:spPr>
+          <a:xfrm>
+            <a:off x="9384045" y="4413442"/>
+            <a:ext cx="1149674" cy="369332"/>
+          </a:xfrm>
+          <a:prstGeom prst="rect">
+            <a:avLst/>
+          </a:prstGeom>
+          <a:noFill/>
+        </p:spPr>
+        <p:txBody>
+          <a:bodyPr wrap="none" rtlCol="0">
+            <a:spAutoFit/>
+          </a:bodyPr>
+          <a:lstStyle/>
+          <a:p>
+            <a:r>
+              <a:rPr lang="en-US" dirty="0"/>
+              <a:t>Database</a:t>
+            </a:r>
+          </a:p>
+        </p:txBody>
+      </p:sp>
+      <p:sp>
+        <p:nvSpPr>
+          <p:cNvPr id="57" name="TextBox 56">
+            <a:extLst>
+              <a:ext uri="{FF2B5EF4-FFF2-40B4-BE49-F238E27FC236}">
+                <a16:creationId xmlns:a16="http://schemas.microsoft.com/office/drawing/2014/main" id="{64B2601D-C7FC-903C-9816-4955F3787D52}"/>
+              </a:ext>
+            </a:extLst>
+          </p:cNvPr>
+          <p:cNvSpPr txBox="1"/>
+          <p:nvPr/>
+        </p:nvSpPr>
+        <p:spPr>
+          <a:xfrm>
+            <a:off x="9384046" y="4687193"/>
+            <a:ext cx="968535" cy="369332"/>
+          </a:xfrm>
+          <a:prstGeom prst="rect">
+            <a:avLst/>
+          </a:prstGeom>
+          <a:noFill/>
+        </p:spPr>
+        <p:txBody>
+          <a:bodyPr wrap="none" rtlCol="0">
+            <a:spAutoFit/>
+          </a:bodyPr>
+          <a:lstStyle/>
+          <a:p>
+            <a:r>
+              <a:rPr lang="en-US" dirty="0"/>
+              <a:t>Queries</a:t>
+            </a:r>
+          </a:p>
+        </p:txBody>
+      </p:sp>
       <p:cxnSp>
         <p:nvCxnSpPr>
-          <p:cNvPr id="50" name="Straight Arrow Connector 49">
-            <a:extLst>
-              <a:ext uri="{FF2B5EF4-FFF2-40B4-BE49-F238E27FC236}">
-                <a16:creationId xmlns:a16="http://schemas.microsoft.com/office/drawing/2014/main" id="{7D41EB1F-F0D7-EACC-923A-6828A4E4EE76}"/>
-              </a:ext>
-            </a:extLst>
-          </p:cNvPr>
-          <p:cNvCxnSpPr>
-            <a:cxnSpLocks/>
-          </p:cNvCxnSpPr>
+          <p:cNvPr id="58" name="Straight Arrow Connector 57">
+            <a:extLst>
+              <a:ext uri="{FF2B5EF4-FFF2-40B4-BE49-F238E27FC236}">
+                <a16:creationId xmlns:a16="http://schemas.microsoft.com/office/drawing/2014/main" id="{4D4C56A6-DA04-70A5-9718-4D3F07F3D0F5}"/>
+              </a:ext>
+            </a:extLst>
+          </p:cNvPr>
+          <p:cNvCxnSpPr/>
           <p:nvPr/>
         </p:nvCxnSpPr>
         <p:spPr>
-          <a:xfrm flipH="1">
-            <a:off x="10636699" y="4021392"/>
-            <a:ext cx="711535" cy="3987"/>
-          </a:xfrm>
-          <a:prstGeom prst="straightConnector1">
-            <a:avLst/>
-          </a:prstGeom>
-          <a:ln>
-            <a:headEnd type="triangle"/>
-            <a:tailEnd type="triangle"/>
-          </a:ln>
-        </p:spPr>
-        <p:style>
-          <a:lnRef idx="2">
-            <a:schemeClr val="accent1"/>
-          </a:lnRef>
-          <a:fillRef idx="0">
-            <a:schemeClr val="accent1"/>
-          </a:fillRef>
-          <a:effectRef idx="1">
-            <a:schemeClr val="accent1"/>
-          </a:effectRef>
-          <a:fontRef idx="minor">
-            <a:schemeClr val="tx1"/>
-          </a:fontRef>
-        </p:style>
-      </p:cxnSp>
-      <p:cxnSp>
-        <p:nvCxnSpPr>
-          <p:cNvPr id="51" name="Straight Arrow Connector 50">
-            <a:extLst>
-              <a:ext uri="{FF2B5EF4-FFF2-40B4-BE49-F238E27FC236}">
-                <a16:creationId xmlns:a16="http://schemas.microsoft.com/office/drawing/2014/main" id="{71258794-ACF6-FD1D-5211-FADEB04C16C5}"/>
-              </a:ext>
-            </a:extLst>
-          </p:cNvPr>
-          <p:cNvCxnSpPr>
-            <a:cxnSpLocks/>
-          </p:cNvCxnSpPr>
-          <p:nvPr/>
-        </p:nvCxnSpPr>
-        <p:spPr>
-          <a:xfrm flipH="1">
-            <a:off x="10636699" y="4321276"/>
-            <a:ext cx="711535" cy="3987"/>
-          </a:xfrm>
-          <a:prstGeom prst="straightConnector1">
-            <a:avLst/>
-          </a:prstGeom>
-          <a:ln>
-            <a:solidFill>
-              <a:srgbClr val="FF0000"/>
-            </a:solidFill>
-            <a:headEnd type="triangle"/>
-            <a:tailEnd type="triangle"/>
-          </a:ln>
-        </p:spPr>
-        <p:style>
-          <a:lnRef idx="2">
-            <a:schemeClr val="accent1"/>
-          </a:lnRef>
-          <a:fillRef idx="0">
-            <a:schemeClr val="accent1"/>
-          </a:fillRef>
-          <a:effectRef idx="1">
-            <a:schemeClr val="accent1"/>
-          </a:effectRef>
-          <a:fontRef idx="minor">
-            <a:schemeClr val="tx1"/>
-          </a:fontRef>
-        </p:style>
-      </p:cxnSp>
-      <p:cxnSp>
-        <p:nvCxnSpPr>
-          <p:cNvPr id="52" name="Straight Arrow Connector 51">
-            <a:extLst>
-              <a:ext uri="{FF2B5EF4-FFF2-40B4-BE49-F238E27FC236}">
-                <a16:creationId xmlns:a16="http://schemas.microsoft.com/office/drawing/2014/main" id="{53777A9C-F270-4235-F6D7-6B6AC568300B}"/>
-              </a:ext>
-            </a:extLst>
-          </p:cNvPr>
-          <p:cNvCxnSpPr>
-            <a:cxnSpLocks/>
-          </p:cNvCxnSpPr>
-          <p:nvPr/>
-        </p:nvCxnSpPr>
-        <p:spPr>
-          <a:xfrm flipH="1">
-            <a:off x="10636698" y="4598108"/>
-            <a:ext cx="711535" cy="3987"/>
-          </a:xfrm>
-          <a:prstGeom prst="straightConnector1">
-            <a:avLst/>
-          </a:prstGeom>
-          <a:ln>
-            <a:solidFill>
-              <a:srgbClr val="7030A0"/>
-            </a:solidFill>
-            <a:headEnd type="triangle"/>
-            <a:tailEnd type="triangle"/>
-          </a:ln>
-        </p:spPr>
-        <p:style>
-          <a:lnRef idx="2">
-            <a:schemeClr val="accent1"/>
-          </a:lnRef>
-          <a:fillRef idx="0">
-            <a:schemeClr val="accent1"/>
-          </a:fillRef>
-          <a:effectRef idx="1">
-            <a:schemeClr val="accent1"/>
-          </a:effectRef>
-          <a:fontRef idx="minor">
-            <a:schemeClr val="tx1"/>
-          </a:fontRef>
-        </p:style>
-      </p:cxnSp>
-      <p:cxnSp>
-        <p:nvCxnSpPr>
-          <p:cNvPr id="53" name="Straight Arrow Connector 52">
-            <a:extLst>
-              <a:ext uri="{FF2B5EF4-FFF2-40B4-BE49-F238E27FC236}">
-                <a16:creationId xmlns:a16="http://schemas.microsoft.com/office/drawing/2014/main" id="{E2EDF5A3-2F88-E012-422C-D5EB635CE6DB}"/>
-              </a:ext>
-            </a:extLst>
-          </p:cNvPr>
-          <p:cNvCxnSpPr>
-            <a:cxnSpLocks/>
-          </p:cNvCxnSpPr>
-          <p:nvPr/>
-        </p:nvCxnSpPr>
-        <p:spPr>
-          <a:xfrm flipH="1">
-            <a:off x="10636697" y="4897992"/>
-            <a:ext cx="711535" cy="3987"/>
+          <a:xfrm flipV="1">
+            <a:off x="5412659" y="1887793"/>
+            <a:ext cx="0" cy="897194"/>
           </a:xfrm>
           <a:prstGeom prst="straightConnector1">
             <a:avLst/>
@@ -4824,162 +4921,24 @@
           </a:fontRef>
         </p:style>
       </p:cxnSp>
-      <p:sp>
-        <p:nvSpPr>
-          <p:cNvPr id="54" name="TextBox 53">
-            <a:extLst>
-              <a:ext uri="{FF2B5EF4-FFF2-40B4-BE49-F238E27FC236}">
-                <a16:creationId xmlns:a16="http://schemas.microsoft.com/office/drawing/2014/main" id="{72B417E4-9B34-E237-E3C8-E21A3677FFBA}"/>
-              </a:ext>
-            </a:extLst>
-          </p:cNvPr>
-          <p:cNvSpPr txBox="1"/>
-          <p:nvPr/>
-        </p:nvSpPr>
-        <p:spPr>
-          <a:xfrm>
-            <a:off x="9266062" y="3815522"/>
-            <a:ext cx="1197764" cy="369332"/>
-          </a:xfrm>
-          <a:prstGeom prst="rect">
-            <a:avLst/>
-          </a:prstGeom>
-          <a:noFill/>
-        </p:spPr>
-        <p:txBody>
-          <a:bodyPr wrap="none" rtlCol="0">
-            <a:spAutoFit/>
-          </a:bodyPr>
-          <a:lstStyle/>
-          <a:p>
-            <a:r>
-              <a:rPr lang="en-US" dirty="0"/>
-              <a:t>LLMs APIs</a:t>
-            </a:r>
-          </a:p>
-        </p:txBody>
-      </p:sp>
-      <p:sp>
-        <p:nvSpPr>
-          <p:cNvPr id="55" name="TextBox 54">
-            <a:extLst>
-              <a:ext uri="{FF2B5EF4-FFF2-40B4-BE49-F238E27FC236}">
-                <a16:creationId xmlns:a16="http://schemas.microsoft.com/office/drawing/2014/main" id="{4448E8B7-7386-0F7D-E629-84EE1D241ADC}"/>
-              </a:ext>
-            </a:extLst>
-          </p:cNvPr>
-          <p:cNvSpPr txBox="1"/>
-          <p:nvPr/>
-        </p:nvSpPr>
-        <p:spPr>
-          <a:xfrm>
-            <a:off x="9384046" y="4127077"/>
-            <a:ext cx="945067" cy="369332"/>
-          </a:xfrm>
-          <a:prstGeom prst="rect">
-            <a:avLst/>
-          </a:prstGeom>
-          <a:noFill/>
-        </p:spPr>
-        <p:txBody>
-          <a:bodyPr wrap="none" rtlCol="0">
-            <a:spAutoFit/>
-          </a:bodyPr>
-          <a:lstStyle/>
-          <a:p>
-            <a:r>
-              <a:rPr lang="en-US" dirty="0"/>
-              <a:t>Logging</a:t>
-            </a:r>
-          </a:p>
-        </p:txBody>
-      </p:sp>
-      <p:sp>
-        <p:nvSpPr>
-          <p:cNvPr id="56" name="TextBox 55">
-            <a:extLst>
-              <a:ext uri="{FF2B5EF4-FFF2-40B4-BE49-F238E27FC236}">
-                <a16:creationId xmlns:a16="http://schemas.microsoft.com/office/drawing/2014/main" id="{9340ADF5-8DB8-9FCF-72A7-EE8202FFEEC1}"/>
-              </a:ext>
-            </a:extLst>
-          </p:cNvPr>
-          <p:cNvSpPr txBox="1"/>
-          <p:nvPr/>
-        </p:nvSpPr>
-        <p:spPr>
-          <a:xfrm>
-            <a:off x="9384045" y="4413442"/>
-            <a:ext cx="1149674" cy="369332"/>
-          </a:xfrm>
-          <a:prstGeom prst="rect">
-            <a:avLst/>
-          </a:prstGeom>
-          <a:noFill/>
-        </p:spPr>
-        <p:txBody>
-          <a:bodyPr wrap="none" rtlCol="0">
-            <a:spAutoFit/>
-          </a:bodyPr>
-          <a:lstStyle/>
-          <a:p>
-            <a:r>
-              <a:rPr lang="en-US" dirty="0"/>
-              <a:t>Database</a:t>
-            </a:r>
-          </a:p>
-        </p:txBody>
-      </p:sp>
-      <p:sp>
-        <p:nvSpPr>
-          <p:cNvPr id="57" name="TextBox 56">
-            <a:extLst>
-              <a:ext uri="{FF2B5EF4-FFF2-40B4-BE49-F238E27FC236}">
-                <a16:creationId xmlns:a16="http://schemas.microsoft.com/office/drawing/2014/main" id="{64B2601D-C7FC-903C-9816-4955F3787D52}"/>
-              </a:ext>
-            </a:extLst>
-          </p:cNvPr>
-          <p:cNvSpPr txBox="1"/>
-          <p:nvPr/>
-        </p:nvSpPr>
-        <p:spPr>
-          <a:xfrm>
-            <a:off x="9384046" y="4687193"/>
-            <a:ext cx="968535" cy="369332"/>
-          </a:xfrm>
-          <a:prstGeom prst="rect">
-            <a:avLst/>
-          </a:prstGeom>
-          <a:noFill/>
-        </p:spPr>
-        <p:txBody>
-          <a:bodyPr wrap="none" rtlCol="0">
-            <a:spAutoFit/>
-          </a:bodyPr>
-          <a:lstStyle/>
-          <a:p>
-            <a:r>
-              <a:rPr lang="en-US" dirty="0"/>
-              <a:t>Queries</a:t>
-            </a:r>
-          </a:p>
-        </p:txBody>
-      </p:sp>
       <p:cxnSp>
         <p:nvCxnSpPr>
-          <p:cNvPr id="58" name="Straight Arrow Connector 57">
-            <a:extLst>
-              <a:ext uri="{FF2B5EF4-FFF2-40B4-BE49-F238E27FC236}">
-                <a16:creationId xmlns:a16="http://schemas.microsoft.com/office/drawing/2014/main" id="{4D4C56A6-DA04-70A5-9718-4D3F07F3D0F5}"/>
-              </a:ext>
-            </a:extLst>
-          </p:cNvPr>
-          <p:cNvCxnSpPr/>
+          <p:cNvPr id="59" name="Straight Arrow Connector 58">
+            <a:extLst>
+              <a:ext uri="{FF2B5EF4-FFF2-40B4-BE49-F238E27FC236}">
+                <a16:creationId xmlns:a16="http://schemas.microsoft.com/office/drawing/2014/main" id="{647E8F59-82AE-4856-6859-BA267EA784D4}"/>
+              </a:ext>
+            </a:extLst>
+          </p:cNvPr>
+          <p:cNvCxnSpPr>
+            <a:cxnSpLocks/>
+          </p:cNvCxnSpPr>
           <p:nvPr/>
         </p:nvCxnSpPr>
         <p:spPr>
-          <a:xfrm flipV="1">
-            <a:off x="5412659" y="1887793"/>
-            <a:ext cx="0" cy="897194"/>
+          <a:xfrm>
+            <a:off x="5726881" y="1661650"/>
+            <a:ext cx="2134011" cy="0"/>
           </a:xfrm>
           <a:prstGeom prst="straightConnector1">
             <a:avLst/>
@@ -5009,53 +4968,6 @@
           </a:fontRef>
         </p:style>
       </p:cxnSp>
-      <p:cxnSp>
-        <p:nvCxnSpPr>
-          <p:cNvPr id="59" name="Straight Arrow Connector 58">
-            <a:extLst>
-              <a:ext uri="{FF2B5EF4-FFF2-40B4-BE49-F238E27FC236}">
-                <a16:creationId xmlns:a16="http://schemas.microsoft.com/office/drawing/2014/main" id="{647E8F59-82AE-4856-6859-BA267EA784D4}"/>
-              </a:ext>
-            </a:extLst>
-          </p:cNvPr>
-          <p:cNvCxnSpPr>
-            <a:cxnSpLocks/>
-          </p:cNvCxnSpPr>
-          <p:nvPr/>
-        </p:nvCxnSpPr>
-        <p:spPr>
-          <a:xfrm>
-            <a:off x="5726881" y="1661650"/>
-            <a:ext cx="2134011" cy="0"/>
-          </a:xfrm>
-          <a:prstGeom prst="straightConnector1">
-            <a:avLst/>
-          </a:prstGeom>
-          <a:ln>
-            <a:solidFill>
-              <a:schemeClr val="accent6">
-                <a:lumMod val="50000"/>
-              </a:schemeClr>
-            </a:solidFill>
-            <a:headEnd type="triangle"/>
-            <a:tailEnd type="triangle"/>
-          </a:ln>
-        </p:spPr>
-        <p:style>
-          <a:lnRef idx="2">
-            <a:schemeClr val="accent1"/>
-          </a:lnRef>
-          <a:fillRef idx="0">
-            <a:schemeClr val="accent1"/>
-          </a:fillRef>
-          <a:effectRef idx="1">
-            <a:schemeClr val="accent1"/>
-          </a:effectRef>
-          <a:fontRef idx="minor">
-            <a:schemeClr val="tx1"/>
-          </a:fontRef>
-        </p:style>
-      </p:cxnSp>
       <p:sp>
         <p:nvSpPr>
           <p:cNvPr id="2" name="Rectangle 1">
@@ -5356,66 +5268,21 @@
       </p:sp>
       <p:cxnSp>
         <p:nvCxnSpPr>
-          <p:cNvPr id="19" name="Straight Arrow Connector 18">
-            <a:extLst>
-              <a:ext uri="{FF2B5EF4-FFF2-40B4-BE49-F238E27FC236}">
-                <a16:creationId xmlns:a16="http://schemas.microsoft.com/office/drawing/2014/main" id="{FDA17CCA-CCDE-9647-59B4-8DD354A4EE85}"/>
+          <p:cNvPr id="25" name="Straight Arrow Connector 24">
+            <a:extLst>
+              <a:ext uri="{FF2B5EF4-FFF2-40B4-BE49-F238E27FC236}">
+                <a16:creationId xmlns:a16="http://schemas.microsoft.com/office/drawing/2014/main" id="{06DCE6BE-1600-0F8C-81C8-B10195E23152}"/>
               </a:ext>
             </a:extLst>
           </p:cNvPr>
           <p:cNvCxnSpPr>
             <a:cxnSpLocks/>
-            <a:stCxn id="15" idx="0"/>
           </p:cNvCxnSpPr>
           <p:nvPr/>
         </p:nvCxnSpPr>
         <p:spPr>
           <a:xfrm flipV="1">
-            <a:off x="1022169" y="1887793"/>
-            <a:ext cx="1675786" cy="2197510"/>
-          </a:xfrm>
-          <a:prstGeom prst="straightConnector1">
-            <a:avLst/>
-          </a:prstGeom>
-          <a:ln>
-            <a:headEnd type="triangle"/>
-            <a:tailEnd type="triangle"/>
-          </a:ln>
-        </p:spPr>
-        <p:style>
-          <a:lnRef idx="2">
-            <a:schemeClr val="accent1"/>
-          </a:lnRef>
-          <a:fillRef idx="0">
-            <a:schemeClr val="accent1"/>
-          </a:fillRef>
-          <a:effectRef idx="1">
-            <a:schemeClr val="accent1"/>
-          </a:effectRef>
-          <a:fontRef idx="minor">
-            <a:schemeClr val="tx1"/>
-          </a:fontRef>
-        </p:style>
-      </p:cxnSp>
-      <p:cxnSp>
-        <p:nvCxnSpPr>
-          <p:cNvPr id="25" name="Straight Arrow Connector 24">
-            <a:extLst>
-              <a:ext uri="{FF2B5EF4-FFF2-40B4-BE49-F238E27FC236}">
-                <a16:creationId xmlns:a16="http://schemas.microsoft.com/office/drawing/2014/main" id="{06DCE6BE-1600-0F8C-81C8-B10195E23152}"/>
-              </a:ext>
-            </a:extLst>
-          </p:cNvPr>
-          <p:cNvCxnSpPr>
-            <a:cxnSpLocks/>
-            <a:stCxn id="15" idx="0"/>
-            <a:endCxn id="17" idx="1"/>
-          </p:cNvCxnSpPr>
-          <p:nvPr/>
-        </p:nvCxnSpPr>
-        <p:spPr>
-          <a:xfrm flipV="1">
-            <a:off x="1022169" y="3231400"/>
+            <a:off x="636711" y="3193467"/>
             <a:ext cx="15134" cy="853903"/>
           </a:xfrm>
           <a:prstGeom prst="straightConnector1">
@@ -5527,51 +5394,6 @@
       </p:sp>
       <p:cxnSp>
         <p:nvCxnSpPr>
-          <p:cNvPr id="32" name="Straight Arrow Connector 31">
-            <a:extLst>
-              <a:ext uri="{FF2B5EF4-FFF2-40B4-BE49-F238E27FC236}">
-                <a16:creationId xmlns:a16="http://schemas.microsoft.com/office/drawing/2014/main" id="{5E56277C-D555-610A-5365-F7A191C4CA8A}"/>
-              </a:ext>
-            </a:extLst>
-          </p:cNvPr>
-          <p:cNvCxnSpPr>
-            <a:cxnSpLocks/>
-          </p:cNvCxnSpPr>
-          <p:nvPr/>
-        </p:nvCxnSpPr>
-        <p:spPr>
-          <a:xfrm>
-            <a:off x="5655562" y="3195948"/>
-            <a:ext cx="0" cy="889355"/>
-          </a:xfrm>
-          <a:prstGeom prst="straightConnector1">
-            <a:avLst/>
-          </a:prstGeom>
-          <a:ln>
-            <a:solidFill>
-              <a:srgbClr val="FFC000"/>
-            </a:solidFill>
-            <a:headEnd type="triangle"/>
-            <a:tailEnd type="triangle"/>
-          </a:ln>
-        </p:spPr>
-        <p:style>
-          <a:lnRef idx="2">
-            <a:schemeClr val="accent1"/>
-          </a:lnRef>
-          <a:fillRef idx="0">
-            <a:schemeClr val="accent1"/>
-          </a:fillRef>
-          <a:effectRef idx="1">
-            <a:schemeClr val="accent1"/>
-          </a:effectRef>
-          <a:fontRef idx="minor">
-            <a:schemeClr val="tx1"/>
-          </a:fontRef>
-        </p:style>
-      </p:cxnSp>
-      <p:cxnSp>
-        <p:nvCxnSpPr>
           <p:cNvPr id="34" name="Straight Arrow Connector 33">
             <a:extLst>
               <a:ext uri="{FF2B5EF4-FFF2-40B4-BE49-F238E27FC236}">
@@ -5852,6 +5674,90 @@
             <a:r>
               <a:rPr lang="en-US" dirty="0"/>
               <a:t>Direct Claude Max</a:t>
+            </a:r>
+          </a:p>
+        </p:txBody>
+      </p:sp>
+      <p:sp>
+        <p:nvSpPr>
+          <p:cNvPr id="21" name="Rectangle 20">
+            <a:extLst>
+              <a:ext uri="{FF2B5EF4-FFF2-40B4-BE49-F238E27FC236}">
+                <a16:creationId xmlns:a16="http://schemas.microsoft.com/office/drawing/2014/main" id="{E15C269A-427F-FAEB-D92F-28C9F1CBB3AA}"/>
+              </a:ext>
+            </a:extLst>
+          </p:cNvPr>
+          <p:cNvSpPr/>
+          <p:nvPr/>
+        </p:nvSpPr>
+        <p:spPr>
+          <a:xfrm>
+            <a:off x="794723" y="3647754"/>
+            <a:ext cx="1081548" cy="412955"/>
+          </a:xfrm>
+          <a:prstGeom prst="rect">
+            <a:avLst/>
+          </a:prstGeom>
+        </p:spPr>
+        <p:style>
+          <a:lnRef idx="2">
+            <a:schemeClr val="accent1">
+              <a:shade val="15000"/>
+            </a:schemeClr>
+          </a:lnRef>
+          <a:fillRef idx="1">
+            <a:schemeClr val="accent1"/>
+          </a:fillRef>
+          <a:effectRef idx="0">
+            <a:schemeClr val="accent1"/>
+          </a:effectRef>
+          <a:fontRef idx="minor">
+            <a:schemeClr val="lt1"/>
+          </a:fontRef>
+        </p:style>
+        <p:txBody>
+          <a:bodyPr rtlCol="0" anchor="ctr"/>
+          <a:lstStyle/>
+          <a:p>
+            <a:pPr algn="ctr"/>
+            <a:r>
+              <a:rPr lang="en-US" sz="1400" dirty="0"/>
+              <a:t>MCP Relay</a:t>
+            </a:r>
+          </a:p>
+        </p:txBody>
+      </p:sp>
+      <p:sp>
+        <p:nvSpPr>
+          <p:cNvPr id="33" name="TextBox 32">
+            <a:extLst>
+              <a:ext uri="{FF2B5EF4-FFF2-40B4-BE49-F238E27FC236}">
+                <a16:creationId xmlns:a16="http://schemas.microsoft.com/office/drawing/2014/main" id="{D856A3D2-D332-383A-7FE5-1726ABFDCB99}"/>
+              </a:ext>
+            </a:extLst>
+          </p:cNvPr>
+          <p:cNvSpPr txBox="1"/>
+          <p:nvPr/>
+        </p:nvSpPr>
+        <p:spPr>
+          <a:xfrm>
+            <a:off x="1873681" y="3657697"/>
+            <a:ext cx="1646614" cy="577081"/>
+          </a:xfrm>
+          <a:prstGeom prst="rect">
+            <a:avLst/>
+          </a:prstGeom>
+          <a:noFill/>
+        </p:spPr>
+        <p:txBody>
+          <a:bodyPr wrap="square" rtlCol="0">
+            <a:spAutoFit/>
+          </a:bodyPr>
+          <a:lstStyle/>
+          <a:p>
+            <a:r>
+              <a:rPr lang="en-US" sz="1050" dirty="0"/>
+              <a:t>Can connect to any MCP server via WebSocket as needed.</a:t>
             </a:r>
           </a:p>
         </p:txBody>

--- a/architecture/General Architecture.pptx
+++ b/architecture/General Architecture.pptx
@@ -8,8 +8,8 @@
     <p:notesMasterId r:id="rId4"/>
   </p:notesMasterIdLst>
   <p:sldIdLst>
-    <p:sldId id="256" r:id="rId2"/>
-    <p:sldId id="257" r:id="rId3"/>
+    <p:sldId id="257" r:id="rId2"/>
+    <p:sldId id="258" r:id="rId3"/>
   </p:sldIdLst>
   <p:sldSz cx="12192000" cy="6858000"/>
   <p:notesSz cx="6858000" cy="9144000"/>
@@ -206,7 +206,7 @@
           <a:p>
             <a:fld id="{58D61D26-5B59-40B1-90A3-33181C13F003}" type="datetimeFigureOut">
               <a:rPr lang="en-US" smtClean="0"/>
-              <a:t>10/3/2025</a:t>
+              <a:t>10/4/2025</a:t>
             </a:fld>
             <a:endParaRPr lang="en-US"/>
           </a:p>
@@ -538,7 +538,7 @@
           <a:p>
             <a:fld id="{E36F8221-57C7-4F5B-BC12-0C2C5CC0045C}" type="slidenum">
               <a:rPr lang="en-US" smtClean="0"/>
-              <a:t>2</a:t>
+              <a:t>1</a:t>
             </a:fld>
             <a:endParaRPr lang="en-US"/>
           </a:p>
@@ -548,6 +548,114 @@
     <p:extLst>
       <p:ext uri="{BB962C8B-B14F-4D97-AF65-F5344CB8AC3E}">
         <p14:creationId xmlns:p14="http://schemas.microsoft.com/office/powerpoint/2010/main" val="3325221426"/>
+      </p:ext>
+    </p:extLst>
+  </p:cSld>
+  <p:clrMapOvr>
+    <a:masterClrMapping/>
+  </p:clrMapOvr>
+</p:notes>
+</file>
+
+<file path=ppt/notesSlides/notesSlide2.xml><?xml version="1.0" encoding="utf-8"?>
+<p:notes xmlns:a="http://schemas.openxmlformats.org/drawingml/2006/main" xmlns:r="http://schemas.openxmlformats.org/officeDocument/2006/relationships" xmlns:p="http://schemas.openxmlformats.org/presentationml/2006/main">
+  <p:cSld>
+    <p:spTree>
+      <p:nvGrpSpPr>
+        <p:cNvPr id="1" name="">
+          <a:extLst>
+            <a:ext uri="{FF2B5EF4-FFF2-40B4-BE49-F238E27FC236}">
+              <a16:creationId xmlns:a16="http://schemas.microsoft.com/office/drawing/2014/main" id="{CF7B882A-2597-65F0-105A-537A3AACF768}"/>
+            </a:ext>
+          </a:extLst>
+        </p:cNvPr>
+        <p:cNvGrpSpPr/>
+        <p:nvPr/>
+      </p:nvGrpSpPr>
+      <p:grpSpPr>
+        <a:xfrm>
+          <a:off x="0" y="0"/>
+          <a:ext cx="0" cy="0"/>
+          <a:chOff x="0" y="0"/>
+          <a:chExt cx="0" cy="0"/>
+        </a:xfrm>
+      </p:grpSpPr>
+      <p:sp>
+        <p:nvSpPr>
+          <p:cNvPr id="2" name="Slide Image Placeholder 1">
+            <a:extLst>
+              <a:ext uri="{FF2B5EF4-FFF2-40B4-BE49-F238E27FC236}">
+                <a16:creationId xmlns:a16="http://schemas.microsoft.com/office/drawing/2014/main" id="{D33A77B0-5C12-3B01-4207-EC642B06804F}"/>
+              </a:ext>
+            </a:extLst>
+          </p:cNvPr>
+          <p:cNvSpPr>
+            <a:spLocks noGrp="1" noRot="1" noChangeAspect="1"/>
+          </p:cNvSpPr>
+          <p:nvPr>
+            <p:ph type="sldImg"/>
+          </p:nvPr>
+        </p:nvSpPr>
+        <p:spPr/>
+      </p:sp>
+      <p:sp>
+        <p:nvSpPr>
+          <p:cNvPr id="3" name="Notes Placeholder 2">
+            <a:extLst>
+              <a:ext uri="{FF2B5EF4-FFF2-40B4-BE49-F238E27FC236}">
+                <a16:creationId xmlns:a16="http://schemas.microsoft.com/office/drawing/2014/main" id="{2A6B5DE4-3F47-5294-EED1-817FEF99D40D}"/>
+              </a:ext>
+            </a:extLst>
+          </p:cNvPr>
+          <p:cNvSpPr>
+            <a:spLocks noGrp="1"/>
+          </p:cNvSpPr>
+          <p:nvPr>
+            <p:ph type="body" idx="1"/>
+          </p:nvPr>
+        </p:nvSpPr>
+        <p:spPr/>
+        <p:txBody>
+          <a:bodyPr/>
+          <a:lstStyle/>
+          <a:p>
+            <a:endParaRPr lang="en-US"/>
+          </a:p>
+        </p:txBody>
+      </p:sp>
+      <p:sp>
+        <p:nvSpPr>
+          <p:cNvPr id="4" name="Slide Number Placeholder 3">
+            <a:extLst>
+              <a:ext uri="{FF2B5EF4-FFF2-40B4-BE49-F238E27FC236}">
+                <a16:creationId xmlns:a16="http://schemas.microsoft.com/office/drawing/2014/main" id="{60AA59EC-7DDB-3338-9336-2D19BB40B2D3}"/>
+              </a:ext>
+            </a:extLst>
+          </p:cNvPr>
+          <p:cNvSpPr>
+            <a:spLocks noGrp="1"/>
+          </p:cNvSpPr>
+          <p:nvPr>
+            <p:ph type="sldNum" sz="quarter" idx="5"/>
+          </p:nvPr>
+        </p:nvSpPr>
+        <p:spPr/>
+        <p:txBody>
+          <a:bodyPr/>
+          <a:lstStyle/>
+          <a:p>
+            <a:fld id="{E36F8221-57C7-4F5B-BC12-0C2C5CC0045C}" type="slidenum">
+              <a:rPr lang="en-US" smtClean="0"/>
+              <a:t>2</a:t>
+            </a:fld>
+            <a:endParaRPr lang="en-US"/>
+          </a:p>
+        </p:txBody>
+      </p:sp>
+    </p:spTree>
+    <p:extLst>
+      <p:ext uri="{BB962C8B-B14F-4D97-AF65-F5344CB8AC3E}">
+        <p14:creationId xmlns:p14="http://schemas.microsoft.com/office/powerpoint/2010/main" val="2816381451"/>
       </p:ext>
     </p:extLst>
   </p:cSld>
@@ -704,7 +812,7 @@
           <a:p>
             <a:fld id="{D45103E1-E2AB-48B9-A7A3-3A6D53EEBC64}" type="datetimeFigureOut">
               <a:rPr lang="en-US" smtClean="0"/>
-              <a:t>10/3/2025</a:t>
+              <a:t>10/4/2025</a:t>
             </a:fld>
             <a:endParaRPr lang="en-US"/>
           </a:p>
@@ -902,7 +1010,7 @@
           <a:p>
             <a:fld id="{D45103E1-E2AB-48B9-A7A3-3A6D53EEBC64}" type="datetimeFigureOut">
               <a:rPr lang="en-US" smtClean="0"/>
-              <a:t>10/3/2025</a:t>
+              <a:t>10/4/2025</a:t>
             </a:fld>
             <a:endParaRPr lang="en-US"/>
           </a:p>
@@ -1110,7 +1218,7 @@
           <a:p>
             <a:fld id="{D45103E1-E2AB-48B9-A7A3-3A6D53EEBC64}" type="datetimeFigureOut">
               <a:rPr lang="en-US" smtClean="0"/>
-              <a:t>10/3/2025</a:t>
+              <a:t>10/4/2025</a:t>
             </a:fld>
             <a:endParaRPr lang="en-US"/>
           </a:p>
@@ -1308,7 +1416,7 @@
           <a:p>
             <a:fld id="{D45103E1-E2AB-48B9-A7A3-3A6D53EEBC64}" type="datetimeFigureOut">
               <a:rPr lang="en-US" smtClean="0"/>
-              <a:t>10/3/2025</a:t>
+              <a:t>10/4/2025</a:t>
             </a:fld>
             <a:endParaRPr lang="en-US"/>
           </a:p>
@@ -1583,7 +1691,7 @@
           <a:p>
             <a:fld id="{D45103E1-E2AB-48B9-A7A3-3A6D53EEBC64}" type="datetimeFigureOut">
               <a:rPr lang="en-US" smtClean="0"/>
-              <a:t>10/3/2025</a:t>
+              <a:t>10/4/2025</a:t>
             </a:fld>
             <a:endParaRPr lang="en-US"/>
           </a:p>
@@ -1848,7 +1956,7 @@
           <a:p>
             <a:fld id="{D45103E1-E2AB-48B9-A7A3-3A6D53EEBC64}" type="datetimeFigureOut">
               <a:rPr lang="en-US" smtClean="0"/>
-              <a:t>10/3/2025</a:t>
+              <a:t>10/4/2025</a:t>
             </a:fld>
             <a:endParaRPr lang="en-US"/>
           </a:p>
@@ -2260,7 +2368,7 @@
           <a:p>
             <a:fld id="{D45103E1-E2AB-48B9-A7A3-3A6D53EEBC64}" type="datetimeFigureOut">
               <a:rPr lang="en-US" smtClean="0"/>
-              <a:t>10/3/2025</a:t>
+              <a:t>10/4/2025</a:t>
             </a:fld>
             <a:endParaRPr lang="en-US"/>
           </a:p>
@@ -2401,7 +2509,7 @@
           <a:p>
             <a:fld id="{D45103E1-E2AB-48B9-A7A3-3A6D53EEBC64}" type="datetimeFigureOut">
               <a:rPr lang="en-US" smtClean="0"/>
-              <a:t>10/3/2025</a:t>
+              <a:t>10/4/2025</a:t>
             </a:fld>
             <a:endParaRPr lang="en-US"/>
           </a:p>
@@ -2514,7 +2622,7 @@
           <a:p>
             <a:fld id="{D45103E1-E2AB-48B9-A7A3-3A6D53EEBC64}" type="datetimeFigureOut">
               <a:rPr lang="en-US" smtClean="0"/>
-              <a:t>10/3/2025</a:t>
+              <a:t>10/4/2025</a:t>
             </a:fld>
             <a:endParaRPr lang="en-US"/>
           </a:p>
@@ -2825,7 +2933,7 @@
           <a:p>
             <a:fld id="{D45103E1-E2AB-48B9-A7A3-3A6D53EEBC64}" type="datetimeFigureOut">
               <a:rPr lang="en-US" smtClean="0"/>
-              <a:t>10/3/2025</a:t>
+              <a:t>10/4/2025</a:t>
             </a:fld>
             <a:endParaRPr lang="en-US"/>
           </a:p>
@@ -3113,7 +3221,7 @@
           <a:p>
             <a:fld id="{D45103E1-E2AB-48B9-A7A3-3A6D53EEBC64}" type="datetimeFigureOut">
               <a:rPr lang="en-US" smtClean="0"/>
-              <a:t>10/3/2025</a:t>
+              <a:t>10/4/2025</a:t>
             </a:fld>
             <a:endParaRPr lang="en-US"/>
           </a:p>
@@ -3354,7 +3462,7 @@
           <a:p>
             <a:fld id="{D45103E1-E2AB-48B9-A7A3-3A6D53EEBC64}" type="datetimeFigureOut">
               <a:rPr lang="en-US" smtClean="0"/>
-              <a:t>10/3/2025</a:t>
+              <a:t>10/4/2025</a:t>
             </a:fld>
             <a:endParaRPr lang="en-US"/>
           </a:p>
@@ -3773,58 +3881,1919 @@
       </p:grpSpPr>
       <p:sp>
         <p:nvSpPr>
-          <p:cNvPr id="2" name="Title 1">
-            <a:extLst>
-              <a:ext uri="{FF2B5EF4-FFF2-40B4-BE49-F238E27FC236}">
-                <a16:creationId xmlns:a16="http://schemas.microsoft.com/office/drawing/2014/main" id="{91EAE038-A977-6872-04C0-90419EEA898D}"/>
-              </a:ext>
-            </a:extLst>
-          </p:cNvPr>
-          <p:cNvSpPr>
-            <a:spLocks noGrp="1"/>
-          </p:cNvSpPr>
-          <p:nvPr>
-            <p:ph type="ctrTitle"/>
-          </p:nvPr>
-        </p:nvSpPr>
-        <p:spPr/>
-        <p:txBody>
-          <a:bodyPr/>
-          <a:lstStyle/>
-          <a:p>
-            <a:endParaRPr lang="en-US"/>
-          </a:p>
-        </p:txBody>
-      </p:sp>
-      <p:sp>
-        <p:nvSpPr>
-          <p:cNvPr id="3" name="Subtitle 2">
-            <a:extLst>
-              <a:ext uri="{FF2B5EF4-FFF2-40B4-BE49-F238E27FC236}">
-                <a16:creationId xmlns:a16="http://schemas.microsoft.com/office/drawing/2014/main" id="{BE096363-7ED1-7557-01C4-A2DCF258A752}"/>
-              </a:ext>
-            </a:extLst>
-          </p:cNvPr>
-          <p:cNvSpPr>
-            <a:spLocks noGrp="1"/>
-          </p:cNvSpPr>
-          <p:nvPr>
-            <p:ph type="subTitle" idx="1"/>
-          </p:nvPr>
-        </p:nvSpPr>
-        <p:spPr/>
-        <p:txBody>
-          <a:bodyPr/>
-          <a:lstStyle/>
-          <a:p>
-            <a:endParaRPr lang="en-US"/>
+          <p:cNvPr id="4" name="Rectangle 3">
+            <a:extLst>
+              <a:ext uri="{FF2B5EF4-FFF2-40B4-BE49-F238E27FC236}">
+                <a16:creationId xmlns:a16="http://schemas.microsoft.com/office/drawing/2014/main" id="{1502DC90-08CF-D0EB-BCD3-A34DC4BA4C00}"/>
+              </a:ext>
+            </a:extLst>
+          </p:cNvPr>
+          <p:cNvSpPr/>
+          <p:nvPr/>
+        </p:nvSpPr>
+        <p:spPr>
+          <a:xfrm>
+            <a:off x="4657007" y="3206544"/>
+            <a:ext cx="1081548" cy="835742"/>
+          </a:xfrm>
+          <a:prstGeom prst="rect">
+            <a:avLst/>
+          </a:prstGeom>
+        </p:spPr>
+        <p:style>
+          <a:lnRef idx="2">
+            <a:schemeClr val="accent1">
+              <a:shade val="15000"/>
+            </a:schemeClr>
+          </a:lnRef>
+          <a:fillRef idx="1">
+            <a:schemeClr val="accent1"/>
+          </a:fillRef>
+          <a:effectRef idx="0">
+            <a:schemeClr val="accent1"/>
+          </a:effectRef>
+          <a:fontRef idx="minor">
+            <a:schemeClr val="lt1"/>
+          </a:fontRef>
+        </p:style>
+        <p:txBody>
+          <a:bodyPr rtlCol="0" anchor="ctr"/>
+          <a:lstStyle/>
+          <a:p>
+            <a:pPr algn="ctr"/>
+            <a:r>
+              <a:rPr lang="en-US" dirty="0"/>
+              <a:t>Claude Code</a:t>
+            </a:r>
+          </a:p>
+        </p:txBody>
+      </p:sp>
+      <p:sp>
+        <p:nvSpPr>
+          <p:cNvPr id="5" name="Rectangle 4">
+            <a:extLst>
+              <a:ext uri="{FF2B5EF4-FFF2-40B4-BE49-F238E27FC236}">
+                <a16:creationId xmlns:a16="http://schemas.microsoft.com/office/drawing/2014/main" id="{B11200C5-9D07-B230-0CA4-2A551B86E851}"/>
+              </a:ext>
+            </a:extLst>
+          </p:cNvPr>
+          <p:cNvSpPr/>
+          <p:nvPr/>
+        </p:nvSpPr>
+        <p:spPr>
+          <a:xfrm>
+            <a:off x="4650658" y="2784986"/>
+            <a:ext cx="1081548" cy="412955"/>
+          </a:xfrm>
+          <a:prstGeom prst="rect">
+            <a:avLst/>
+          </a:prstGeom>
+        </p:spPr>
+        <p:style>
+          <a:lnRef idx="2">
+            <a:schemeClr val="accent1">
+              <a:shade val="15000"/>
+            </a:schemeClr>
+          </a:lnRef>
+          <a:fillRef idx="1">
+            <a:schemeClr val="accent1"/>
+          </a:fillRef>
+          <a:effectRef idx="0">
+            <a:schemeClr val="accent1"/>
+          </a:effectRef>
+          <a:fontRef idx="minor">
+            <a:schemeClr val="lt1"/>
+          </a:fontRef>
+        </p:style>
+        <p:txBody>
+          <a:bodyPr rtlCol="0" anchor="ctr"/>
+          <a:lstStyle/>
+          <a:p>
+            <a:pPr algn="ctr"/>
+            <a:r>
+              <a:rPr lang="en-US" sz="1400" dirty="0"/>
+              <a:t>MCP Relay</a:t>
+            </a:r>
+          </a:p>
+        </p:txBody>
+      </p:sp>
+      <p:sp>
+        <p:nvSpPr>
+          <p:cNvPr id="6" name="Rectangle 5">
+            <a:extLst>
+              <a:ext uri="{FF2B5EF4-FFF2-40B4-BE49-F238E27FC236}">
+                <a16:creationId xmlns:a16="http://schemas.microsoft.com/office/drawing/2014/main" id="{152BAE0C-3F49-CE42-6E85-E6C8228729A1}"/>
+              </a:ext>
+            </a:extLst>
+          </p:cNvPr>
+          <p:cNvSpPr/>
+          <p:nvPr/>
+        </p:nvSpPr>
+        <p:spPr>
+          <a:xfrm>
+            <a:off x="4650658" y="1052051"/>
+            <a:ext cx="1081548" cy="835742"/>
+          </a:xfrm>
+          <a:prstGeom prst="rect">
+            <a:avLst/>
+          </a:prstGeom>
+        </p:spPr>
+        <p:style>
+          <a:lnRef idx="2">
+            <a:schemeClr val="accent1">
+              <a:shade val="15000"/>
+            </a:schemeClr>
+          </a:lnRef>
+          <a:fillRef idx="1">
+            <a:schemeClr val="accent1"/>
+          </a:fillRef>
+          <a:effectRef idx="0">
+            <a:schemeClr val="accent1"/>
+          </a:effectRef>
+          <a:fontRef idx="minor">
+            <a:schemeClr val="lt1"/>
+          </a:fontRef>
+        </p:style>
+        <p:txBody>
+          <a:bodyPr rtlCol="0" anchor="ctr"/>
+          <a:lstStyle/>
+          <a:p>
+            <a:pPr algn="ctr"/>
+            <a:r>
+              <a:rPr lang="en-US" dirty="0"/>
+              <a:t>KGB</a:t>
+            </a:r>
+          </a:p>
+        </p:txBody>
+      </p:sp>
+      <p:sp>
+        <p:nvSpPr>
+          <p:cNvPr id="7" name="Rectangle 6">
+            <a:extLst>
+              <a:ext uri="{FF2B5EF4-FFF2-40B4-BE49-F238E27FC236}">
+                <a16:creationId xmlns:a16="http://schemas.microsoft.com/office/drawing/2014/main" id="{F2C1DB5C-0EA4-946B-BB81-824A2855E5FC}"/>
+              </a:ext>
+            </a:extLst>
+          </p:cNvPr>
+          <p:cNvSpPr/>
+          <p:nvPr/>
+        </p:nvSpPr>
+        <p:spPr>
+          <a:xfrm>
+            <a:off x="2498622" y="1052051"/>
+            <a:ext cx="1081548" cy="835742"/>
+          </a:xfrm>
+          <a:prstGeom prst="rect">
+            <a:avLst/>
+          </a:prstGeom>
+        </p:spPr>
+        <p:style>
+          <a:lnRef idx="2">
+            <a:schemeClr val="accent1">
+              <a:shade val="15000"/>
+            </a:schemeClr>
+          </a:lnRef>
+          <a:fillRef idx="1">
+            <a:schemeClr val="accent1"/>
+          </a:fillRef>
+          <a:effectRef idx="0">
+            <a:schemeClr val="accent1"/>
+          </a:effectRef>
+          <a:fontRef idx="minor">
+            <a:schemeClr val="lt1"/>
+          </a:fontRef>
+        </p:style>
+        <p:txBody>
+          <a:bodyPr rtlCol="0" anchor="ctr"/>
+          <a:lstStyle/>
+          <a:p>
+            <a:pPr algn="ctr"/>
+            <a:r>
+              <a:rPr lang="en-US" dirty="0"/>
+              <a:t>Fiedler</a:t>
+            </a:r>
+          </a:p>
+        </p:txBody>
+      </p:sp>
+      <p:sp>
+        <p:nvSpPr>
+          <p:cNvPr id="8" name="Cloud 7">
+            <a:extLst>
+              <a:ext uri="{FF2B5EF4-FFF2-40B4-BE49-F238E27FC236}">
+                <a16:creationId xmlns:a16="http://schemas.microsoft.com/office/drawing/2014/main" id="{7E6434CF-050A-31DC-15F9-F99771F8E329}"/>
+              </a:ext>
+            </a:extLst>
+          </p:cNvPr>
+          <p:cNvSpPr/>
+          <p:nvPr/>
+        </p:nvSpPr>
+        <p:spPr>
+          <a:xfrm>
+            <a:off x="406806" y="1026541"/>
+            <a:ext cx="1381432" cy="894735"/>
+          </a:xfrm>
+          <a:prstGeom prst="cloud">
+            <a:avLst/>
+          </a:prstGeom>
+        </p:spPr>
+        <p:style>
+          <a:lnRef idx="2">
+            <a:schemeClr val="accent1">
+              <a:shade val="15000"/>
+            </a:schemeClr>
+          </a:lnRef>
+          <a:fillRef idx="1">
+            <a:schemeClr val="accent1"/>
+          </a:fillRef>
+          <a:effectRef idx="0">
+            <a:schemeClr val="accent1"/>
+          </a:effectRef>
+          <a:fontRef idx="minor">
+            <a:schemeClr val="lt1"/>
+          </a:fontRef>
+        </p:style>
+        <p:txBody>
+          <a:bodyPr rtlCol="0" anchor="ctr"/>
+          <a:lstStyle/>
+          <a:p>
+            <a:pPr algn="ctr"/>
+            <a:r>
+              <a:rPr lang="en-US" dirty="0"/>
+              <a:t>Cloud LLMs</a:t>
+            </a:r>
+          </a:p>
+        </p:txBody>
+      </p:sp>
+      <p:sp>
+        <p:nvSpPr>
+          <p:cNvPr id="9" name="Rectangle 8">
+            <a:extLst>
+              <a:ext uri="{FF2B5EF4-FFF2-40B4-BE49-F238E27FC236}">
+                <a16:creationId xmlns:a16="http://schemas.microsoft.com/office/drawing/2014/main" id="{4375BDAC-607E-A37B-C7E8-4BA9F2CE976E}"/>
+              </a:ext>
+            </a:extLst>
+          </p:cNvPr>
+          <p:cNvSpPr/>
+          <p:nvPr/>
+        </p:nvSpPr>
+        <p:spPr>
+          <a:xfrm>
+            <a:off x="2498622" y="2499851"/>
+            <a:ext cx="1081548" cy="835742"/>
+          </a:xfrm>
+          <a:prstGeom prst="rect">
+            <a:avLst/>
+          </a:prstGeom>
+        </p:spPr>
+        <p:style>
+          <a:lnRef idx="2">
+            <a:schemeClr val="accent1">
+              <a:shade val="15000"/>
+            </a:schemeClr>
+          </a:lnRef>
+          <a:fillRef idx="1">
+            <a:schemeClr val="accent1"/>
+          </a:fillRef>
+          <a:effectRef idx="0">
+            <a:schemeClr val="accent1"/>
+          </a:effectRef>
+          <a:fontRef idx="minor">
+            <a:schemeClr val="lt1"/>
+          </a:fontRef>
+        </p:style>
+        <p:txBody>
+          <a:bodyPr rtlCol="0" anchor="ctr"/>
+          <a:lstStyle/>
+          <a:p>
+            <a:pPr algn="ctr"/>
+            <a:r>
+              <a:rPr lang="en-US" dirty="0"/>
+              <a:t>Local LLMs</a:t>
+            </a:r>
+          </a:p>
+        </p:txBody>
+      </p:sp>
+      <p:sp>
+        <p:nvSpPr>
+          <p:cNvPr id="10" name="Rectangle 9">
+            <a:extLst>
+              <a:ext uri="{FF2B5EF4-FFF2-40B4-BE49-F238E27FC236}">
+                <a16:creationId xmlns:a16="http://schemas.microsoft.com/office/drawing/2014/main" id="{65B30CBD-436C-7FA1-A7C8-2BB040F64778}"/>
+              </a:ext>
+            </a:extLst>
+          </p:cNvPr>
+          <p:cNvSpPr/>
+          <p:nvPr/>
+        </p:nvSpPr>
+        <p:spPr>
+          <a:xfrm>
+            <a:off x="7860892" y="1052051"/>
+            <a:ext cx="1081548" cy="835742"/>
+          </a:xfrm>
+          <a:prstGeom prst="rect">
+            <a:avLst/>
+          </a:prstGeom>
+        </p:spPr>
+        <p:style>
+          <a:lnRef idx="2">
+            <a:schemeClr val="accent1">
+              <a:shade val="15000"/>
+            </a:schemeClr>
+          </a:lnRef>
+          <a:fillRef idx="1">
+            <a:schemeClr val="accent1"/>
+          </a:fillRef>
+          <a:effectRef idx="0">
+            <a:schemeClr val="accent1"/>
+          </a:effectRef>
+          <a:fontRef idx="minor">
+            <a:schemeClr val="lt1"/>
+          </a:fontRef>
+        </p:style>
+        <p:txBody>
+          <a:bodyPr rtlCol="0" anchor="ctr"/>
+          <a:lstStyle/>
+          <a:p>
+            <a:pPr algn="ctr"/>
+            <a:r>
+              <a:rPr lang="en-US" dirty="0"/>
+              <a:t>Dewey</a:t>
+            </a:r>
+          </a:p>
+        </p:txBody>
+      </p:sp>
+      <p:sp>
+        <p:nvSpPr>
+          <p:cNvPr id="12" name="Cylinder 11">
+            <a:extLst>
+              <a:ext uri="{FF2B5EF4-FFF2-40B4-BE49-F238E27FC236}">
+                <a16:creationId xmlns:a16="http://schemas.microsoft.com/office/drawing/2014/main" id="{34B89F56-1D71-8025-2090-123D7932EC0F}"/>
+              </a:ext>
+            </a:extLst>
+          </p:cNvPr>
+          <p:cNvSpPr/>
+          <p:nvPr/>
+        </p:nvSpPr>
+        <p:spPr>
+          <a:xfrm>
+            <a:off x="9910918" y="851719"/>
+            <a:ext cx="1081548" cy="1236406"/>
+          </a:xfrm>
+          <a:prstGeom prst="can">
+            <a:avLst/>
+          </a:prstGeom>
+        </p:spPr>
+        <p:style>
+          <a:lnRef idx="2">
+            <a:schemeClr val="accent1">
+              <a:shade val="15000"/>
+            </a:schemeClr>
+          </a:lnRef>
+          <a:fillRef idx="1">
+            <a:schemeClr val="accent1"/>
+          </a:fillRef>
+          <a:effectRef idx="0">
+            <a:schemeClr val="accent1"/>
+          </a:effectRef>
+          <a:fontRef idx="minor">
+            <a:schemeClr val="lt1"/>
+          </a:fontRef>
+        </p:style>
+        <p:txBody>
+          <a:bodyPr rtlCol="0" anchor="ctr"/>
+          <a:lstStyle/>
+          <a:p>
+            <a:pPr algn="ctr"/>
+            <a:r>
+              <a:rPr lang="en-US" dirty="0"/>
+              <a:t>Winni</a:t>
+            </a:r>
+          </a:p>
+        </p:txBody>
+      </p:sp>
+      <p:cxnSp>
+        <p:nvCxnSpPr>
+          <p:cNvPr id="14" name="Straight Arrow Connector 13">
+            <a:extLst>
+              <a:ext uri="{FF2B5EF4-FFF2-40B4-BE49-F238E27FC236}">
+                <a16:creationId xmlns:a16="http://schemas.microsoft.com/office/drawing/2014/main" id="{1145D784-E01D-8742-787B-FB695A3F8D62}"/>
+              </a:ext>
+            </a:extLst>
+          </p:cNvPr>
+          <p:cNvCxnSpPr>
+            <a:stCxn id="10" idx="3"/>
+            <a:endCxn id="12" idx="2"/>
+          </p:cNvCxnSpPr>
+          <p:nvPr/>
+        </p:nvCxnSpPr>
+        <p:spPr>
+          <a:xfrm>
+            <a:off x="8942440" y="1469922"/>
+            <a:ext cx="968478" cy="0"/>
+          </a:xfrm>
+          <a:prstGeom prst="straightConnector1">
+            <a:avLst/>
+          </a:prstGeom>
+          <a:ln>
+            <a:solidFill>
+              <a:schemeClr val="accent5">
+                <a:lumMod val="75000"/>
+              </a:schemeClr>
+            </a:solidFill>
+            <a:headEnd type="triangle"/>
+            <a:tailEnd type="triangle"/>
+          </a:ln>
+        </p:spPr>
+        <p:style>
+          <a:lnRef idx="2">
+            <a:schemeClr val="accent1"/>
+          </a:lnRef>
+          <a:fillRef idx="0">
+            <a:schemeClr val="accent1"/>
+          </a:fillRef>
+          <a:effectRef idx="1">
+            <a:schemeClr val="accent1"/>
+          </a:effectRef>
+          <a:fontRef idx="minor">
+            <a:schemeClr val="tx1"/>
+          </a:fontRef>
+        </p:style>
+      </p:cxnSp>
+      <p:cxnSp>
+        <p:nvCxnSpPr>
+          <p:cNvPr id="16" name="Straight Arrow Connector 15">
+            <a:extLst>
+              <a:ext uri="{FF2B5EF4-FFF2-40B4-BE49-F238E27FC236}">
+                <a16:creationId xmlns:a16="http://schemas.microsoft.com/office/drawing/2014/main" id="{D33AC08A-67E8-D0E6-2668-732612FE4274}"/>
+              </a:ext>
+            </a:extLst>
+          </p:cNvPr>
+          <p:cNvCxnSpPr>
+            <a:stCxn id="6" idx="3"/>
+            <a:endCxn id="10" idx="1"/>
+          </p:cNvCxnSpPr>
+          <p:nvPr/>
+        </p:nvCxnSpPr>
+        <p:spPr>
+          <a:xfrm>
+            <a:off x="5732206" y="1469922"/>
+            <a:ext cx="2128686" cy="0"/>
+          </a:xfrm>
+          <a:prstGeom prst="straightConnector1">
+            <a:avLst/>
+          </a:prstGeom>
+          <a:ln>
+            <a:solidFill>
+              <a:srgbClr val="FF0000"/>
+            </a:solidFill>
+            <a:tailEnd type="triangle"/>
+          </a:ln>
+        </p:spPr>
+        <p:style>
+          <a:lnRef idx="2">
+            <a:schemeClr val="accent1"/>
+          </a:lnRef>
+          <a:fillRef idx="0">
+            <a:schemeClr val="accent1"/>
+          </a:fillRef>
+          <a:effectRef idx="1">
+            <a:schemeClr val="accent1"/>
+          </a:effectRef>
+          <a:fontRef idx="minor">
+            <a:schemeClr val="tx1"/>
+          </a:fontRef>
+        </p:style>
+      </p:cxnSp>
+      <p:cxnSp>
+        <p:nvCxnSpPr>
+          <p:cNvPr id="20" name="Straight Arrow Connector 19">
+            <a:extLst>
+              <a:ext uri="{FF2B5EF4-FFF2-40B4-BE49-F238E27FC236}">
+                <a16:creationId xmlns:a16="http://schemas.microsoft.com/office/drawing/2014/main" id="{A76C03CE-C683-3442-2B89-61C4F2E30A17}"/>
+              </a:ext>
+            </a:extLst>
+          </p:cNvPr>
+          <p:cNvCxnSpPr>
+            <a:stCxn id="5" idx="0"/>
+            <a:endCxn id="6" idx="2"/>
+          </p:cNvCxnSpPr>
+          <p:nvPr/>
+        </p:nvCxnSpPr>
+        <p:spPr>
+          <a:xfrm flipV="1">
+            <a:off x="5191432" y="1887793"/>
+            <a:ext cx="0" cy="897193"/>
+          </a:xfrm>
+          <a:prstGeom prst="straightConnector1">
+            <a:avLst/>
+          </a:prstGeom>
+          <a:ln>
+            <a:headEnd type="triangle"/>
+            <a:tailEnd type="triangle"/>
+          </a:ln>
+        </p:spPr>
+        <p:style>
+          <a:lnRef idx="2">
+            <a:schemeClr val="accent1"/>
+          </a:lnRef>
+          <a:fillRef idx="0">
+            <a:schemeClr val="accent1"/>
+          </a:fillRef>
+          <a:effectRef idx="1">
+            <a:schemeClr val="accent1"/>
+          </a:effectRef>
+          <a:fontRef idx="minor">
+            <a:schemeClr val="tx1"/>
+          </a:fontRef>
+        </p:style>
+      </p:cxnSp>
+      <p:cxnSp>
+        <p:nvCxnSpPr>
+          <p:cNvPr id="22" name="Straight Arrow Connector 21">
+            <a:extLst>
+              <a:ext uri="{FF2B5EF4-FFF2-40B4-BE49-F238E27FC236}">
+                <a16:creationId xmlns:a16="http://schemas.microsoft.com/office/drawing/2014/main" id="{948C056B-30BA-B306-992B-A899822C4185}"/>
+              </a:ext>
+            </a:extLst>
+          </p:cNvPr>
+          <p:cNvCxnSpPr>
+            <a:stCxn id="6" idx="1"/>
+          </p:cNvCxnSpPr>
+          <p:nvPr/>
+        </p:nvCxnSpPr>
+        <p:spPr>
+          <a:xfrm flipH="1">
+            <a:off x="3580170" y="1469922"/>
+            <a:ext cx="1070488" cy="0"/>
+          </a:xfrm>
+          <a:prstGeom prst="straightConnector1">
+            <a:avLst/>
+          </a:prstGeom>
+          <a:ln>
+            <a:headEnd type="triangle"/>
+            <a:tailEnd type="triangle"/>
+          </a:ln>
+        </p:spPr>
+        <p:style>
+          <a:lnRef idx="2">
+            <a:schemeClr val="accent1"/>
+          </a:lnRef>
+          <a:fillRef idx="0">
+            <a:schemeClr val="accent1"/>
+          </a:fillRef>
+          <a:effectRef idx="1">
+            <a:schemeClr val="accent1"/>
+          </a:effectRef>
+          <a:fontRef idx="minor">
+            <a:schemeClr val="tx1"/>
+          </a:fontRef>
+        </p:style>
+      </p:cxnSp>
+      <p:cxnSp>
+        <p:nvCxnSpPr>
+          <p:cNvPr id="24" name="Straight Arrow Connector 23">
+            <a:extLst>
+              <a:ext uri="{FF2B5EF4-FFF2-40B4-BE49-F238E27FC236}">
+                <a16:creationId xmlns:a16="http://schemas.microsoft.com/office/drawing/2014/main" id="{9D126544-3DD0-D0A2-08BB-5BBF8D88F5A1}"/>
+              </a:ext>
+            </a:extLst>
+          </p:cNvPr>
+          <p:cNvCxnSpPr>
+            <a:cxnSpLocks/>
+            <a:stCxn id="7" idx="1"/>
+            <a:endCxn id="8" idx="0"/>
+          </p:cNvCxnSpPr>
+          <p:nvPr/>
+        </p:nvCxnSpPr>
+        <p:spPr>
+          <a:xfrm flipH="1">
+            <a:off x="1787087" y="1469922"/>
+            <a:ext cx="711535" cy="3987"/>
+          </a:xfrm>
+          <a:prstGeom prst="straightConnector1">
+            <a:avLst/>
+          </a:prstGeom>
+          <a:ln>
+            <a:headEnd type="triangle"/>
+            <a:tailEnd type="triangle"/>
+          </a:ln>
+        </p:spPr>
+        <p:style>
+          <a:lnRef idx="2">
+            <a:schemeClr val="accent1"/>
+          </a:lnRef>
+          <a:fillRef idx="0">
+            <a:schemeClr val="accent1"/>
+          </a:fillRef>
+          <a:effectRef idx="1">
+            <a:schemeClr val="accent1"/>
+          </a:effectRef>
+          <a:fontRef idx="minor">
+            <a:schemeClr val="tx1"/>
+          </a:fontRef>
+        </p:style>
+      </p:cxnSp>
+      <p:cxnSp>
+        <p:nvCxnSpPr>
+          <p:cNvPr id="27" name="Straight Arrow Connector 26">
+            <a:extLst>
+              <a:ext uri="{FF2B5EF4-FFF2-40B4-BE49-F238E27FC236}">
+                <a16:creationId xmlns:a16="http://schemas.microsoft.com/office/drawing/2014/main" id="{6985C440-9D89-1D88-2F97-FAC9E94E3DB9}"/>
+              </a:ext>
+            </a:extLst>
+          </p:cNvPr>
+          <p:cNvCxnSpPr>
+            <a:cxnSpLocks/>
+            <a:stCxn id="7" idx="2"/>
+            <a:endCxn id="9" idx="0"/>
+          </p:cNvCxnSpPr>
+          <p:nvPr/>
+        </p:nvCxnSpPr>
+        <p:spPr>
+          <a:xfrm>
+            <a:off x="3039396" y="1887793"/>
+            <a:ext cx="0" cy="612058"/>
+          </a:xfrm>
+          <a:prstGeom prst="straightConnector1">
+            <a:avLst/>
+          </a:prstGeom>
+          <a:ln>
+            <a:headEnd type="triangle"/>
+            <a:tailEnd type="triangle"/>
+          </a:ln>
+        </p:spPr>
+        <p:style>
+          <a:lnRef idx="2">
+            <a:schemeClr val="accent1"/>
+          </a:lnRef>
+          <a:fillRef idx="0">
+            <a:schemeClr val="accent1"/>
+          </a:fillRef>
+          <a:effectRef idx="1">
+            <a:schemeClr val="accent1"/>
+          </a:effectRef>
+          <a:fontRef idx="minor">
+            <a:schemeClr val="tx1"/>
+          </a:fontRef>
+        </p:style>
+      </p:cxnSp>
+      <p:cxnSp>
+        <p:nvCxnSpPr>
+          <p:cNvPr id="39" name="Straight Arrow Connector 38">
+            <a:extLst>
+              <a:ext uri="{FF2B5EF4-FFF2-40B4-BE49-F238E27FC236}">
+                <a16:creationId xmlns:a16="http://schemas.microsoft.com/office/drawing/2014/main" id="{017C5EC7-1F8B-C62F-A66F-399E9E2362D2}"/>
+              </a:ext>
+            </a:extLst>
+          </p:cNvPr>
+          <p:cNvCxnSpPr>
+            <a:cxnSpLocks/>
+            <a:stCxn id="7" idx="0"/>
+            <a:endCxn id="10" idx="0"/>
+          </p:cNvCxnSpPr>
+          <p:nvPr/>
+        </p:nvCxnSpPr>
+        <p:spPr>
+          <a:xfrm rot="5400000" flipH="1" flipV="1">
+            <a:off x="5720531" y="-1629084"/>
+            <a:ext cx="12700" cy="5362270"/>
+          </a:xfrm>
+          <a:prstGeom prst="bentConnector3">
+            <a:avLst>
+              <a:gd name="adj1" fmla="val 1800000"/>
+            </a:avLst>
+          </a:prstGeom>
+          <a:ln>
+            <a:solidFill>
+              <a:srgbClr val="FF0000"/>
+            </a:solidFill>
+            <a:tailEnd type="triangle"/>
+          </a:ln>
+        </p:spPr>
+        <p:style>
+          <a:lnRef idx="2">
+            <a:schemeClr val="accent1"/>
+          </a:lnRef>
+          <a:fillRef idx="0">
+            <a:schemeClr val="accent1"/>
+          </a:fillRef>
+          <a:effectRef idx="1">
+            <a:schemeClr val="accent1"/>
+          </a:effectRef>
+          <a:fontRef idx="minor">
+            <a:schemeClr val="tx1"/>
+          </a:fontRef>
+        </p:style>
+      </p:cxnSp>
+      <p:cxnSp>
+        <p:nvCxnSpPr>
+          <p:cNvPr id="50" name="Straight Arrow Connector 49">
+            <a:extLst>
+              <a:ext uri="{FF2B5EF4-FFF2-40B4-BE49-F238E27FC236}">
+                <a16:creationId xmlns:a16="http://schemas.microsoft.com/office/drawing/2014/main" id="{7D41EB1F-F0D7-EACC-923A-6828A4E4EE76}"/>
+              </a:ext>
+            </a:extLst>
+          </p:cNvPr>
+          <p:cNvCxnSpPr>
+            <a:cxnSpLocks/>
+          </p:cNvCxnSpPr>
+          <p:nvPr/>
+        </p:nvCxnSpPr>
+        <p:spPr>
+          <a:xfrm flipH="1">
+            <a:off x="10636699" y="4021392"/>
+            <a:ext cx="711535" cy="3987"/>
+          </a:xfrm>
+          <a:prstGeom prst="straightConnector1">
+            <a:avLst/>
+          </a:prstGeom>
+          <a:ln>
+            <a:headEnd type="triangle"/>
+            <a:tailEnd type="triangle"/>
+          </a:ln>
+        </p:spPr>
+        <p:style>
+          <a:lnRef idx="2">
+            <a:schemeClr val="accent1"/>
+          </a:lnRef>
+          <a:fillRef idx="0">
+            <a:schemeClr val="accent1"/>
+          </a:fillRef>
+          <a:effectRef idx="1">
+            <a:schemeClr val="accent1"/>
+          </a:effectRef>
+          <a:fontRef idx="minor">
+            <a:schemeClr val="tx1"/>
+          </a:fontRef>
+        </p:style>
+      </p:cxnSp>
+      <p:cxnSp>
+        <p:nvCxnSpPr>
+          <p:cNvPr id="51" name="Straight Arrow Connector 50">
+            <a:extLst>
+              <a:ext uri="{FF2B5EF4-FFF2-40B4-BE49-F238E27FC236}">
+                <a16:creationId xmlns:a16="http://schemas.microsoft.com/office/drawing/2014/main" id="{71258794-ACF6-FD1D-5211-FADEB04C16C5}"/>
+              </a:ext>
+            </a:extLst>
+          </p:cNvPr>
+          <p:cNvCxnSpPr>
+            <a:cxnSpLocks/>
+          </p:cNvCxnSpPr>
+          <p:nvPr/>
+        </p:nvCxnSpPr>
+        <p:spPr>
+          <a:xfrm flipH="1">
+            <a:off x="10636699" y="4321276"/>
+            <a:ext cx="711535" cy="3987"/>
+          </a:xfrm>
+          <a:prstGeom prst="straightConnector1">
+            <a:avLst/>
+          </a:prstGeom>
+          <a:ln>
+            <a:solidFill>
+              <a:srgbClr val="FF0000"/>
+            </a:solidFill>
+            <a:headEnd type="triangle"/>
+            <a:tailEnd type="triangle"/>
+          </a:ln>
+        </p:spPr>
+        <p:style>
+          <a:lnRef idx="2">
+            <a:schemeClr val="accent1"/>
+          </a:lnRef>
+          <a:fillRef idx="0">
+            <a:schemeClr val="accent1"/>
+          </a:fillRef>
+          <a:effectRef idx="1">
+            <a:schemeClr val="accent1"/>
+          </a:effectRef>
+          <a:fontRef idx="minor">
+            <a:schemeClr val="tx1"/>
+          </a:fontRef>
+        </p:style>
+      </p:cxnSp>
+      <p:cxnSp>
+        <p:nvCxnSpPr>
+          <p:cNvPr id="52" name="Straight Arrow Connector 51">
+            <a:extLst>
+              <a:ext uri="{FF2B5EF4-FFF2-40B4-BE49-F238E27FC236}">
+                <a16:creationId xmlns:a16="http://schemas.microsoft.com/office/drawing/2014/main" id="{53777A9C-F270-4235-F6D7-6B6AC568300B}"/>
+              </a:ext>
+            </a:extLst>
+          </p:cNvPr>
+          <p:cNvCxnSpPr>
+            <a:cxnSpLocks/>
+          </p:cNvCxnSpPr>
+          <p:nvPr/>
+        </p:nvCxnSpPr>
+        <p:spPr>
+          <a:xfrm flipH="1">
+            <a:off x="10636698" y="4598108"/>
+            <a:ext cx="711535" cy="3987"/>
+          </a:xfrm>
+          <a:prstGeom prst="straightConnector1">
+            <a:avLst/>
+          </a:prstGeom>
+          <a:ln>
+            <a:solidFill>
+              <a:srgbClr val="7030A0"/>
+            </a:solidFill>
+            <a:headEnd type="triangle"/>
+            <a:tailEnd type="triangle"/>
+          </a:ln>
+        </p:spPr>
+        <p:style>
+          <a:lnRef idx="2">
+            <a:schemeClr val="accent1"/>
+          </a:lnRef>
+          <a:fillRef idx="0">
+            <a:schemeClr val="accent1"/>
+          </a:fillRef>
+          <a:effectRef idx="1">
+            <a:schemeClr val="accent1"/>
+          </a:effectRef>
+          <a:fontRef idx="minor">
+            <a:schemeClr val="tx1"/>
+          </a:fontRef>
+        </p:style>
+      </p:cxnSp>
+      <p:cxnSp>
+        <p:nvCxnSpPr>
+          <p:cNvPr id="53" name="Straight Arrow Connector 52">
+            <a:extLst>
+              <a:ext uri="{FF2B5EF4-FFF2-40B4-BE49-F238E27FC236}">
+                <a16:creationId xmlns:a16="http://schemas.microsoft.com/office/drawing/2014/main" id="{E2EDF5A3-2F88-E012-422C-D5EB635CE6DB}"/>
+              </a:ext>
+            </a:extLst>
+          </p:cNvPr>
+          <p:cNvCxnSpPr>
+            <a:cxnSpLocks/>
+          </p:cNvCxnSpPr>
+          <p:nvPr/>
+        </p:nvCxnSpPr>
+        <p:spPr>
+          <a:xfrm flipH="1">
+            <a:off x="10636697" y="4897992"/>
+            <a:ext cx="711535" cy="3987"/>
+          </a:xfrm>
+          <a:prstGeom prst="straightConnector1">
+            <a:avLst/>
+          </a:prstGeom>
+          <a:ln>
+            <a:solidFill>
+              <a:schemeClr val="accent6">
+                <a:lumMod val="50000"/>
+              </a:schemeClr>
+            </a:solidFill>
+            <a:headEnd type="triangle"/>
+            <a:tailEnd type="triangle"/>
+          </a:ln>
+        </p:spPr>
+        <p:style>
+          <a:lnRef idx="2">
+            <a:schemeClr val="accent1"/>
+          </a:lnRef>
+          <a:fillRef idx="0">
+            <a:schemeClr val="accent1"/>
+          </a:fillRef>
+          <a:effectRef idx="1">
+            <a:schemeClr val="accent1"/>
+          </a:effectRef>
+          <a:fontRef idx="minor">
+            <a:schemeClr val="tx1"/>
+          </a:fontRef>
+        </p:style>
+      </p:cxnSp>
+      <p:sp>
+        <p:nvSpPr>
+          <p:cNvPr id="54" name="TextBox 53">
+            <a:extLst>
+              <a:ext uri="{FF2B5EF4-FFF2-40B4-BE49-F238E27FC236}">
+                <a16:creationId xmlns:a16="http://schemas.microsoft.com/office/drawing/2014/main" id="{72B417E4-9B34-E237-E3C8-E21A3677FFBA}"/>
+              </a:ext>
+            </a:extLst>
+          </p:cNvPr>
+          <p:cNvSpPr txBox="1"/>
+          <p:nvPr/>
+        </p:nvSpPr>
+        <p:spPr>
+          <a:xfrm>
+            <a:off x="9266062" y="3815522"/>
+            <a:ext cx="1197764" cy="369332"/>
+          </a:xfrm>
+          <a:prstGeom prst="rect">
+            <a:avLst/>
+          </a:prstGeom>
+          <a:noFill/>
+        </p:spPr>
+        <p:txBody>
+          <a:bodyPr wrap="none" rtlCol="0">
+            <a:spAutoFit/>
+          </a:bodyPr>
+          <a:lstStyle/>
+          <a:p>
+            <a:r>
+              <a:rPr lang="en-US" dirty="0"/>
+              <a:t>LLMs APIs</a:t>
+            </a:r>
+          </a:p>
+        </p:txBody>
+      </p:sp>
+      <p:sp>
+        <p:nvSpPr>
+          <p:cNvPr id="55" name="TextBox 54">
+            <a:extLst>
+              <a:ext uri="{FF2B5EF4-FFF2-40B4-BE49-F238E27FC236}">
+                <a16:creationId xmlns:a16="http://schemas.microsoft.com/office/drawing/2014/main" id="{4448E8B7-7386-0F7D-E629-84EE1D241ADC}"/>
+              </a:ext>
+            </a:extLst>
+          </p:cNvPr>
+          <p:cNvSpPr txBox="1"/>
+          <p:nvPr/>
+        </p:nvSpPr>
+        <p:spPr>
+          <a:xfrm>
+            <a:off x="9384046" y="4127077"/>
+            <a:ext cx="945067" cy="369332"/>
+          </a:xfrm>
+          <a:prstGeom prst="rect">
+            <a:avLst/>
+          </a:prstGeom>
+          <a:noFill/>
+        </p:spPr>
+        <p:txBody>
+          <a:bodyPr wrap="none" rtlCol="0">
+            <a:spAutoFit/>
+          </a:bodyPr>
+          <a:lstStyle/>
+          <a:p>
+            <a:r>
+              <a:rPr lang="en-US" dirty="0"/>
+              <a:t>Logging</a:t>
+            </a:r>
+          </a:p>
+        </p:txBody>
+      </p:sp>
+      <p:sp>
+        <p:nvSpPr>
+          <p:cNvPr id="56" name="TextBox 55">
+            <a:extLst>
+              <a:ext uri="{FF2B5EF4-FFF2-40B4-BE49-F238E27FC236}">
+                <a16:creationId xmlns:a16="http://schemas.microsoft.com/office/drawing/2014/main" id="{9340ADF5-8DB8-9FCF-72A7-EE8202FFEEC1}"/>
+              </a:ext>
+            </a:extLst>
+          </p:cNvPr>
+          <p:cNvSpPr txBox="1"/>
+          <p:nvPr/>
+        </p:nvSpPr>
+        <p:spPr>
+          <a:xfrm>
+            <a:off x="9384045" y="4413442"/>
+            <a:ext cx="1149674" cy="369332"/>
+          </a:xfrm>
+          <a:prstGeom prst="rect">
+            <a:avLst/>
+          </a:prstGeom>
+          <a:noFill/>
+        </p:spPr>
+        <p:txBody>
+          <a:bodyPr wrap="none" rtlCol="0">
+            <a:spAutoFit/>
+          </a:bodyPr>
+          <a:lstStyle/>
+          <a:p>
+            <a:r>
+              <a:rPr lang="en-US" dirty="0"/>
+              <a:t>Database</a:t>
+            </a:r>
+          </a:p>
+        </p:txBody>
+      </p:sp>
+      <p:sp>
+        <p:nvSpPr>
+          <p:cNvPr id="57" name="TextBox 56">
+            <a:extLst>
+              <a:ext uri="{FF2B5EF4-FFF2-40B4-BE49-F238E27FC236}">
+                <a16:creationId xmlns:a16="http://schemas.microsoft.com/office/drawing/2014/main" id="{64B2601D-C7FC-903C-9816-4955F3787D52}"/>
+              </a:ext>
+            </a:extLst>
+          </p:cNvPr>
+          <p:cNvSpPr txBox="1"/>
+          <p:nvPr/>
+        </p:nvSpPr>
+        <p:spPr>
+          <a:xfrm>
+            <a:off x="9384046" y="4687193"/>
+            <a:ext cx="968535" cy="369332"/>
+          </a:xfrm>
+          <a:prstGeom prst="rect">
+            <a:avLst/>
+          </a:prstGeom>
+          <a:noFill/>
+        </p:spPr>
+        <p:txBody>
+          <a:bodyPr wrap="none" rtlCol="0">
+            <a:spAutoFit/>
+          </a:bodyPr>
+          <a:lstStyle/>
+          <a:p>
+            <a:r>
+              <a:rPr lang="en-US" dirty="0"/>
+              <a:t>Queries</a:t>
+            </a:r>
+          </a:p>
+        </p:txBody>
+      </p:sp>
+      <p:cxnSp>
+        <p:nvCxnSpPr>
+          <p:cNvPr id="58" name="Straight Arrow Connector 57">
+            <a:extLst>
+              <a:ext uri="{FF2B5EF4-FFF2-40B4-BE49-F238E27FC236}">
+                <a16:creationId xmlns:a16="http://schemas.microsoft.com/office/drawing/2014/main" id="{4D4C56A6-DA04-70A5-9718-4D3F07F3D0F5}"/>
+              </a:ext>
+            </a:extLst>
+          </p:cNvPr>
+          <p:cNvCxnSpPr/>
+          <p:nvPr/>
+        </p:nvCxnSpPr>
+        <p:spPr>
+          <a:xfrm flipV="1">
+            <a:off x="5412659" y="1887793"/>
+            <a:ext cx="0" cy="897194"/>
+          </a:xfrm>
+          <a:prstGeom prst="straightConnector1">
+            <a:avLst/>
+          </a:prstGeom>
+          <a:ln>
+            <a:solidFill>
+              <a:schemeClr val="accent6">
+                <a:lumMod val="50000"/>
+              </a:schemeClr>
+            </a:solidFill>
+            <a:headEnd type="triangle"/>
+            <a:tailEnd type="triangle"/>
+          </a:ln>
+        </p:spPr>
+        <p:style>
+          <a:lnRef idx="2">
+            <a:schemeClr val="accent1"/>
+          </a:lnRef>
+          <a:fillRef idx="0">
+            <a:schemeClr val="accent1"/>
+          </a:fillRef>
+          <a:effectRef idx="1">
+            <a:schemeClr val="accent1"/>
+          </a:effectRef>
+          <a:fontRef idx="minor">
+            <a:schemeClr val="tx1"/>
+          </a:fontRef>
+        </p:style>
+      </p:cxnSp>
+      <p:cxnSp>
+        <p:nvCxnSpPr>
+          <p:cNvPr id="59" name="Straight Arrow Connector 58">
+            <a:extLst>
+              <a:ext uri="{FF2B5EF4-FFF2-40B4-BE49-F238E27FC236}">
+                <a16:creationId xmlns:a16="http://schemas.microsoft.com/office/drawing/2014/main" id="{647E8F59-82AE-4856-6859-BA267EA784D4}"/>
+              </a:ext>
+            </a:extLst>
+          </p:cNvPr>
+          <p:cNvCxnSpPr>
+            <a:cxnSpLocks/>
+          </p:cNvCxnSpPr>
+          <p:nvPr/>
+        </p:nvCxnSpPr>
+        <p:spPr>
+          <a:xfrm>
+            <a:off x="5726881" y="1661650"/>
+            <a:ext cx="2134011" cy="0"/>
+          </a:xfrm>
+          <a:prstGeom prst="straightConnector1">
+            <a:avLst/>
+          </a:prstGeom>
+          <a:ln>
+            <a:solidFill>
+              <a:schemeClr val="accent6">
+                <a:lumMod val="50000"/>
+              </a:schemeClr>
+            </a:solidFill>
+            <a:headEnd type="triangle"/>
+            <a:tailEnd type="triangle"/>
+          </a:ln>
+        </p:spPr>
+        <p:style>
+          <a:lnRef idx="2">
+            <a:schemeClr val="accent1"/>
+          </a:lnRef>
+          <a:fillRef idx="0">
+            <a:schemeClr val="accent1"/>
+          </a:fillRef>
+          <a:effectRef idx="1">
+            <a:schemeClr val="accent1"/>
+          </a:effectRef>
+          <a:fontRef idx="minor">
+            <a:schemeClr val="tx1"/>
+          </a:fontRef>
+        </p:style>
+      </p:cxnSp>
+      <p:sp>
+        <p:nvSpPr>
+          <p:cNvPr id="2" name="Rectangle 1">
+            <a:extLst>
+              <a:ext uri="{FF2B5EF4-FFF2-40B4-BE49-F238E27FC236}">
+                <a16:creationId xmlns:a16="http://schemas.microsoft.com/office/drawing/2014/main" id="{9514009D-FDD5-EC84-678B-D5909D894481}"/>
+              </a:ext>
+            </a:extLst>
+          </p:cNvPr>
+          <p:cNvSpPr/>
+          <p:nvPr/>
+        </p:nvSpPr>
+        <p:spPr>
+          <a:xfrm>
+            <a:off x="4290555" y="2412591"/>
+            <a:ext cx="1805441" cy="2729678"/>
+          </a:xfrm>
+          <a:prstGeom prst="rect">
+            <a:avLst/>
+          </a:prstGeom>
+          <a:noFill/>
+          <a:ln>
+            <a:prstDash val="sysDash"/>
+          </a:ln>
+        </p:spPr>
+        <p:style>
+          <a:lnRef idx="2">
+            <a:schemeClr val="accent1"/>
+          </a:lnRef>
+          <a:fillRef idx="1">
+            <a:schemeClr val="lt1"/>
+          </a:fillRef>
+          <a:effectRef idx="0">
+            <a:schemeClr val="accent1"/>
+          </a:effectRef>
+          <a:fontRef idx="minor">
+            <a:schemeClr val="dk1"/>
+          </a:fontRef>
+        </p:style>
+        <p:txBody>
+          <a:bodyPr rtlCol="0" anchor="t" anchorCtr="0"/>
+          <a:lstStyle/>
+          <a:p>
+            <a:r>
+              <a:rPr lang="en-US" sz="1200" dirty="0"/>
+              <a:t>Container</a:t>
+            </a:r>
+          </a:p>
+        </p:txBody>
+      </p:sp>
+      <p:sp>
+        <p:nvSpPr>
+          <p:cNvPr id="3" name="Rectangle 2">
+            <a:extLst>
+              <a:ext uri="{FF2B5EF4-FFF2-40B4-BE49-F238E27FC236}">
+                <a16:creationId xmlns:a16="http://schemas.microsoft.com/office/drawing/2014/main" id="{C87DFE5C-5BD7-826B-F4DE-BEBB868ECAA4}"/>
+              </a:ext>
+            </a:extLst>
+          </p:cNvPr>
+          <p:cNvSpPr/>
+          <p:nvPr/>
+        </p:nvSpPr>
+        <p:spPr>
+          <a:xfrm>
+            <a:off x="7505295" y="468263"/>
+            <a:ext cx="1805441" cy="1607163"/>
+          </a:xfrm>
+          <a:prstGeom prst="rect">
+            <a:avLst/>
+          </a:prstGeom>
+          <a:noFill/>
+          <a:ln>
+            <a:prstDash val="sysDash"/>
+          </a:ln>
+        </p:spPr>
+        <p:style>
+          <a:lnRef idx="2">
+            <a:schemeClr val="accent1"/>
+          </a:lnRef>
+          <a:fillRef idx="1">
+            <a:schemeClr val="lt1"/>
+          </a:fillRef>
+          <a:effectRef idx="0">
+            <a:schemeClr val="accent1"/>
+          </a:effectRef>
+          <a:fontRef idx="minor">
+            <a:schemeClr val="dk1"/>
+          </a:fontRef>
+        </p:style>
+        <p:txBody>
+          <a:bodyPr rtlCol="0" anchor="t" anchorCtr="0"/>
+          <a:lstStyle/>
+          <a:p>
+            <a:r>
+              <a:rPr lang="en-US" sz="1200" dirty="0"/>
+              <a:t>Container</a:t>
+            </a:r>
+          </a:p>
+        </p:txBody>
+      </p:sp>
+      <p:sp>
+        <p:nvSpPr>
+          <p:cNvPr id="11" name="Rectangle 10">
+            <a:extLst>
+              <a:ext uri="{FF2B5EF4-FFF2-40B4-BE49-F238E27FC236}">
+                <a16:creationId xmlns:a16="http://schemas.microsoft.com/office/drawing/2014/main" id="{D396BC85-B443-1406-C027-2D0327F2FD03}"/>
+              </a:ext>
+            </a:extLst>
+          </p:cNvPr>
+          <p:cNvSpPr/>
+          <p:nvPr/>
+        </p:nvSpPr>
+        <p:spPr>
+          <a:xfrm>
+            <a:off x="4295061" y="468262"/>
+            <a:ext cx="1805441" cy="1607163"/>
+          </a:xfrm>
+          <a:prstGeom prst="rect">
+            <a:avLst/>
+          </a:prstGeom>
+          <a:noFill/>
+          <a:ln>
+            <a:prstDash val="sysDash"/>
+          </a:ln>
+        </p:spPr>
+        <p:style>
+          <a:lnRef idx="2">
+            <a:schemeClr val="accent1"/>
+          </a:lnRef>
+          <a:fillRef idx="1">
+            <a:schemeClr val="lt1"/>
+          </a:fillRef>
+          <a:effectRef idx="0">
+            <a:schemeClr val="accent1"/>
+          </a:effectRef>
+          <a:fontRef idx="minor">
+            <a:schemeClr val="dk1"/>
+          </a:fontRef>
+        </p:style>
+        <p:txBody>
+          <a:bodyPr rtlCol="0" anchor="t" anchorCtr="0"/>
+          <a:lstStyle/>
+          <a:p>
+            <a:r>
+              <a:rPr lang="en-US" sz="1200" dirty="0"/>
+              <a:t>Container</a:t>
+            </a:r>
+          </a:p>
+        </p:txBody>
+      </p:sp>
+      <p:sp>
+        <p:nvSpPr>
+          <p:cNvPr id="13" name="Rectangle 12">
+            <a:extLst>
+              <a:ext uri="{FF2B5EF4-FFF2-40B4-BE49-F238E27FC236}">
+                <a16:creationId xmlns:a16="http://schemas.microsoft.com/office/drawing/2014/main" id="{048AB050-8D74-475A-E79F-C6A00216CE5A}"/>
+              </a:ext>
+            </a:extLst>
+          </p:cNvPr>
+          <p:cNvSpPr/>
+          <p:nvPr/>
+        </p:nvSpPr>
+        <p:spPr>
+          <a:xfrm>
+            <a:off x="2183180" y="468261"/>
+            <a:ext cx="1805441" cy="1607163"/>
+          </a:xfrm>
+          <a:prstGeom prst="rect">
+            <a:avLst/>
+          </a:prstGeom>
+          <a:noFill/>
+          <a:ln>
+            <a:prstDash val="sysDash"/>
+          </a:ln>
+        </p:spPr>
+        <p:style>
+          <a:lnRef idx="2">
+            <a:schemeClr val="accent1"/>
+          </a:lnRef>
+          <a:fillRef idx="1">
+            <a:schemeClr val="lt1"/>
+          </a:fillRef>
+          <a:effectRef idx="0">
+            <a:schemeClr val="accent1"/>
+          </a:effectRef>
+          <a:fontRef idx="minor">
+            <a:schemeClr val="dk1"/>
+          </a:fontRef>
+        </p:style>
+        <p:txBody>
+          <a:bodyPr rtlCol="0" anchor="t" anchorCtr="0"/>
+          <a:lstStyle/>
+          <a:p>
+            <a:r>
+              <a:rPr lang="en-US" sz="1200" dirty="0"/>
+              <a:t>Container</a:t>
+            </a:r>
+          </a:p>
+        </p:txBody>
+      </p:sp>
+      <p:sp>
+        <p:nvSpPr>
+          <p:cNvPr id="15" name="Rectangle 14">
+            <a:extLst>
+              <a:ext uri="{FF2B5EF4-FFF2-40B4-BE49-F238E27FC236}">
+                <a16:creationId xmlns:a16="http://schemas.microsoft.com/office/drawing/2014/main" id="{910E8974-B09D-9380-1583-D35538B8F476}"/>
+              </a:ext>
+            </a:extLst>
+          </p:cNvPr>
+          <p:cNvSpPr/>
+          <p:nvPr/>
+        </p:nvSpPr>
+        <p:spPr>
+          <a:xfrm>
+            <a:off x="331453" y="4085303"/>
+            <a:ext cx="1381431" cy="835742"/>
+          </a:xfrm>
+          <a:prstGeom prst="rect">
+            <a:avLst/>
+          </a:prstGeom>
+        </p:spPr>
+        <p:style>
+          <a:lnRef idx="2">
+            <a:schemeClr val="accent1">
+              <a:shade val="15000"/>
+            </a:schemeClr>
+          </a:lnRef>
+          <a:fillRef idx="1">
+            <a:schemeClr val="accent1"/>
+          </a:fillRef>
+          <a:effectRef idx="0">
+            <a:schemeClr val="accent1"/>
+          </a:effectRef>
+          <a:fontRef idx="minor">
+            <a:schemeClr val="lt1"/>
+          </a:fontRef>
+        </p:style>
+        <p:txBody>
+          <a:bodyPr rtlCol="0" anchor="ctr"/>
+          <a:lstStyle/>
+          <a:p>
+            <a:pPr algn="ctr"/>
+            <a:r>
+              <a:rPr lang="en-US" dirty="0"/>
+              <a:t>Claude Code (bare metal)</a:t>
+            </a:r>
+          </a:p>
+        </p:txBody>
+      </p:sp>
+      <p:sp>
+        <p:nvSpPr>
+          <p:cNvPr id="17" name="Cloud 16">
+            <a:extLst>
+              <a:ext uri="{FF2B5EF4-FFF2-40B4-BE49-F238E27FC236}">
+                <a16:creationId xmlns:a16="http://schemas.microsoft.com/office/drawing/2014/main" id="{0AC13C4A-73E6-52C2-A5FE-6CCED2842BD8}"/>
+              </a:ext>
+            </a:extLst>
+          </p:cNvPr>
+          <p:cNvSpPr/>
+          <p:nvPr/>
+        </p:nvSpPr>
+        <p:spPr>
+          <a:xfrm>
+            <a:off x="346587" y="2337618"/>
+            <a:ext cx="1381432" cy="894735"/>
+          </a:xfrm>
+          <a:prstGeom prst="cloud">
+            <a:avLst/>
+          </a:prstGeom>
+        </p:spPr>
+        <p:style>
+          <a:lnRef idx="2">
+            <a:schemeClr val="accent1">
+              <a:shade val="15000"/>
+            </a:schemeClr>
+          </a:lnRef>
+          <a:fillRef idx="1">
+            <a:schemeClr val="accent1"/>
+          </a:fillRef>
+          <a:effectRef idx="0">
+            <a:schemeClr val="accent1"/>
+          </a:effectRef>
+          <a:fontRef idx="minor">
+            <a:schemeClr val="lt1"/>
+          </a:fontRef>
+        </p:style>
+        <p:txBody>
+          <a:bodyPr rtlCol="0" anchor="ctr"/>
+          <a:lstStyle/>
+          <a:p>
+            <a:pPr algn="ctr"/>
+            <a:r>
+              <a:rPr lang="en-US" sz="1400" dirty="0"/>
+              <a:t>Claude Max</a:t>
+            </a:r>
+          </a:p>
+        </p:txBody>
+      </p:sp>
+      <p:cxnSp>
+        <p:nvCxnSpPr>
+          <p:cNvPr id="25" name="Straight Arrow Connector 24">
+            <a:extLst>
+              <a:ext uri="{FF2B5EF4-FFF2-40B4-BE49-F238E27FC236}">
+                <a16:creationId xmlns:a16="http://schemas.microsoft.com/office/drawing/2014/main" id="{06DCE6BE-1600-0F8C-81C8-B10195E23152}"/>
+              </a:ext>
+            </a:extLst>
+          </p:cNvPr>
+          <p:cNvCxnSpPr>
+            <a:cxnSpLocks/>
+          </p:cNvCxnSpPr>
+          <p:nvPr/>
+        </p:nvCxnSpPr>
+        <p:spPr>
+          <a:xfrm flipV="1">
+            <a:off x="636711" y="3193467"/>
+            <a:ext cx="15134" cy="853903"/>
+          </a:xfrm>
+          <a:prstGeom prst="straightConnector1">
+            <a:avLst/>
+          </a:prstGeom>
+          <a:ln>
+            <a:solidFill>
+              <a:srgbClr val="FFC000"/>
+            </a:solidFill>
+            <a:prstDash val="sysDot"/>
+            <a:headEnd type="triangle"/>
+            <a:tailEnd type="triangle"/>
+          </a:ln>
+        </p:spPr>
+        <p:style>
+          <a:lnRef idx="2">
+            <a:schemeClr val="accent1"/>
+          </a:lnRef>
+          <a:fillRef idx="0">
+            <a:schemeClr val="accent1"/>
+          </a:fillRef>
+          <a:effectRef idx="1">
+            <a:schemeClr val="accent1"/>
+          </a:effectRef>
+          <a:fontRef idx="minor">
+            <a:schemeClr val="tx1"/>
+          </a:fontRef>
+        </p:style>
+      </p:cxnSp>
+      <p:cxnSp>
+        <p:nvCxnSpPr>
+          <p:cNvPr id="30" name="Straight Arrow Connector 29">
+            <a:extLst>
+              <a:ext uri="{FF2B5EF4-FFF2-40B4-BE49-F238E27FC236}">
+                <a16:creationId xmlns:a16="http://schemas.microsoft.com/office/drawing/2014/main" id="{FAD90B53-F975-C32C-B4FC-7A20BBCA3DDC}"/>
+              </a:ext>
+            </a:extLst>
+          </p:cNvPr>
+          <p:cNvCxnSpPr>
+            <a:cxnSpLocks/>
+          </p:cNvCxnSpPr>
+          <p:nvPr/>
+        </p:nvCxnSpPr>
+        <p:spPr>
+          <a:xfrm flipH="1">
+            <a:off x="10636696" y="3664497"/>
+            <a:ext cx="711535" cy="3987"/>
+          </a:xfrm>
+          <a:prstGeom prst="straightConnector1">
+            <a:avLst/>
+          </a:prstGeom>
+          <a:ln>
+            <a:solidFill>
+              <a:srgbClr val="FFC000"/>
+            </a:solidFill>
+            <a:headEnd type="triangle"/>
+            <a:tailEnd type="triangle"/>
+          </a:ln>
+        </p:spPr>
+        <p:style>
+          <a:lnRef idx="2">
+            <a:schemeClr val="accent1"/>
+          </a:lnRef>
+          <a:fillRef idx="0">
+            <a:schemeClr val="accent1"/>
+          </a:fillRef>
+          <a:effectRef idx="1">
+            <a:schemeClr val="accent1"/>
+          </a:effectRef>
+          <a:fontRef idx="minor">
+            <a:schemeClr val="tx1"/>
+          </a:fontRef>
+        </p:style>
+      </p:cxnSp>
+      <p:sp>
+        <p:nvSpPr>
+          <p:cNvPr id="31" name="TextBox 30">
+            <a:extLst>
+              <a:ext uri="{FF2B5EF4-FFF2-40B4-BE49-F238E27FC236}">
+                <a16:creationId xmlns:a16="http://schemas.microsoft.com/office/drawing/2014/main" id="{5BF90000-4F1E-1C24-38E6-4CE515303B51}"/>
+              </a:ext>
+            </a:extLst>
+          </p:cNvPr>
+          <p:cNvSpPr txBox="1"/>
+          <p:nvPr/>
+        </p:nvSpPr>
+        <p:spPr>
+          <a:xfrm>
+            <a:off x="8510280" y="3484900"/>
+            <a:ext cx="2129109" cy="369332"/>
+          </a:xfrm>
+          <a:prstGeom prst="rect">
+            <a:avLst/>
+          </a:prstGeom>
+          <a:noFill/>
+        </p:spPr>
+        <p:txBody>
+          <a:bodyPr wrap="none" rtlCol="0">
+            <a:spAutoFit/>
+          </a:bodyPr>
+          <a:lstStyle/>
+          <a:p>
+            <a:r>
+              <a:rPr lang="en-US" dirty="0"/>
+              <a:t>Claude Max Official</a:t>
+            </a:r>
+          </a:p>
+        </p:txBody>
+      </p:sp>
+      <p:cxnSp>
+        <p:nvCxnSpPr>
+          <p:cNvPr id="34" name="Straight Arrow Connector 33">
+            <a:extLst>
+              <a:ext uri="{FF2B5EF4-FFF2-40B4-BE49-F238E27FC236}">
+                <a16:creationId xmlns:a16="http://schemas.microsoft.com/office/drawing/2014/main" id="{AC045594-E41E-A95C-67CC-E44422DE3713}"/>
+              </a:ext>
+            </a:extLst>
+          </p:cNvPr>
+          <p:cNvCxnSpPr>
+            <a:cxnSpLocks/>
+          </p:cNvCxnSpPr>
+          <p:nvPr/>
+        </p:nvCxnSpPr>
+        <p:spPr>
+          <a:xfrm>
+            <a:off x="5655562" y="1887793"/>
+            <a:ext cx="0" cy="889355"/>
+          </a:xfrm>
+          <a:prstGeom prst="straightConnector1">
+            <a:avLst/>
+          </a:prstGeom>
+          <a:ln>
+            <a:solidFill>
+              <a:srgbClr val="FFC000"/>
+            </a:solidFill>
+            <a:headEnd type="triangle"/>
+            <a:tailEnd type="triangle"/>
+          </a:ln>
+        </p:spPr>
+        <p:style>
+          <a:lnRef idx="2">
+            <a:schemeClr val="accent1"/>
+          </a:lnRef>
+          <a:fillRef idx="0">
+            <a:schemeClr val="accent1"/>
+          </a:fillRef>
+          <a:effectRef idx="1">
+            <a:schemeClr val="accent1"/>
+          </a:effectRef>
+          <a:fontRef idx="minor">
+            <a:schemeClr val="tx1"/>
+          </a:fontRef>
+        </p:style>
+      </p:cxnSp>
+      <p:cxnSp>
+        <p:nvCxnSpPr>
+          <p:cNvPr id="35" name="Straight Arrow Connector 34">
+            <a:extLst>
+              <a:ext uri="{FF2B5EF4-FFF2-40B4-BE49-F238E27FC236}">
+                <a16:creationId xmlns:a16="http://schemas.microsoft.com/office/drawing/2014/main" id="{A54FE131-3BF3-07BE-74B2-472EFB0BA1CB}"/>
+              </a:ext>
+            </a:extLst>
+          </p:cNvPr>
+          <p:cNvCxnSpPr>
+            <a:cxnSpLocks/>
+          </p:cNvCxnSpPr>
+          <p:nvPr/>
+        </p:nvCxnSpPr>
+        <p:spPr>
+          <a:xfrm>
+            <a:off x="3580170" y="1661650"/>
+            <a:ext cx="1106536" cy="0"/>
+          </a:xfrm>
+          <a:prstGeom prst="straightConnector1">
+            <a:avLst/>
+          </a:prstGeom>
+          <a:ln>
+            <a:solidFill>
+              <a:srgbClr val="FFC000"/>
+            </a:solidFill>
+            <a:headEnd type="triangle"/>
+            <a:tailEnd type="triangle"/>
+          </a:ln>
+        </p:spPr>
+        <p:style>
+          <a:lnRef idx="2">
+            <a:schemeClr val="accent1"/>
+          </a:lnRef>
+          <a:fillRef idx="0">
+            <a:schemeClr val="accent1"/>
+          </a:fillRef>
+          <a:effectRef idx="1">
+            <a:schemeClr val="accent1"/>
+          </a:effectRef>
+          <a:fontRef idx="minor">
+            <a:schemeClr val="tx1"/>
+          </a:fontRef>
+        </p:style>
+      </p:cxnSp>
+      <p:cxnSp>
+        <p:nvCxnSpPr>
+          <p:cNvPr id="41" name="Straight Arrow Connector 40">
+            <a:extLst>
+              <a:ext uri="{FF2B5EF4-FFF2-40B4-BE49-F238E27FC236}">
+                <a16:creationId xmlns:a16="http://schemas.microsoft.com/office/drawing/2014/main" id="{15CD0FB8-8D1B-83A5-B98C-B57F9B3AAA16}"/>
+              </a:ext>
+            </a:extLst>
+          </p:cNvPr>
+          <p:cNvCxnSpPr>
+            <a:cxnSpLocks/>
+          </p:cNvCxnSpPr>
+          <p:nvPr/>
+        </p:nvCxnSpPr>
+        <p:spPr>
+          <a:xfrm flipV="1">
+            <a:off x="1616170" y="1661650"/>
+            <a:ext cx="882452" cy="750941"/>
+          </a:xfrm>
+          <a:prstGeom prst="straightConnector1">
+            <a:avLst/>
+          </a:prstGeom>
+          <a:ln>
+            <a:solidFill>
+              <a:srgbClr val="FFC000"/>
+            </a:solidFill>
+            <a:headEnd type="triangle"/>
+            <a:tailEnd type="triangle"/>
+          </a:ln>
+        </p:spPr>
+        <p:style>
+          <a:lnRef idx="2">
+            <a:schemeClr val="accent1"/>
+          </a:lnRef>
+          <a:fillRef idx="0">
+            <a:schemeClr val="accent1"/>
+          </a:fillRef>
+          <a:effectRef idx="1">
+            <a:schemeClr val="accent1"/>
+          </a:effectRef>
+          <a:fontRef idx="minor">
+            <a:schemeClr val="tx1"/>
+          </a:fontRef>
+        </p:style>
+      </p:cxnSp>
+      <p:sp>
+        <p:nvSpPr>
+          <p:cNvPr id="44" name="TextBox 43">
+            <a:extLst>
+              <a:ext uri="{FF2B5EF4-FFF2-40B4-BE49-F238E27FC236}">
+                <a16:creationId xmlns:a16="http://schemas.microsoft.com/office/drawing/2014/main" id="{09437E7A-085F-99AD-F5A7-A9C74A80AD6D}"/>
+              </a:ext>
+            </a:extLst>
+          </p:cNvPr>
+          <p:cNvSpPr txBox="1"/>
+          <p:nvPr/>
+        </p:nvSpPr>
+        <p:spPr>
+          <a:xfrm>
+            <a:off x="83570" y="5368412"/>
+            <a:ext cx="2415052" cy="1200329"/>
+          </a:xfrm>
+          <a:prstGeom prst="rect">
+            <a:avLst/>
+          </a:prstGeom>
+          <a:noFill/>
+        </p:spPr>
+        <p:txBody>
+          <a:bodyPr wrap="square" rtlCol="0">
+            <a:spAutoFit/>
+          </a:bodyPr>
+          <a:lstStyle/>
+          <a:p>
+            <a:r>
+              <a:rPr lang="en-US" dirty="0"/>
+              <a:t>Left unaltered for emergency purposes, and working on containerized Claude </a:t>
+            </a:r>
+          </a:p>
+        </p:txBody>
+      </p:sp>
+      <p:sp>
+        <p:nvSpPr>
+          <p:cNvPr id="45" name="TextBox 44">
+            <a:extLst>
+              <a:ext uri="{FF2B5EF4-FFF2-40B4-BE49-F238E27FC236}">
+                <a16:creationId xmlns:a16="http://schemas.microsoft.com/office/drawing/2014/main" id="{594209C0-D15E-10EC-1509-A76B4116819C}"/>
+              </a:ext>
+            </a:extLst>
+          </p:cNvPr>
+          <p:cNvSpPr txBox="1"/>
+          <p:nvPr/>
+        </p:nvSpPr>
+        <p:spPr>
+          <a:xfrm>
+            <a:off x="4086336" y="5368412"/>
+            <a:ext cx="2415052" cy="923330"/>
+          </a:xfrm>
+          <a:prstGeom prst="rect">
+            <a:avLst/>
+          </a:prstGeom>
+          <a:noFill/>
+        </p:spPr>
+        <p:txBody>
+          <a:bodyPr wrap="square" rtlCol="0">
+            <a:spAutoFit/>
+          </a:bodyPr>
+          <a:lstStyle/>
+          <a:p>
+            <a:r>
+              <a:rPr lang="en-US" dirty="0"/>
+              <a:t>General use so that conversations get logged.</a:t>
+            </a:r>
+          </a:p>
+        </p:txBody>
+      </p:sp>
+      <p:cxnSp>
+        <p:nvCxnSpPr>
+          <p:cNvPr id="46" name="Straight Arrow Connector 45">
+            <a:extLst>
+              <a:ext uri="{FF2B5EF4-FFF2-40B4-BE49-F238E27FC236}">
+                <a16:creationId xmlns:a16="http://schemas.microsoft.com/office/drawing/2014/main" id="{BF4D489D-F814-6964-612B-76FEBEAC86D2}"/>
+              </a:ext>
+            </a:extLst>
+          </p:cNvPr>
+          <p:cNvCxnSpPr>
+            <a:cxnSpLocks/>
+          </p:cNvCxnSpPr>
+          <p:nvPr/>
+        </p:nvCxnSpPr>
+        <p:spPr>
+          <a:xfrm flipV="1">
+            <a:off x="10636696" y="3377955"/>
+            <a:ext cx="711535" cy="14216"/>
+          </a:xfrm>
+          <a:prstGeom prst="straightConnector1">
+            <a:avLst/>
+          </a:prstGeom>
+          <a:ln>
+            <a:solidFill>
+              <a:srgbClr val="FFC000"/>
+            </a:solidFill>
+            <a:prstDash val="sysDot"/>
+            <a:headEnd type="triangle"/>
+            <a:tailEnd type="triangle"/>
+          </a:ln>
+        </p:spPr>
+        <p:style>
+          <a:lnRef idx="2">
+            <a:schemeClr val="accent1"/>
+          </a:lnRef>
+          <a:fillRef idx="0">
+            <a:schemeClr val="accent1"/>
+          </a:fillRef>
+          <a:effectRef idx="1">
+            <a:schemeClr val="accent1"/>
+          </a:effectRef>
+          <a:fontRef idx="minor">
+            <a:schemeClr val="tx1"/>
+          </a:fontRef>
+        </p:style>
+      </p:cxnSp>
+      <p:sp>
+        <p:nvSpPr>
+          <p:cNvPr id="48" name="TextBox 47">
+            <a:extLst>
+              <a:ext uri="{FF2B5EF4-FFF2-40B4-BE49-F238E27FC236}">
+                <a16:creationId xmlns:a16="http://schemas.microsoft.com/office/drawing/2014/main" id="{25D6F2D5-5E6B-36D5-FB45-ACC85B32FC79}"/>
+              </a:ext>
+            </a:extLst>
+          </p:cNvPr>
+          <p:cNvSpPr txBox="1"/>
+          <p:nvPr/>
+        </p:nvSpPr>
+        <p:spPr>
+          <a:xfrm>
+            <a:off x="8588936" y="3193467"/>
+            <a:ext cx="2015360" cy="369332"/>
+          </a:xfrm>
+          <a:prstGeom prst="rect">
+            <a:avLst/>
+          </a:prstGeom>
+          <a:noFill/>
+        </p:spPr>
+        <p:txBody>
+          <a:bodyPr wrap="none" rtlCol="0">
+            <a:spAutoFit/>
+          </a:bodyPr>
+          <a:lstStyle/>
+          <a:p>
+            <a:r>
+              <a:rPr lang="en-US" dirty="0"/>
+              <a:t>Direct Claude Max</a:t>
+            </a:r>
+          </a:p>
+        </p:txBody>
+      </p:sp>
+      <p:sp>
+        <p:nvSpPr>
+          <p:cNvPr id="21" name="Rectangle 20">
+            <a:extLst>
+              <a:ext uri="{FF2B5EF4-FFF2-40B4-BE49-F238E27FC236}">
+                <a16:creationId xmlns:a16="http://schemas.microsoft.com/office/drawing/2014/main" id="{E15C269A-427F-FAEB-D92F-28C9F1CBB3AA}"/>
+              </a:ext>
+            </a:extLst>
+          </p:cNvPr>
+          <p:cNvSpPr/>
+          <p:nvPr/>
+        </p:nvSpPr>
+        <p:spPr>
+          <a:xfrm>
+            <a:off x="794723" y="3647754"/>
+            <a:ext cx="1081548" cy="412955"/>
+          </a:xfrm>
+          <a:prstGeom prst="rect">
+            <a:avLst/>
+          </a:prstGeom>
+        </p:spPr>
+        <p:style>
+          <a:lnRef idx="2">
+            <a:schemeClr val="accent1">
+              <a:shade val="15000"/>
+            </a:schemeClr>
+          </a:lnRef>
+          <a:fillRef idx="1">
+            <a:schemeClr val="accent1"/>
+          </a:fillRef>
+          <a:effectRef idx="0">
+            <a:schemeClr val="accent1"/>
+          </a:effectRef>
+          <a:fontRef idx="minor">
+            <a:schemeClr val="lt1"/>
+          </a:fontRef>
+        </p:style>
+        <p:txBody>
+          <a:bodyPr rtlCol="0" anchor="ctr"/>
+          <a:lstStyle/>
+          <a:p>
+            <a:pPr algn="ctr"/>
+            <a:r>
+              <a:rPr lang="en-US" sz="1400" dirty="0"/>
+              <a:t>MCP Relay</a:t>
+            </a:r>
+          </a:p>
+        </p:txBody>
+      </p:sp>
+      <p:sp>
+        <p:nvSpPr>
+          <p:cNvPr id="33" name="TextBox 32">
+            <a:extLst>
+              <a:ext uri="{FF2B5EF4-FFF2-40B4-BE49-F238E27FC236}">
+                <a16:creationId xmlns:a16="http://schemas.microsoft.com/office/drawing/2014/main" id="{D856A3D2-D332-383A-7FE5-1726ABFDCB99}"/>
+              </a:ext>
+            </a:extLst>
+          </p:cNvPr>
+          <p:cNvSpPr txBox="1"/>
+          <p:nvPr/>
+        </p:nvSpPr>
+        <p:spPr>
+          <a:xfrm>
+            <a:off x="1873681" y="3657697"/>
+            <a:ext cx="1646614" cy="577081"/>
+          </a:xfrm>
+          <a:prstGeom prst="rect">
+            <a:avLst/>
+          </a:prstGeom>
+          <a:noFill/>
+        </p:spPr>
+        <p:txBody>
+          <a:bodyPr wrap="square" rtlCol="0">
+            <a:spAutoFit/>
+          </a:bodyPr>
+          <a:lstStyle/>
+          <a:p>
+            <a:r>
+              <a:rPr lang="en-US" sz="1050" dirty="0"/>
+              <a:t>Can connect to any MCP server via WebSocket as needed.</a:t>
+            </a:r>
           </a:p>
         </p:txBody>
       </p:sp>
     </p:spTree>
     <p:extLst>
       <p:ext uri="{BB962C8B-B14F-4D97-AF65-F5344CB8AC3E}">
-        <p14:creationId xmlns:p14="http://schemas.microsoft.com/office/powerpoint/2010/main" val="3752958394"/>
+        <p14:creationId xmlns:p14="http://schemas.microsoft.com/office/powerpoint/2010/main" val="2373927404"/>
       </p:ext>
     </p:extLst>
   </p:cSld>
@@ -3839,7 +5808,13 @@
   <p:cSld>
     <p:spTree>
       <p:nvGrpSpPr>
-        <p:cNvPr id="1" name=""/>
+        <p:cNvPr id="1" name="">
+          <a:extLst>
+            <a:ext uri="{FF2B5EF4-FFF2-40B4-BE49-F238E27FC236}">
+              <a16:creationId xmlns:a16="http://schemas.microsoft.com/office/drawing/2014/main" id="{98495528-202D-7674-428E-F64559EC40AB}"/>
+            </a:ext>
+          </a:extLst>
+        </p:cNvPr>
         <p:cNvGrpSpPr/>
         <p:nvPr/>
       </p:nvGrpSpPr>
@@ -3856,7 +5831,7 @@
           <p:cNvPr id="4" name="Rectangle 3">
             <a:extLst>
               <a:ext uri="{FF2B5EF4-FFF2-40B4-BE49-F238E27FC236}">
-                <a16:creationId xmlns:a16="http://schemas.microsoft.com/office/drawing/2014/main" id="{1502DC90-08CF-D0EB-BCD3-A34DC4BA4C00}"/>
+                <a16:creationId xmlns:a16="http://schemas.microsoft.com/office/drawing/2014/main" id="{CE0FFE64-F45E-7DEF-35D3-96880E6A4ED3}"/>
               </a:ext>
             </a:extLst>
           </p:cNvPr>
@@ -3865,7 +5840,7 @@
         </p:nvSpPr>
         <p:spPr>
           <a:xfrm>
-            <a:off x="4657007" y="3206544"/>
+            <a:off x="6122015" y="3206544"/>
             <a:ext cx="1081548" cy="835742"/>
           </a:xfrm>
           <a:prstGeom prst="rect">
@@ -3894,8 +5869,8 @@
           <a:p>
             <a:pPr algn="ctr"/>
             <a:r>
-              <a:rPr lang="en-US" dirty="0"/>
-              <a:t>Claude Code</a:t>
+              <a:rPr lang="en-US" sz="1600" dirty="0"/>
+              <a:t>Claudette</a:t>
             </a:r>
           </a:p>
         </p:txBody>
@@ -3905,7 +5880,7 @@
           <p:cNvPr id="5" name="Rectangle 4">
             <a:extLst>
               <a:ext uri="{FF2B5EF4-FFF2-40B4-BE49-F238E27FC236}">
-                <a16:creationId xmlns:a16="http://schemas.microsoft.com/office/drawing/2014/main" id="{B11200C5-9D07-B230-0CA4-2A551B86E851}"/>
+                <a16:creationId xmlns:a16="http://schemas.microsoft.com/office/drawing/2014/main" id="{CCA4D9E5-2427-BD8F-2BAF-64D9276FA5AE}"/>
               </a:ext>
             </a:extLst>
           </p:cNvPr>
@@ -3914,7 +5889,7 @@
         </p:nvSpPr>
         <p:spPr>
           <a:xfrm>
-            <a:off x="4650658" y="2784986"/>
+            <a:off x="6115666" y="2784986"/>
             <a:ext cx="1081548" cy="412955"/>
           </a:xfrm>
           <a:prstGeom prst="rect">
@@ -3954,7 +5929,7 @@
           <p:cNvPr id="6" name="Rectangle 5">
             <a:extLst>
               <a:ext uri="{FF2B5EF4-FFF2-40B4-BE49-F238E27FC236}">
-                <a16:creationId xmlns:a16="http://schemas.microsoft.com/office/drawing/2014/main" id="{152BAE0C-3F49-CE42-6E85-E6C8228729A1}"/>
+                <a16:creationId xmlns:a16="http://schemas.microsoft.com/office/drawing/2014/main" id="{57F549B4-9E3B-97BB-17BA-FD08D2A6FDEB}"/>
               </a:ext>
             </a:extLst>
           </p:cNvPr>
@@ -3963,7 +5938,7 @@
         </p:nvSpPr>
         <p:spPr>
           <a:xfrm>
-            <a:off x="4650658" y="1052051"/>
+            <a:off x="6636778" y="1052051"/>
             <a:ext cx="1081548" cy="835742"/>
           </a:xfrm>
           <a:prstGeom prst="rect">
@@ -4003,7 +5978,7 @@
           <p:cNvPr id="7" name="Rectangle 6">
             <a:extLst>
               <a:ext uri="{FF2B5EF4-FFF2-40B4-BE49-F238E27FC236}">
-                <a16:creationId xmlns:a16="http://schemas.microsoft.com/office/drawing/2014/main" id="{F2C1DB5C-0EA4-946B-BB81-824A2855E5FC}"/>
+                <a16:creationId xmlns:a16="http://schemas.microsoft.com/office/drawing/2014/main" id="{B99126B4-E58C-36F8-992F-D61C681F9599}"/>
               </a:ext>
             </a:extLst>
           </p:cNvPr>
@@ -4049,10 +6024,10 @@
       </p:sp>
       <p:sp>
         <p:nvSpPr>
-          <p:cNvPr id="8" name="Cloud 7">
-            <a:extLst>
-              <a:ext uri="{FF2B5EF4-FFF2-40B4-BE49-F238E27FC236}">
-                <a16:creationId xmlns:a16="http://schemas.microsoft.com/office/drawing/2014/main" id="{7E6434CF-050A-31DC-15F9-F99771F8E329}"/>
+          <p:cNvPr id="9" name="Rectangle 8">
+            <a:extLst>
+              <a:ext uri="{FF2B5EF4-FFF2-40B4-BE49-F238E27FC236}">
+                <a16:creationId xmlns:a16="http://schemas.microsoft.com/office/drawing/2014/main" id="{ED3BC18A-4486-8FEA-9D3E-E9F332E44DF1}"/>
               </a:ext>
             </a:extLst>
           </p:cNvPr>
@@ -4061,10 +6036,10 @@
         </p:nvSpPr>
         <p:spPr>
           <a:xfrm>
-            <a:off x="406806" y="1026541"/>
-            <a:ext cx="1381432" cy="894735"/>
-          </a:xfrm>
-          <a:prstGeom prst="cloud">
+            <a:off x="2498622" y="2499851"/>
+            <a:ext cx="1081548" cy="835742"/>
+          </a:xfrm>
+          <a:prstGeom prst="rect">
             <a:avLst/>
           </a:prstGeom>
         </p:spPr>
@@ -4091,17 +6066,17 @@
             <a:pPr algn="ctr"/>
             <a:r>
               <a:rPr lang="en-US" dirty="0"/>
-              <a:t>Cloud LLMs</a:t>
-            </a:r>
-          </a:p>
-        </p:txBody>
-      </p:sp>
-      <p:sp>
-        <p:nvSpPr>
-          <p:cNvPr id="9" name="Rectangle 8">
-            <a:extLst>
-              <a:ext uri="{FF2B5EF4-FFF2-40B4-BE49-F238E27FC236}">
-                <a16:creationId xmlns:a16="http://schemas.microsoft.com/office/drawing/2014/main" id="{4375BDAC-607E-A37B-C7E8-4BA9F2CE976E}"/>
+              <a:t>Local LLMs</a:t>
+            </a:r>
+          </a:p>
+        </p:txBody>
+      </p:sp>
+      <p:sp>
+        <p:nvSpPr>
+          <p:cNvPr id="10" name="Rectangle 9">
+            <a:extLst>
+              <a:ext uri="{FF2B5EF4-FFF2-40B4-BE49-F238E27FC236}">
+                <a16:creationId xmlns:a16="http://schemas.microsoft.com/office/drawing/2014/main" id="{57AEC642-2CC2-C9A0-B520-735C9C0BA59F}"/>
               </a:ext>
             </a:extLst>
           </p:cNvPr>
@@ -4110,7 +6085,7 @@
         </p:nvSpPr>
         <p:spPr>
           <a:xfrm>
-            <a:off x="2498622" y="2499851"/>
+            <a:off x="8775294" y="1052051"/>
             <a:ext cx="1081548" cy="835742"/>
           </a:xfrm>
           <a:prstGeom prst="rect">
@@ -4140,17 +6115,17 @@
             <a:pPr algn="ctr"/>
             <a:r>
               <a:rPr lang="en-US" dirty="0"/>
-              <a:t>Local LLMs</a:t>
-            </a:r>
-          </a:p>
-        </p:txBody>
-      </p:sp>
-      <p:sp>
-        <p:nvSpPr>
-          <p:cNvPr id="10" name="Rectangle 9">
-            <a:extLst>
-              <a:ext uri="{FF2B5EF4-FFF2-40B4-BE49-F238E27FC236}">
-                <a16:creationId xmlns:a16="http://schemas.microsoft.com/office/drawing/2014/main" id="{65B30CBD-436C-7FA1-A7C8-2BB040F64778}"/>
+              <a:t>Dewey</a:t>
+            </a:r>
+          </a:p>
+        </p:txBody>
+      </p:sp>
+      <p:sp>
+        <p:nvSpPr>
+          <p:cNvPr id="12" name="Cylinder 11">
+            <a:extLst>
+              <a:ext uri="{FF2B5EF4-FFF2-40B4-BE49-F238E27FC236}">
+                <a16:creationId xmlns:a16="http://schemas.microsoft.com/office/drawing/2014/main" id="{B4B845BA-8533-39B1-6D63-9595DB2D3AEA}"/>
               </a:ext>
             </a:extLst>
           </p:cNvPr>
@@ -4159,10 +6134,10 @@
         </p:nvSpPr>
         <p:spPr>
           <a:xfrm>
-            <a:off x="7860892" y="1052051"/>
-            <a:ext cx="1081548" cy="835742"/>
-          </a:xfrm>
-          <a:prstGeom prst="rect">
+            <a:off x="10825320" y="851719"/>
+            <a:ext cx="1081548" cy="1236406"/>
+          </a:xfrm>
+          <a:prstGeom prst="can">
             <a:avLst/>
           </a:prstGeom>
         </p:spPr>
@@ -4189,55 +6164,6 @@
             <a:pPr algn="ctr"/>
             <a:r>
               <a:rPr lang="en-US" dirty="0"/>
-              <a:t>Dewey</a:t>
-            </a:r>
-          </a:p>
-        </p:txBody>
-      </p:sp>
-      <p:sp>
-        <p:nvSpPr>
-          <p:cNvPr id="12" name="Cylinder 11">
-            <a:extLst>
-              <a:ext uri="{FF2B5EF4-FFF2-40B4-BE49-F238E27FC236}">
-                <a16:creationId xmlns:a16="http://schemas.microsoft.com/office/drawing/2014/main" id="{34B89F56-1D71-8025-2090-123D7932EC0F}"/>
-              </a:ext>
-            </a:extLst>
-          </p:cNvPr>
-          <p:cNvSpPr/>
-          <p:nvPr/>
-        </p:nvSpPr>
-        <p:spPr>
-          <a:xfrm>
-            <a:off x="9910918" y="851719"/>
-            <a:ext cx="1081548" cy="1236406"/>
-          </a:xfrm>
-          <a:prstGeom prst="can">
-            <a:avLst/>
-          </a:prstGeom>
-        </p:spPr>
-        <p:style>
-          <a:lnRef idx="2">
-            <a:schemeClr val="accent1">
-              <a:shade val="15000"/>
-            </a:schemeClr>
-          </a:lnRef>
-          <a:fillRef idx="1">
-            <a:schemeClr val="accent1"/>
-          </a:fillRef>
-          <a:effectRef idx="0">
-            <a:schemeClr val="accent1"/>
-          </a:effectRef>
-          <a:fontRef idx="minor">
-            <a:schemeClr val="lt1"/>
-          </a:fontRef>
-        </p:style>
-        <p:txBody>
-          <a:bodyPr rtlCol="0" anchor="ctr"/>
-          <a:lstStyle/>
-          <a:p>
-            <a:pPr algn="ctr"/>
-            <a:r>
-              <a:rPr lang="en-US" dirty="0"/>
               <a:t>Winni</a:t>
             </a:r>
           </a:p>
@@ -4248,7 +6174,7 @@
           <p:cNvPr id="14" name="Straight Arrow Connector 13">
             <a:extLst>
               <a:ext uri="{FF2B5EF4-FFF2-40B4-BE49-F238E27FC236}">
-                <a16:creationId xmlns:a16="http://schemas.microsoft.com/office/drawing/2014/main" id="{1145D784-E01D-8742-787B-FB695A3F8D62}"/>
+                <a16:creationId xmlns:a16="http://schemas.microsoft.com/office/drawing/2014/main" id="{0C3BB18F-F29E-D9FF-D8CA-DB75F832FA1F}"/>
               </a:ext>
             </a:extLst>
           </p:cNvPr>
@@ -4260,7 +6186,7 @@
         </p:nvCxnSpPr>
         <p:spPr>
           <a:xfrm>
-            <a:off x="8942440" y="1469922"/>
+            <a:off x="9856842" y="1469922"/>
             <a:ext cx="968478" cy="0"/>
           </a:xfrm>
           <a:prstGeom prst="straightConnector1">
@@ -4296,7 +6222,7 @@
           <p:cNvPr id="16" name="Straight Arrow Connector 15">
             <a:extLst>
               <a:ext uri="{FF2B5EF4-FFF2-40B4-BE49-F238E27FC236}">
-                <a16:creationId xmlns:a16="http://schemas.microsoft.com/office/drawing/2014/main" id="{D33AC08A-67E8-D0E6-2668-732612FE4274}"/>
+                <a16:creationId xmlns:a16="http://schemas.microsoft.com/office/drawing/2014/main" id="{7DCFC046-04B3-3FB7-1D8E-9C914D6E2F62}"/>
               </a:ext>
             </a:extLst>
           </p:cNvPr>
@@ -4308,8 +6234,8 @@
         </p:nvCxnSpPr>
         <p:spPr>
           <a:xfrm>
-            <a:off x="5732206" y="1469922"/>
-            <a:ext cx="2128686" cy="0"/>
+            <a:off x="7718326" y="1469922"/>
+            <a:ext cx="1056968" cy="0"/>
           </a:xfrm>
           <a:prstGeom prst="straightConnector1">
             <a:avLst/>
@@ -4341,7 +6267,7 @@
           <p:cNvPr id="20" name="Straight Arrow Connector 19">
             <a:extLst>
               <a:ext uri="{FF2B5EF4-FFF2-40B4-BE49-F238E27FC236}">
-                <a16:creationId xmlns:a16="http://schemas.microsoft.com/office/drawing/2014/main" id="{A76C03CE-C683-3442-2B89-61C4F2E30A17}"/>
+                <a16:creationId xmlns:a16="http://schemas.microsoft.com/office/drawing/2014/main" id="{B1F4541D-4C40-8DED-5226-D5B21E181592}"/>
               </a:ext>
             </a:extLst>
           </p:cNvPr>
@@ -4353,8 +6279,8 @@
         </p:nvCxnSpPr>
         <p:spPr>
           <a:xfrm flipV="1">
-            <a:off x="5191432" y="1887793"/>
-            <a:ext cx="0" cy="897193"/>
+            <a:off x="6656440" y="1887793"/>
+            <a:ext cx="521112" cy="897193"/>
           </a:xfrm>
           <a:prstGeom prst="straightConnector1">
             <a:avLst/>
@@ -4384,19 +6310,21 @@
           <p:cNvPr id="22" name="Straight Arrow Connector 21">
             <a:extLst>
               <a:ext uri="{FF2B5EF4-FFF2-40B4-BE49-F238E27FC236}">
-                <a16:creationId xmlns:a16="http://schemas.microsoft.com/office/drawing/2014/main" id="{948C056B-30BA-B306-992B-A899822C4185}"/>
+                <a16:creationId xmlns:a16="http://schemas.microsoft.com/office/drawing/2014/main" id="{B2EA4B2F-018C-9569-5D43-6E8206FE890D}"/>
               </a:ext>
             </a:extLst>
           </p:cNvPr>
           <p:cNvCxnSpPr>
+            <a:cxnSpLocks/>
             <a:stCxn id="6" idx="1"/>
+            <a:endCxn id="7" idx="3"/>
           </p:cNvCxnSpPr>
           <p:nvPr/>
         </p:nvCxnSpPr>
         <p:spPr>
           <a:xfrm flipH="1">
             <a:off x="3580170" y="1469922"/>
-            <a:ext cx="1070488" cy="0"/>
+            <a:ext cx="3056608" cy="0"/>
           </a:xfrm>
           <a:prstGeom prst="straightConnector1">
             <a:avLst/>
@@ -4426,7 +6354,7 @@
           <p:cNvPr id="24" name="Straight Arrow Connector 23">
             <a:extLst>
               <a:ext uri="{FF2B5EF4-FFF2-40B4-BE49-F238E27FC236}">
-                <a16:creationId xmlns:a16="http://schemas.microsoft.com/office/drawing/2014/main" id="{9D126544-3DD0-D0A2-08BB-5BBF8D88F5A1}"/>
+                <a16:creationId xmlns:a16="http://schemas.microsoft.com/office/drawing/2014/main" id="{2D4856D0-4BC1-3A5B-D6F4-8080C319254D}"/>
               </a:ext>
             </a:extLst>
           </p:cNvPr>
@@ -4439,8 +6367,8 @@
         </p:nvCxnSpPr>
         <p:spPr>
           <a:xfrm flipH="1">
-            <a:off x="1787087" y="1469922"/>
-            <a:ext cx="711535" cy="3987"/>
+            <a:off x="1758347" y="1469922"/>
+            <a:ext cx="740275" cy="36111"/>
           </a:xfrm>
           <a:prstGeom prst="straightConnector1">
             <a:avLst/>
@@ -4470,7 +6398,7 @@
           <p:cNvPr id="27" name="Straight Arrow Connector 26">
             <a:extLst>
               <a:ext uri="{FF2B5EF4-FFF2-40B4-BE49-F238E27FC236}">
-                <a16:creationId xmlns:a16="http://schemas.microsoft.com/office/drawing/2014/main" id="{6985C440-9D89-1D88-2F97-FAC9E94E3DB9}"/>
+                <a16:creationId xmlns:a16="http://schemas.microsoft.com/office/drawing/2014/main" id="{7E7EDCE6-4C09-3274-093E-4229B9D76053}"/>
               </a:ext>
             </a:extLst>
           </p:cNvPr>
@@ -4496,13 +6424,13 @@
         </p:spPr>
         <p:style>
           <a:lnRef idx="2">
-            <a:schemeClr val="accent1"/>
+            <a:schemeClr val="accent2"/>
           </a:lnRef>
           <a:fillRef idx="0">
-            <a:schemeClr val="accent1"/>
+            <a:schemeClr val="accent2"/>
           </a:fillRef>
           <a:effectRef idx="1">
-            <a:schemeClr val="accent1"/>
+            <a:schemeClr val="accent2"/>
           </a:effectRef>
           <a:fontRef idx="minor">
             <a:schemeClr val="tx1"/>
@@ -4514,7 +6442,7 @@
           <p:cNvPr id="39" name="Straight Arrow Connector 38">
             <a:extLst>
               <a:ext uri="{FF2B5EF4-FFF2-40B4-BE49-F238E27FC236}">
-                <a16:creationId xmlns:a16="http://schemas.microsoft.com/office/drawing/2014/main" id="{017C5EC7-1F8B-C62F-A66F-399E9E2362D2}"/>
+                <a16:creationId xmlns:a16="http://schemas.microsoft.com/office/drawing/2014/main" id="{409A272A-B58F-47AB-0DBE-9961C3732778}"/>
               </a:ext>
             </a:extLst>
           </p:cNvPr>
@@ -4527,8 +6455,8 @@
         </p:nvCxnSpPr>
         <p:spPr>
           <a:xfrm rot="5400000" flipH="1" flipV="1">
-            <a:off x="5720531" y="-1629084"/>
-            <a:ext cx="12700" cy="5362270"/>
+            <a:off x="6177732" y="-2086285"/>
+            <a:ext cx="12700" cy="6276672"/>
           </a:xfrm>
           <a:prstGeom prst="bentConnector3">
             <a:avLst>
@@ -4562,7 +6490,7 @@
           <p:cNvPr id="50" name="Straight Arrow Connector 49">
             <a:extLst>
               <a:ext uri="{FF2B5EF4-FFF2-40B4-BE49-F238E27FC236}">
-                <a16:creationId xmlns:a16="http://schemas.microsoft.com/office/drawing/2014/main" id="{7D41EB1F-F0D7-EACC-923A-6828A4E4EE76}"/>
+                <a16:creationId xmlns:a16="http://schemas.microsoft.com/office/drawing/2014/main" id="{B41DA971-2A5A-D31A-3C86-4F48B46C317A}"/>
               </a:ext>
             </a:extLst>
           </p:cNvPr>
@@ -4573,7 +6501,7 @@
         </p:nvCxnSpPr>
         <p:spPr>
           <a:xfrm flipH="1">
-            <a:off x="10636699" y="4021392"/>
+            <a:off x="11110708" y="5807359"/>
             <a:ext cx="711535" cy="3987"/>
           </a:xfrm>
           <a:prstGeom prst="straightConnector1">
@@ -4604,7 +6532,7 @@
           <p:cNvPr id="51" name="Straight Arrow Connector 50">
             <a:extLst>
               <a:ext uri="{FF2B5EF4-FFF2-40B4-BE49-F238E27FC236}">
-                <a16:creationId xmlns:a16="http://schemas.microsoft.com/office/drawing/2014/main" id="{71258794-ACF6-FD1D-5211-FADEB04C16C5}"/>
+                <a16:creationId xmlns:a16="http://schemas.microsoft.com/office/drawing/2014/main" id="{BE94A20F-431D-FE0A-7650-F72113C99A1D}"/>
               </a:ext>
             </a:extLst>
           </p:cNvPr>
@@ -4615,7 +6543,7 @@
         </p:nvCxnSpPr>
         <p:spPr>
           <a:xfrm flipH="1">
-            <a:off x="10636699" y="4321276"/>
+            <a:off x="11100623" y="6107243"/>
             <a:ext cx="711535" cy="3987"/>
           </a:xfrm>
           <a:prstGeom prst="straightConnector1">
@@ -4649,7 +6577,7 @@
           <p:cNvPr id="52" name="Straight Arrow Connector 51">
             <a:extLst>
               <a:ext uri="{FF2B5EF4-FFF2-40B4-BE49-F238E27FC236}">
-                <a16:creationId xmlns:a16="http://schemas.microsoft.com/office/drawing/2014/main" id="{53777A9C-F270-4235-F6D7-6B6AC568300B}"/>
+                <a16:creationId xmlns:a16="http://schemas.microsoft.com/office/drawing/2014/main" id="{2A7940A7-D4F7-8B89-88CA-DD55CA9D8CC7}"/>
               </a:ext>
             </a:extLst>
           </p:cNvPr>
@@ -4660,7 +6588,7 @@
         </p:nvCxnSpPr>
         <p:spPr>
           <a:xfrm flipH="1">
-            <a:off x="10636698" y="4598108"/>
+            <a:off x="11100622" y="6384075"/>
             <a:ext cx="711535" cy="3987"/>
           </a:xfrm>
           <a:prstGeom prst="straightConnector1">
@@ -4683,6 +6611,1089 @@
           </a:fillRef>
           <a:effectRef idx="1">
             <a:schemeClr val="accent1"/>
+          </a:effectRef>
+          <a:fontRef idx="minor">
+            <a:schemeClr val="tx1"/>
+          </a:fontRef>
+        </p:style>
+      </p:cxnSp>
+      <p:sp>
+        <p:nvSpPr>
+          <p:cNvPr id="54" name="TextBox 53">
+            <a:extLst>
+              <a:ext uri="{FF2B5EF4-FFF2-40B4-BE49-F238E27FC236}">
+                <a16:creationId xmlns:a16="http://schemas.microsoft.com/office/drawing/2014/main" id="{CE6FBA79-9551-576D-AF13-D0B540B15223}"/>
+              </a:ext>
+            </a:extLst>
+          </p:cNvPr>
+          <p:cNvSpPr txBox="1"/>
+          <p:nvPr/>
+        </p:nvSpPr>
+        <p:spPr>
+          <a:xfrm>
+            <a:off x="9134421" y="5601489"/>
+            <a:ext cx="1896135" cy="369332"/>
+          </a:xfrm>
+          <a:prstGeom prst="rect">
+            <a:avLst/>
+          </a:prstGeom>
+          <a:noFill/>
+        </p:spPr>
+        <p:txBody>
+          <a:bodyPr wrap="square" rtlCol="0">
+            <a:spAutoFit/>
+          </a:bodyPr>
+          <a:lstStyle/>
+          <a:p>
+            <a:pPr algn="r"/>
+            <a:r>
+              <a:rPr lang="en-US" dirty="0"/>
+              <a:t>MCP  WebSocket</a:t>
+            </a:r>
+          </a:p>
+        </p:txBody>
+      </p:sp>
+      <p:sp>
+        <p:nvSpPr>
+          <p:cNvPr id="55" name="TextBox 54">
+            <a:extLst>
+              <a:ext uri="{FF2B5EF4-FFF2-40B4-BE49-F238E27FC236}">
+                <a16:creationId xmlns:a16="http://schemas.microsoft.com/office/drawing/2014/main" id="{CEA66DCA-D395-9A3B-0A5C-D4D82282EC70}"/>
+              </a:ext>
+            </a:extLst>
+          </p:cNvPr>
+          <p:cNvSpPr txBox="1"/>
+          <p:nvPr/>
+        </p:nvSpPr>
+        <p:spPr>
+          <a:xfrm>
+            <a:off x="9847970" y="5913044"/>
+            <a:ext cx="945067" cy="369332"/>
+          </a:xfrm>
+          <a:prstGeom prst="rect">
+            <a:avLst/>
+          </a:prstGeom>
+          <a:noFill/>
+        </p:spPr>
+        <p:txBody>
+          <a:bodyPr wrap="none" rtlCol="0">
+            <a:spAutoFit/>
+          </a:bodyPr>
+          <a:lstStyle/>
+          <a:p>
+            <a:pPr algn="r"/>
+            <a:r>
+              <a:rPr lang="en-US" dirty="0"/>
+              <a:t>Logging</a:t>
+            </a:r>
+          </a:p>
+        </p:txBody>
+      </p:sp>
+      <p:sp>
+        <p:nvSpPr>
+          <p:cNvPr id="56" name="TextBox 55">
+            <a:extLst>
+              <a:ext uri="{FF2B5EF4-FFF2-40B4-BE49-F238E27FC236}">
+                <a16:creationId xmlns:a16="http://schemas.microsoft.com/office/drawing/2014/main" id="{033AE7C7-55A7-359C-947D-0306F9C2891B}"/>
+              </a:ext>
+            </a:extLst>
+          </p:cNvPr>
+          <p:cNvSpPr txBox="1"/>
+          <p:nvPr/>
+        </p:nvSpPr>
+        <p:spPr>
+          <a:xfrm>
+            <a:off x="9847969" y="6199409"/>
+            <a:ext cx="1149674" cy="369332"/>
+          </a:xfrm>
+          <a:prstGeom prst="rect">
+            <a:avLst/>
+          </a:prstGeom>
+          <a:noFill/>
+        </p:spPr>
+        <p:txBody>
+          <a:bodyPr wrap="none" rtlCol="0">
+            <a:spAutoFit/>
+          </a:bodyPr>
+          <a:lstStyle/>
+          <a:p>
+            <a:pPr algn="r"/>
+            <a:r>
+              <a:rPr lang="en-US" dirty="0"/>
+              <a:t>Database</a:t>
+            </a:r>
+          </a:p>
+        </p:txBody>
+      </p:sp>
+      <p:cxnSp>
+        <p:nvCxnSpPr>
+          <p:cNvPr id="59" name="Straight Arrow Connector 58">
+            <a:extLst>
+              <a:ext uri="{FF2B5EF4-FFF2-40B4-BE49-F238E27FC236}">
+                <a16:creationId xmlns:a16="http://schemas.microsoft.com/office/drawing/2014/main" id="{50CB9793-C096-4F2B-0418-B1AF49257586}"/>
+              </a:ext>
+            </a:extLst>
+          </p:cNvPr>
+          <p:cNvCxnSpPr>
+            <a:cxnSpLocks/>
+          </p:cNvCxnSpPr>
+          <p:nvPr/>
+        </p:nvCxnSpPr>
+        <p:spPr>
+          <a:xfrm>
+            <a:off x="7715450" y="1661650"/>
+            <a:ext cx="1059844" cy="0"/>
+          </a:xfrm>
+          <a:prstGeom prst="straightConnector1">
+            <a:avLst/>
+          </a:prstGeom>
+          <a:ln>
+            <a:solidFill>
+              <a:schemeClr val="accent1"/>
+            </a:solidFill>
+            <a:headEnd type="triangle"/>
+            <a:tailEnd type="triangle"/>
+          </a:ln>
+        </p:spPr>
+        <p:style>
+          <a:lnRef idx="2">
+            <a:schemeClr val="accent1"/>
+          </a:lnRef>
+          <a:fillRef idx="0">
+            <a:schemeClr val="accent1"/>
+          </a:fillRef>
+          <a:effectRef idx="1">
+            <a:schemeClr val="accent1"/>
+          </a:effectRef>
+          <a:fontRef idx="minor">
+            <a:schemeClr val="tx1"/>
+          </a:fontRef>
+        </p:style>
+      </p:cxnSp>
+      <p:sp>
+        <p:nvSpPr>
+          <p:cNvPr id="2" name="Rectangle 1">
+            <a:extLst>
+              <a:ext uri="{FF2B5EF4-FFF2-40B4-BE49-F238E27FC236}">
+                <a16:creationId xmlns:a16="http://schemas.microsoft.com/office/drawing/2014/main" id="{B3785A21-57C4-93AA-003E-7755641BA140}"/>
+              </a:ext>
+            </a:extLst>
+          </p:cNvPr>
+          <p:cNvSpPr/>
+          <p:nvPr/>
+        </p:nvSpPr>
+        <p:spPr>
+          <a:xfrm>
+            <a:off x="5930145" y="2412591"/>
+            <a:ext cx="1464431" cy="1822187"/>
+          </a:xfrm>
+          <a:prstGeom prst="rect">
+            <a:avLst/>
+          </a:prstGeom>
+          <a:noFill/>
+          <a:ln>
+            <a:prstDash val="sysDash"/>
+          </a:ln>
+        </p:spPr>
+        <p:style>
+          <a:lnRef idx="2">
+            <a:schemeClr val="accent1"/>
+          </a:lnRef>
+          <a:fillRef idx="1">
+            <a:schemeClr val="lt1"/>
+          </a:fillRef>
+          <a:effectRef idx="0">
+            <a:schemeClr val="accent1"/>
+          </a:effectRef>
+          <a:fontRef idx="minor">
+            <a:schemeClr val="dk1"/>
+          </a:fontRef>
+        </p:style>
+        <p:txBody>
+          <a:bodyPr rtlCol="0" anchor="t" anchorCtr="0"/>
+          <a:lstStyle/>
+          <a:p>
+            <a:r>
+              <a:rPr lang="en-US" sz="1100" dirty="0"/>
+              <a:t>Container – Claude Code</a:t>
+            </a:r>
+          </a:p>
+        </p:txBody>
+      </p:sp>
+      <p:sp>
+        <p:nvSpPr>
+          <p:cNvPr id="3" name="Rectangle 2">
+            <a:extLst>
+              <a:ext uri="{FF2B5EF4-FFF2-40B4-BE49-F238E27FC236}">
+                <a16:creationId xmlns:a16="http://schemas.microsoft.com/office/drawing/2014/main" id="{B4B42723-8059-F2D1-EB97-91FEDB40971B}"/>
+              </a:ext>
+            </a:extLst>
+          </p:cNvPr>
+          <p:cNvSpPr/>
+          <p:nvPr/>
+        </p:nvSpPr>
+        <p:spPr>
+          <a:xfrm>
+            <a:off x="8419697" y="468263"/>
+            <a:ext cx="1805441" cy="1607163"/>
+          </a:xfrm>
+          <a:prstGeom prst="rect">
+            <a:avLst/>
+          </a:prstGeom>
+          <a:noFill/>
+          <a:ln>
+            <a:prstDash val="sysDash"/>
+          </a:ln>
+        </p:spPr>
+        <p:style>
+          <a:lnRef idx="2">
+            <a:schemeClr val="accent1"/>
+          </a:lnRef>
+          <a:fillRef idx="1">
+            <a:schemeClr val="lt1"/>
+          </a:fillRef>
+          <a:effectRef idx="0">
+            <a:schemeClr val="accent1"/>
+          </a:effectRef>
+          <a:fontRef idx="minor">
+            <a:schemeClr val="dk1"/>
+          </a:fontRef>
+        </p:style>
+        <p:txBody>
+          <a:bodyPr rtlCol="0" anchor="t" anchorCtr="0"/>
+          <a:lstStyle/>
+          <a:p>
+            <a:r>
+              <a:rPr lang="en-US" sz="1100" dirty="0"/>
+              <a:t>Container - Librarian</a:t>
+            </a:r>
+          </a:p>
+        </p:txBody>
+      </p:sp>
+      <p:sp>
+        <p:nvSpPr>
+          <p:cNvPr id="11" name="Rectangle 10">
+            <a:extLst>
+              <a:ext uri="{FF2B5EF4-FFF2-40B4-BE49-F238E27FC236}">
+                <a16:creationId xmlns:a16="http://schemas.microsoft.com/office/drawing/2014/main" id="{A1FAF72F-0E0C-1449-8A5A-120EC85C034B}"/>
+              </a:ext>
+            </a:extLst>
+          </p:cNvPr>
+          <p:cNvSpPr/>
+          <p:nvPr/>
+        </p:nvSpPr>
+        <p:spPr>
+          <a:xfrm>
+            <a:off x="6281181" y="468262"/>
+            <a:ext cx="1805441" cy="1607163"/>
+          </a:xfrm>
+          <a:prstGeom prst="rect">
+            <a:avLst/>
+          </a:prstGeom>
+          <a:noFill/>
+          <a:ln>
+            <a:prstDash val="sysDash"/>
+          </a:ln>
+        </p:spPr>
+        <p:style>
+          <a:lnRef idx="2">
+            <a:schemeClr val="accent1"/>
+          </a:lnRef>
+          <a:fillRef idx="1">
+            <a:schemeClr val="lt1"/>
+          </a:fillRef>
+          <a:effectRef idx="0">
+            <a:schemeClr val="accent1"/>
+          </a:effectRef>
+          <a:fontRef idx="minor">
+            <a:schemeClr val="dk1"/>
+          </a:fontRef>
+        </p:style>
+        <p:txBody>
+          <a:bodyPr rtlCol="0" anchor="t" anchorCtr="0"/>
+          <a:lstStyle/>
+          <a:p>
+            <a:r>
+              <a:rPr lang="en-US" sz="1100" dirty="0"/>
+              <a:t>Container – Proxy/Logger</a:t>
+            </a:r>
+          </a:p>
+        </p:txBody>
+      </p:sp>
+      <p:sp>
+        <p:nvSpPr>
+          <p:cNvPr id="13" name="Rectangle 12">
+            <a:extLst>
+              <a:ext uri="{FF2B5EF4-FFF2-40B4-BE49-F238E27FC236}">
+                <a16:creationId xmlns:a16="http://schemas.microsoft.com/office/drawing/2014/main" id="{AA3D8632-7309-C5A7-70CC-6D0F21D4934C}"/>
+              </a:ext>
+            </a:extLst>
+          </p:cNvPr>
+          <p:cNvSpPr/>
+          <p:nvPr/>
+        </p:nvSpPr>
+        <p:spPr>
+          <a:xfrm>
+            <a:off x="2183180" y="468261"/>
+            <a:ext cx="1805441" cy="1607163"/>
+          </a:xfrm>
+          <a:prstGeom prst="rect">
+            <a:avLst/>
+          </a:prstGeom>
+          <a:noFill/>
+          <a:ln>
+            <a:prstDash val="sysDash"/>
+          </a:ln>
+        </p:spPr>
+        <p:style>
+          <a:lnRef idx="2">
+            <a:schemeClr val="accent1"/>
+          </a:lnRef>
+          <a:fillRef idx="1">
+            <a:schemeClr val="lt1"/>
+          </a:fillRef>
+          <a:effectRef idx="0">
+            <a:schemeClr val="accent1"/>
+          </a:effectRef>
+          <a:fontRef idx="minor">
+            <a:schemeClr val="dk1"/>
+          </a:fontRef>
+        </p:style>
+        <p:txBody>
+          <a:bodyPr rtlCol="0" anchor="t" anchorCtr="0"/>
+          <a:lstStyle/>
+          <a:p>
+            <a:r>
+              <a:rPr lang="en-US" sz="1100" dirty="0"/>
+              <a:t>Container – LLM Gateway</a:t>
+            </a:r>
+          </a:p>
+        </p:txBody>
+      </p:sp>
+      <p:sp>
+        <p:nvSpPr>
+          <p:cNvPr id="15" name="Rectangle 14">
+            <a:extLst>
+              <a:ext uri="{FF2B5EF4-FFF2-40B4-BE49-F238E27FC236}">
+                <a16:creationId xmlns:a16="http://schemas.microsoft.com/office/drawing/2014/main" id="{7EFEA6A8-C700-6354-2567-0E479C9345CE}"/>
+              </a:ext>
+            </a:extLst>
+          </p:cNvPr>
+          <p:cNvSpPr/>
+          <p:nvPr/>
+        </p:nvSpPr>
+        <p:spPr>
+          <a:xfrm>
+            <a:off x="331453" y="4085303"/>
+            <a:ext cx="1381431" cy="835742"/>
+          </a:xfrm>
+          <a:prstGeom prst="rect">
+            <a:avLst/>
+          </a:prstGeom>
+        </p:spPr>
+        <p:style>
+          <a:lnRef idx="2">
+            <a:schemeClr val="accent1">
+              <a:shade val="15000"/>
+            </a:schemeClr>
+          </a:lnRef>
+          <a:fillRef idx="1">
+            <a:schemeClr val="accent1"/>
+          </a:fillRef>
+          <a:effectRef idx="0">
+            <a:schemeClr val="accent1"/>
+          </a:effectRef>
+          <a:fontRef idx="minor">
+            <a:schemeClr val="lt1"/>
+          </a:fontRef>
+        </p:style>
+        <p:txBody>
+          <a:bodyPr rtlCol="0" anchor="ctr"/>
+          <a:lstStyle/>
+          <a:p>
+            <a:pPr algn="ctr"/>
+            <a:r>
+              <a:rPr lang="en-US" dirty="0"/>
+              <a:t>Claude Code (bare metal)</a:t>
+            </a:r>
+          </a:p>
+        </p:txBody>
+      </p:sp>
+      <p:sp>
+        <p:nvSpPr>
+          <p:cNvPr id="44" name="TextBox 43">
+            <a:extLst>
+              <a:ext uri="{FF2B5EF4-FFF2-40B4-BE49-F238E27FC236}">
+                <a16:creationId xmlns:a16="http://schemas.microsoft.com/office/drawing/2014/main" id="{581ED499-549D-5EAF-2CAB-439B7DB5C89C}"/>
+              </a:ext>
+            </a:extLst>
+          </p:cNvPr>
+          <p:cNvSpPr txBox="1"/>
+          <p:nvPr/>
+        </p:nvSpPr>
+        <p:spPr>
+          <a:xfrm>
+            <a:off x="83570" y="5368412"/>
+            <a:ext cx="2415052" cy="1200329"/>
+          </a:xfrm>
+          <a:prstGeom prst="rect">
+            <a:avLst/>
+          </a:prstGeom>
+          <a:noFill/>
+        </p:spPr>
+        <p:txBody>
+          <a:bodyPr wrap="square" rtlCol="0">
+            <a:spAutoFit/>
+          </a:bodyPr>
+          <a:lstStyle/>
+          <a:p>
+            <a:r>
+              <a:rPr lang="en-US" dirty="0"/>
+              <a:t>Left unaltered for emergency purposes, and working on containerized Claude </a:t>
+            </a:r>
+          </a:p>
+        </p:txBody>
+      </p:sp>
+      <p:cxnSp>
+        <p:nvCxnSpPr>
+          <p:cNvPr id="46" name="Straight Arrow Connector 45">
+            <a:extLst>
+              <a:ext uri="{FF2B5EF4-FFF2-40B4-BE49-F238E27FC236}">
+                <a16:creationId xmlns:a16="http://schemas.microsoft.com/office/drawing/2014/main" id="{4026A9C6-FE4F-D1C3-3948-942AF30AE481}"/>
+              </a:ext>
+            </a:extLst>
+          </p:cNvPr>
+          <p:cNvCxnSpPr>
+            <a:cxnSpLocks/>
+          </p:cNvCxnSpPr>
+          <p:nvPr/>
+        </p:nvCxnSpPr>
+        <p:spPr>
+          <a:xfrm flipV="1">
+            <a:off x="11133021" y="5474567"/>
+            <a:ext cx="711535" cy="14216"/>
+          </a:xfrm>
+          <a:prstGeom prst="straightConnector1">
+            <a:avLst/>
+          </a:prstGeom>
+          <a:ln>
+            <a:solidFill>
+              <a:srgbClr val="FFC000"/>
+            </a:solidFill>
+            <a:prstDash val="sysDot"/>
+            <a:headEnd type="triangle"/>
+            <a:tailEnd type="triangle"/>
+          </a:ln>
+        </p:spPr>
+        <p:style>
+          <a:lnRef idx="2">
+            <a:schemeClr val="accent1"/>
+          </a:lnRef>
+          <a:fillRef idx="0">
+            <a:schemeClr val="accent1"/>
+          </a:fillRef>
+          <a:effectRef idx="1">
+            <a:schemeClr val="accent1"/>
+          </a:effectRef>
+          <a:fontRef idx="minor">
+            <a:schemeClr val="tx1"/>
+          </a:fontRef>
+        </p:style>
+      </p:cxnSp>
+      <p:sp>
+        <p:nvSpPr>
+          <p:cNvPr id="48" name="TextBox 47">
+            <a:extLst>
+              <a:ext uri="{FF2B5EF4-FFF2-40B4-BE49-F238E27FC236}">
+                <a16:creationId xmlns:a16="http://schemas.microsoft.com/office/drawing/2014/main" id="{5468D386-2854-D04A-8A96-35E770AA4BE6}"/>
+              </a:ext>
+            </a:extLst>
+          </p:cNvPr>
+          <p:cNvSpPr txBox="1"/>
+          <p:nvPr/>
+        </p:nvSpPr>
+        <p:spPr>
+          <a:xfrm>
+            <a:off x="9085261" y="5290079"/>
+            <a:ext cx="1935210" cy="369332"/>
+          </a:xfrm>
+          <a:prstGeom prst="rect">
+            <a:avLst/>
+          </a:prstGeom>
+          <a:noFill/>
+        </p:spPr>
+        <p:txBody>
+          <a:bodyPr wrap="none" rtlCol="0">
+            <a:spAutoFit/>
+          </a:bodyPr>
+          <a:lstStyle/>
+          <a:p>
+            <a:pPr algn="r"/>
+            <a:r>
+              <a:rPr lang="en-US" dirty="0"/>
+              <a:t>Direct Claude API</a:t>
+            </a:r>
+          </a:p>
+        </p:txBody>
+      </p:sp>
+      <p:sp>
+        <p:nvSpPr>
+          <p:cNvPr id="21" name="Rectangle 20">
+            <a:extLst>
+              <a:ext uri="{FF2B5EF4-FFF2-40B4-BE49-F238E27FC236}">
+                <a16:creationId xmlns:a16="http://schemas.microsoft.com/office/drawing/2014/main" id="{B414E74D-80C5-5D7A-4C53-0983EB6A6003}"/>
+              </a:ext>
+            </a:extLst>
+          </p:cNvPr>
+          <p:cNvSpPr/>
+          <p:nvPr/>
+        </p:nvSpPr>
+        <p:spPr>
+          <a:xfrm>
+            <a:off x="794723" y="3647754"/>
+            <a:ext cx="1081548" cy="412955"/>
+          </a:xfrm>
+          <a:prstGeom prst="rect">
+            <a:avLst/>
+          </a:prstGeom>
+        </p:spPr>
+        <p:style>
+          <a:lnRef idx="2">
+            <a:schemeClr val="accent1">
+              <a:shade val="15000"/>
+            </a:schemeClr>
+          </a:lnRef>
+          <a:fillRef idx="1">
+            <a:schemeClr val="accent1"/>
+          </a:fillRef>
+          <a:effectRef idx="0">
+            <a:schemeClr val="accent1"/>
+          </a:effectRef>
+          <a:fontRef idx="minor">
+            <a:schemeClr val="lt1"/>
+          </a:fontRef>
+        </p:style>
+        <p:txBody>
+          <a:bodyPr rtlCol="0" anchor="ctr"/>
+          <a:lstStyle/>
+          <a:p>
+            <a:pPr algn="ctr"/>
+            <a:r>
+              <a:rPr lang="en-US" sz="1400" dirty="0"/>
+              <a:t>MCP Relay</a:t>
+            </a:r>
+          </a:p>
+        </p:txBody>
+      </p:sp>
+      <p:sp>
+        <p:nvSpPr>
+          <p:cNvPr id="33" name="TextBox 32">
+            <a:extLst>
+              <a:ext uri="{FF2B5EF4-FFF2-40B4-BE49-F238E27FC236}">
+                <a16:creationId xmlns:a16="http://schemas.microsoft.com/office/drawing/2014/main" id="{FBF2A7DF-58FC-DAEC-CF85-F34A9E85CEA9}"/>
+              </a:ext>
+            </a:extLst>
+          </p:cNvPr>
+          <p:cNvSpPr txBox="1"/>
+          <p:nvPr/>
+        </p:nvSpPr>
+        <p:spPr>
+          <a:xfrm>
+            <a:off x="1873681" y="3657697"/>
+            <a:ext cx="1646614" cy="577081"/>
+          </a:xfrm>
+          <a:prstGeom prst="rect">
+            <a:avLst/>
+          </a:prstGeom>
+          <a:noFill/>
+        </p:spPr>
+        <p:txBody>
+          <a:bodyPr wrap="square" rtlCol="0">
+            <a:spAutoFit/>
+          </a:bodyPr>
+          <a:lstStyle/>
+          <a:p>
+            <a:r>
+              <a:rPr lang="en-US" sz="1050" dirty="0"/>
+              <a:t>Can connect to any MCP server via WebSocket as needed.</a:t>
+            </a:r>
+          </a:p>
+        </p:txBody>
+      </p:sp>
+      <p:sp>
+        <p:nvSpPr>
+          <p:cNvPr id="18" name="Rectangle 17">
+            <a:extLst>
+              <a:ext uri="{FF2B5EF4-FFF2-40B4-BE49-F238E27FC236}">
+                <a16:creationId xmlns:a16="http://schemas.microsoft.com/office/drawing/2014/main" id="{A56522E1-BAB4-5631-0810-48320336BF61}"/>
+              </a:ext>
+            </a:extLst>
+          </p:cNvPr>
+          <p:cNvSpPr/>
+          <p:nvPr/>
+        </p:nvSpPr>
+        <p:spPr>
+          <a:xfrm>
+            <a:off x="7829953" y="3206544"/>
+            <a:ext cx="1081548" cy="835742"/>
+          </a:xfrm>
+          <a:prstGeom prst="rect">
+            <a:avLst/>
+          </a:prstGeom>
+        </p:spPr>
+        <p:style>
+          <a:lnRef idx="2">
+            <a:schemeClr val="accent1">
+              <a:shade val="15000"/>
+            </a:schemeClr>
+          </a:lnRef>
+          <a:fillRef idx="1">
+            <a:schemeClr val="accent1"/>
+          </a:fillRef>
+          <a:effectRef idx="0">
+            <a:schemeClr val="accent1"/>
+          </a:effectRef>
+          <a:fontRef idx="minor">
+            <a:schemeClr val="lt1"/>
+          </a:fontRef>
+        </p:style>
+        <p:txBody>
+          <a:bodyPr rtlCol="0" anchor="ctr"/>
+          <a:lstStyle/>
+          <a:p>
+            <a:pPr algn="ctr"/>
+            <a:r>
+              <a:rPr lang="en-US" dirty="0"/>
+              <a:t>Marco</a:t>
+            </a:r>
+          </a:p>
+        </p:txBody>
+      </p:sp>
+      <p:sp>
+        <p:nvSpPr>
+          <p:cNvPr id="19" name="Rectangle 18">
+            <a:extLst>
+              <a:ext uri="{FF2B5EF4-FFF2-40B4-BE49-F238E27FC236}">
+                <a16:creationId xmlns:a16="http://schemas.microsoft.com/office/drawing/2014/main" id="{52B3F188-AAD0-1820-E8CC-609B2388EA4C}"/>
+              </a:ext>
+            </a:extLst>
+          </p:cNvPr>
+          <p:cNvSpPr/>
+          <p:nvPr/>
+        </p:nvSpPr>
+        <p:spPr>
+          <a:xfrm>
+            <a:off x="7823604" y="2784986"/>
+            <a:ext cx="1081548" cy="412955"/>
+          </a:xfrm>
+          <a:prstGeom prst="rect">
+            <a:avLst/>
+          </a:prstGeom>
+        </p:spPr>
+        <p:style>
+          <a:lnRef idx="2">
+            <a:schemeClr val="accent1">
+              <a:shade val="15000"/>
+            </a:schemeClr>
+          </a:lnRef>
+          <a:fillRef idx="1">
+            <a:schemeClr val="accent1"/>
+          </a:fillRef>
+          <a:effectRef idx="0">
+            <a:schemeClr val="accent1"/>
+          </a:effectRef>
+          <a:fontRef idx="minor">
+            <a:schemeClr val="lt1"/>
+          </a:fontRef>
+        </p:style>
+        <p:txBody>
+          <a:bodyPr rtlCol="0" anchor="ctr"/>
+          <a:lstStyle/>
+          <a:p>
+            <a:pPr algn="ctr"/>
+            <a:r>
+              <a:rPr lang="en-US" sz="1400" dirty="0"/>
+              <a:t>MCP Relay</a:t>
+            </a:r>
+          </a:p>
+        </p:txBody>
+      </p:sp>
+      <p:sp>
+        <p:nvSpPr>
+          <p:cNvPr id="23" name="Rectangle 22">
+            <a:extLst>
+              <a:ext uri="{FF2B5EF4-FFF2-40B4-BE49-F238E27FC236}">
+                <a16:creationId xmlns:a16="http://schemas.microsoft.com/office/drawing/2014/main" id="{653F78F0-0F4D-DC6A-83C3-B012359F0500}"/>
+              </a:ext>
+            </a:extLst>
+          </p:cNvPr>
+          <p:cNvSpPr/>
+          <p:nvPr/>
+        </p:nvSpPr>
+        <p:spPr>
+          <a:xfrm>
+            <a:off x="7631404" y="2412591"/>
+            <a:ext cx="1464431" cy="1822187"/>
+          </a:xfrm>
+          <a:prstGeom prst="rect">
+            <a:avLst/>
+          </a:prstGeom>
+          <a:noFill/>
+          <a:ln>
+            <a:prstDash val="sysDash"/>
+          </a:ln>
+        </p:spPr>
+        <p:style>
+          <a:lnRef idx="2">
+            <a:schemeClr val="accent1"/>
+          </a:lnRef>
+          <a:fillRef idx="1">
+            <a:schemeClr val="lt1"/>
+          </a:fillRef>
+          <a:effectRef idx="0">
+            <a:schemeClr val="accent1"/>
+          </a:effectRef>
+          <a:fontRef idx="minor">
+            <a:schemeClr val="dk1"/>
+          </a:fontRef>
+        </p:style>
+        <p:txBody>
+          <a:bodyPr rtlCol="0" anchor="t" anchorCtr="0"/>
+          <a:lstStyle/>
+          <a:p>
+            <a:r>
+              <a:rPr lang="en-US" sz="1100" dirty="0"/>
+              <a:t>Container – Web Gateway</a:t>
+            </a:r>
+          </a:p>
+        </p:txBody>
+      </p:sp>
+      <p:cxnSp>
+        <p:nvCxnSpPr>
+          <p:cNvPr id="26" name="Straight Arrow Connector 25">
+            <a:extLst>
+              <a:ext uri="{FF2B5EF4-FFF2-40B4-BE49-F238E27FC236}">
+                <a16:creationId xmlns:a16="http://schemas.microsoft.com/office/drawing/2014/main" id="{3015548C-3663-F254-99E1-1FE87496288A}"/>
+              </a:ext>
+            </a:extLst>
+          </p:cNvPr>
+          <p:cNvCxnSpPr>
+            <a:cxnSpLocks/>
+            <a:stCxn id="19" idx="1"/>
+          </p:cNvCxnSpPr>
+          <p:nvPr/>
+        </p:nvCxnSpPr>
+        <p:spPr>
+          <a:xfrm flipH="1" flipV="1">
+            <a:off x="7394576" y="1887793"/>
+            <a:ext cx="429028" cy="1103671"/>
+          </a:xfrm>
+          <a:prstGeom prst="straightConnector1">
+            <a:avLst/>
+          </a:prstGeom>
+          <a:ln>
+            <a:headEnd type="triangle"/>
+            <a:tailEnd type="triangle"/>
+          </a:ln>
+        </p:spPr>
+        <p:style>
+          <a:lnRef idx="2">
+            <a:schemeClr val="accent1"/>
+          </a:lnRef>
+          <a:fillRef idx="0">
+            <a:schemeClr val="accent1"/>
+          </a:fillRef>
+          <a:effectRef idx="1">
+            <a:schemeClr val="accent1"/>
+          </a:effectRef>
+          <a:fontRef idx="minor">
+            <a:schemeClr val="tx1"/>
+          </a:fontRef>
+        </p:style>
+      </p:cxnSp>
+      <p:sp>
+        <p:nvSpPr>
+          <p:cNvPr id="40" name="Rectangle 39">
+            <a:extLst>
+              <a:ext uri="{FF2B5EF4-FFF2-40B4-BE49-F238E27FC236}">
+                <a16:creationId xmlns:a16="http://schemas.microsoft.com/office/drawing/2014/main" id="{923D1BB6-D620-8E07-E0B6-5E8D839DD83B}"/>
+              </a:ext>
+            </a:extLst>
+          </p:cNvPr>
+          <p:cNvSpPr/>
+          <p:nvPr/>
+        </p:nvSpPr>
+        <p:spPr>
+          <a:xfrm>
+            <a:off x="4479771" y="3206544"/>
+            <a:ext cx="1081548" cy="835742"/>
+          </a:xfrm>
+          <a:prstGeom prst="rect">
+            <a:avLst/>
+          </a:prstGeom>
+        </p:spPr>
+        <p:style>
+          <a:lnRef idx="2">
+            <a:schemeClr val="accent1">
+              <a:shade val="15000"/>
+            </a:schemeClr>
+          </a:lnRef>
+          <a:fillRef idx="1">
+            <a:schemeClr val="accent1"/>
+          </a:fillRef>
+          <a:effectRef idx="0">
+            <a:schemeClr val="accent1"/>
+          </a:effectRef>
+          <a:fontRef idx="minor">
+            <a:schemeClr val="lt1"/>
+          </a:fontRef>
+        </p:style>
+        <p:txBody>
+          <a:bodyPr rtlCol="0" anchor="ctr"/>
+          <a:lstStyle/>
+          <a:p>
+            <a:pPr algn="ctr"/>
+            <a:r>
+              <a:rPr lang="en-US" sz="1600" dirty="0"/>
+              <a:t>Claudette</a:t>
+            </a:r>
+          </a:p>
+        </p:txBody>
+      </p:sp>
+      <p:sp>
+        <p:nvSpPr>
+          <p:cNvPr id="43" name="Rectangle 42">
+            <a:extLst>
+              <a:ext uri="{FF2B5EF4-FFF2-40B4-BE49-F238E27FC236}">
+                <a16:creationId xmlns:a16="http://schemas.microsoft.com/office/drawing/2014/main" id="{8CA8D32A-8DB5-2A62-442D-AD121F62B2BD}"/>
+              </a:ext>
+            </a:extLst>
+          </p:cNvPr>
+          <p:cNvSpPr/>
+          <p:nvPr/>
+        </p:nvSpPr>
+        <p:spPr>
+          <a:xfrm>
+            <a:off x="4246364" y="2412591"/>
+            <a:ext cx="1489537" cy="1822187"/>
+          </a:xfrm>
+          <a:prstGeom prst="rect">
+            <a:avLst/>
+          </a:prstGeom>
+          <a:noFill/>
+          <a:ln>
+            <a:prstDash val="sysDash"/>
+          </a:ln>
+        </p:spPr>
+        <p:style>
+          <a:lnRef idx="2">
+            <a:schemeClr val="accent1"/>
+          </a:lnRef>
+          <a:fillRef idx="1">
+            <a:schemeClr val="lt1"/>
+          </a:fillRef>
+          <a:effectRef idx="0">
+            <a:schemeClr val="accent1"/>
+          </a:effectRef>
+          <a:fontRef idx="minor">
+            <a:schemeClr val="dk1"/>
+          </a:fontRef>
+        </p:style>
+        <p:txBody>
+          <a:bodyPr rtlCol="0" anchor="t" anchorCtr="0"/>
+          <a:lstStyle/>
+          <a:p>
+            <a:r>
+              <a:rPr lang="en-US" sz="1100" dirty="0"/>
+              <a:t>Container – Grace UI</a:t>
+            </a:r>
+          </a:p>
+        </p:txBody>
+      </p:sp>
+      <p:cxnSp>
+        <p:nvCxnSpPr>
+          <p:cNvPr id="47" name="Straight Arrow Connector 46">
+            <a:extLst>
+              <a:ext uri="{FF2B5EF4-FFF2-40B4-BE49-F238E27FC236}">
+                <a16:creationId xmlns:a16="http://schemas.microsoft.com/office/drawing/2014/main" id="{24F5C86A-DCF7-F0F4-13B9-B1FD049A871D}"/>
+              </a:ext>
+            </a:extLst>
+          </p:cNvPr>
+          <p:cNvCxnSpPr>
+            <a:cxnSpLocks/>
+          </p:cNvCxnSpPr>
+          <p:nvPr/>
+        </p:nvCxnSpPr>
+        <p:spPr>
+          <a:xfrm flipV="1">
+            <a:off x="5199633" y="1894143"/>
+            <a:ext cx="1713624" cy="1299324"/>
+          </a:xfrm>
+          <a:prstGeom prst="straightConnector1">
+            <a:avLst/>
+          </a:prstGeom>
+          <a:ln>
+            <a:headEnd type="triangle"/>
+            <a:tailEnd type="triangle"/>
+          </a:ln>
+        </p:spPr>
+        <p:style>
+          <a:lnRef idx="2">
+            <a:schemeClr val="accent1"/>
+          </a:lnRef>
+          <a:fillRef idx="0">
+            <a:schemeClr val="accent1"/>
+          </a:fillRef>
+          <a:effectRef idx="1">
+            <a:schemeClr val="accent1"/>
+          </a:effectRef>
+          <a:fontRef idx="minor">
+            <a:schemeClr val="tx1"/>
+          </a:fontRef>
+        </p:style>
+      </p:cxnSp>
+      <p:sp>
+        <p:nvSpPr>
+          <p:cNvPr id="61" name="Rectangle 60">
+            <a:extLst>
+              <a:ext uri="{FF2B5EF4-FFF2-40B4-BE49-F238E27FC236}">
+                <a16:creationId xmlns:a16="http://schemas.microsoft.com/office/drawing/2014/main" id="{34A9921A-AAE6-A74D-8E89-1F2C655D2B91}"/>
+              </a:ext>
+            </a:extLst>
+          </p:cNvPr>
+          <p:cNvSpPr/>
+          <p:nvPr/>
+        </p:nvSpPr>
+        <p:spPr>
+          <a:xfrm>
+            <a:off x="6117809" y="5355841"/>
+            <a:ext cx="1081548" cy="835742"/>
+          </a:xfrm>
+          <a:prstGeom prst="rect">
+            <a:avLst/>
+          </a:prstGeom>
+        </p:spPr>
+        <p:style>
+          <a:lnRef idx="2">
+            <a:schemeClr val="accent1">
+              <a:shade val="15000"/>
+            </a:schemeClr>
+          </a:lnRef>
+          <a:fillRef idx="1">
+            <a:schemeClr val="accent1"/>
+          </a:fillRef>
+          <a:effectRef idx="0">
+            <a:schemeClr val="accent1"/>
+          </a:effectRef>
+          <a:fontRef idx="minor">
+            <a:schemeClr val="lt1"/>
+          </a:fontRef>
+        </p:style>
+        <p:txBody>
+          <a:bodyPr rtlCol="0" anchor="ctr"/>
+          <a:lstStyle/>
+          <a:p>
+            <a:pPr algn="ctr"/>
+            <a:r>
+              <a:rPr lang="en-US" sz="1600" dirty="0"/>
+              <a:t>Claudette</a:t>
+            </a:r>
+          </a:p>
+        </p:txBody>
+      </p:sp>
+      <p:sp>
+        <p:nvSpPr>
+          <p:cNvPr id="63" name="Rectangle 62">
+            <a:extLst>
+              <a:ext uri="{FF2B5EF4-FFF2-40B4-BE49-F238E27FC236}">
+                <a16:creationId xmlns:a16="http://schemas.microsoft.com/office/drawing/2014/main" id="{2520646A-FFB4-8BD8-19A9-84AD3306AE62}"/>
+              </a:ext>
+            </a:extLst>
+          </p:cNvPr>
+          <p:cNvSpPr/>
+          <p:nvPr/>
+        </p:nvSpPr>
+        <p:spPr>
+          <a:xfrm>
+            <a:off x="5930145" y="4561888"/>
+            <a:ext cx="1464431" cy="1822187"/>
+          </a:xfrm>
+          <a:prstGeom prst="rect">
+            <a:avLst/>
+          </a:prstGeom>
+          <a:noFill/>
+          <a:ln>
+            <a:prstDash val="sysDash"/>
+          </a:ln>
+        </p:spPr>
+        <p:style>
+          <a:lnRef idx="2">
+            <a:schemeClr val="accent1"/>
+          </a:lnRef>
+          <a:fillRef idx="1">
+            <a:schemeClr val="lt1"/>
+          </a:fillRef>
+          <a:effectRef idx="0">
+            <a:schemeClr val="accent1"/>
+          </a:effectRef>
+          <a:fontRef idx="minor">
+            <a:schemeClr val="dk1"/>
+          </a:fontRef>
+        </p:style>
+        <p:txBody>
+          <a:bodyPr rtlCol="0" anchor="t" anchorCtr="0"/>
+          <a:lstStyle/>
+          <a:p>
+            <a:r>
+              <a:rPr lang="en-US" sz="1100" dirty="0"/>
+              <a:t>Container – Temporary </a:t>
+            </a:r>
+          </a:p>
+          <a:p>
+            <a:r>
+              <a:rPr lang="en-US" sz="1100" dirty="0"/>
+              <a:t>Claude UI</a:t>
+            </a:r>
+          </a:p>
+        </p:txBody>
+      </p:sp>
+      <p:cxnSp>
+        <p:nvCxnSpPr>
+          <p:cNvPr id="66" name="Straight Arrow Connector 65">
+            <a:extLst>
+              <a:ext uri="{FF2B5EF4-FFF2-40B4-BE49-F238E27FC236}">
+                <a16:creationId xmlns:a16="http://schemas.microsoft.com/office/drawing/2014/main" id="{24C56926-DEFA-8BC2-3042-DA692E4C017D}"/>
+              </a:ext>
+            </a:extLst>
+          </p:cNvPr>
+          <p:cNvCxnSpPr>
+            <a:stCxn id="61" idx="0"/>
+            <a:endCxn id="4" idx="2"/>
+          </p:cNvCxnSpPr>
+          <p:nvPr/>
+        </p:nvCxnSpPr>
+        <p:spPr>
+          <a:xfrm flipV="1">
+            <a:off x="6658583" y="4042286"/>
+            <a:ext cx="4206" cy="1313555"/>
+          </a:xfrm>
+          <a:prstGeom prst="straightConnector1">
+            <a:avLst/>
+          </a:prstGeom>
+          <a:ln>
+            <a:headEnd type="triangle" w="med" len="med"/>
+            <a:tailEnd type="triangle" w="med" len="med"/>
+          </a:ln>
+        </p:spPr>
+        <p:style>
+          <a:lnRef idx="2">
+            <a:schemeClr val="accent2"/>
+          </a:lnRef>
+          <a:fillRef idx="0">
+            <a:schemeClr val="accent2"/>
+          </a:fillRef>
+          <a:effectRef idx="1">
+            <a:schemeClr val="accent2"/>
           </a:effectRef>
           <a:fontRef idx="minor">
             <a:schemeClr val="tx1"/>
@@ -4691,10 +7702,10 @@
       </p:cxnSp>
       <p:cxnSp>
         <p:nvCxnSpPr>
-          <p:cNvPr id="53" name="Straight Arrow Connector 52">
-            <a:extLst>
-              <a:ext uri="{FF2B5EF4-FFF2-40B4-BE49-F238E27FC236}">
-                <a16:creationId xmlns:a16="http://schemas.microsoft.com/office/drawing/2014/main" id="{E2EDF5A3-2F88-E012-422C-D5EB635CE6DB}"/>
+          <p:cNvPr id="67" name="Straight Arrow Connector 66">
+            <a:extLst>
+              <a:ext uri="{FF2B5EF4-FFF2-40B4-BE49-F238E27FC236}">
+                <a16:creationId xmlns:a16="http://schemas.microsoft.com/office/drawing/2014/main" id="{863E2E9F-B7A9-3413-0DB3-7CB8BDD5129C}"/>
               </a:ext>
             </a:extLst>
           </p:cNvPr>
@@ -4705,31 +7716,26 @@
         </p:nvCxnSpPr>
         <p:spPr>
           <a:xfrm flipH="1">
-            <a:off x="10636697" y="4897992"/>
+            <a:off x="11100622" y="5153479"/>
             <a:ext cx="711535" cy="3987"/>
           </a:xfrm>
           <a:prstGeom prst="straightConnector1">
             <a:avLst/>
           </a:prstGeom>
           <a:ln>
-            <a:solidFill>
-              <a:schemeClr val="accent6">
-                <a:lumMod val="50000"/>
-              </a:schemeClr>
-            </a:solidFill>
             <a:headEnd type="triangle"/>
             <a:tailEnd type="triangle"/>
           </a:ln>
         </p:spPr>
         <p:style>
           <a:lnRef idx="2">
-            <a:schemeClr val="accent1"/>
+            <a:schemeClr val="accent2"/>
           </a:lnRef>
           <a:fillRef idx="0">
-            <a:schemeClr val="accent1"/>
+            <a:schemeClr val="accent2"/>
           </a:fillRef>
           <a:effectRef idx="1">
-            <a:schemeClr val="accent1"/>
+            <a:schemeClr val="accent2"/>
           </a:effectRef>
           <a:fontRef idx="minor">
             <a:schemeClr val="tx1"/>
@@ -4738,10 +7744,10 @@
       </p:cxnSp>
       <p:sp>
         <p:nvSpPr>
-          <p:cNvPr id="54" name="TextBox 53">
-            <a:extLst>
-              <a:ext uri="{FF2B5EF4-FFF2-40B4-BE49-F238E27FC236}">
-                <a16:creationId xmlns:a16="http://schemas.microsoft.com/office/drawing/2014/main" id="{72B417E4-9B34-E237-E3C8-E21A3677FFBA}"/>
+          <p:cNvPr id="68" name="TextBox 67">
+            <a:extLst>
+              <a:ext uri="{FF2B5EF4-FFF2-40B4-BE49-F238E27FC236}">
+                <a16:creationId xmlns:a16="http://schemas.microsoft.com/office/drawing/2014/main" id="{97047C1B-5B81-D7D3-7F04-C0C71B31F700}"/>
               </a:ext>
             </a:extLst>
           </p:cNvPr>
@@ -4750,8 +7756,8 @@
         </p:nvSpPr>
         <p:spPr>
           <a:xfrm>
-            <a:off x="9266062" y="3815522"/>
-            <a:ext cx="1197764" cy="369332"/>
+            <a:off x="9684774" y="4947609"/>
+            <a:ext cx="1335696" cy="369332"/>
           </a:xfrm>
           <a:prstGeom prst="rect">
             <a:avLst/>
@@ -4759,221 +7765,25 @@
           <a:noFill/>
         </p:spPr>
         <p:txBody>
-          <a:bodyPr wrap="none" rtlCol="0">
+          <a:bodyPr wrap="square" rtlCol="0">
             <a:spAutoFit/>
           </a:bodyPr>
           <a:lstStyle/>
           <a:p>
+            <a:pPr algn="r"/>
             <a:r>
               <a:rPr lang="en-US" dirty="0"/>
-              <a:t>LLMs APIs</a:t>
-            </a:r>
-          </a:p>
-        </p:txBody>
-      </p:sp>
-      <p:sp>
-        <p:nvSpPr>
-          <p:cNvPr id="55" name="TextBox 54">
-            <a:extLst>
-              <a:ext uri="{FF2B5EF4-FFF2-40B4-BE49-F238E27FC236}">
-                <a16:creationId xmlns:a16="http://schemas.microsoft.com/office/drawing/2014/main" id="{4448E8B7-7386-0F7D-E629-84EE1D241ADC}"/>
-              </a:ext>
-            </a:extLst>
-          </p:cNvPr>
-          <p:cNvSpPr txBox="1"/>
-          <p:nvPr/>
-        </p:nvSpPr>
-        <p:spPr>
-          <a:xfrm>
-            <a:off x="9384046" y="4127077"/>
-            <a:ext cx="945067" cy="369332"/>
-          </a:xfrm>
-          <a:prstGeom prst="rect">
-            <a:avLst/>
-          </a:prstGeom>
-          <a:noFill/>
-        </p:spPr>
-        <p:txBody>
-          <a:bodyPr wrap="none" rtlCol="0">
-            <a:spAutoFit/>
-          </a:bodyPr>
-          <a:lstStyle/>
-          <a:p>
-            <a:r>
-              <a:rPr lang="en-US" dirty="0"/>
-              <a:t>Logging</a:t>
-            </a:r>
-          </a:p>
-        </p:txBody>
-      </p:sp>
-      <p:sp>
-        <p:nvSpPr>
-          <p:cNvPr id="56" name="TextBox 55">
-            <a:extLst>
-              <a:ext uri="{FF2B5EF4-FFF2-40B4-BE49-F238E27FC236}">
-                <a16:creationId xmlns:a16="http://schemas.microsoft.com/office/drawing/2014/main" id="{9340ADF5-8DB8-9FCF-72A7-EE8202FFEEC1}"/>
-              </a:ext>
-            </a:extLst>
-          </p:cNvPr>
-          <p:cNvSpPr txBox="1"/>
-          <p:nvPr/>
-        </p:nvSpPr>
-        <p:spPr>
-          <a:xfrm>
-            <a:off x="9384045" y="4413442"/>
-            <a:ext cx="1149674" cy="369332"/>
-          </a:xfrm>
-          <a:prstGeom prst="rect">
-            <a:avLst/>
-          </a:prstGeom>
-          <a:noFill/>
-        </p:spPr>
-        <p:txBody>
-          <a:bodyPr wrap="none" rtlCol="0">
-            <a:spAutoFit/>
-          </a:bodyPr>
-          <a:lstStyle/>
-          <a:p>
-            <a:r>
-              <a:rPr lang="en-US" dirty="0"/>
-              <a:t>Database</a:t>
-            </a:r>
-          </a:p>
-        </p:txBody>
-      </p:sp>
-      <p:sp>
-        <p:nvSpPr>
-          <p:cNvPr id="57" name="TextBox 56">
-            <a:extLst>
-              <a:ext uri="{FF2B5EF4-FFF2-40B4-BE49-F238E27FC236}">
-                <a16:creationId xmlns:a16="http://schemas.microsoft.com/office/drawing/2014/main" id="{64B2601D-C7FC-903C-9816-4955F3787D52}"/>
-              </a:ext>
-            </a:extLst>
-          </p:cNvPr>
-          <p:cNvSpPr txBox="1"/>
-          <p:nvPr/>
-        </p:nvSpPr>
-        <p:spPr>
-          <a:xfrm>
-            <a:off x="9384046" y="4687193"/>
-            <a:ext cx="968535" cy="369332"/>
-          </a:xfrm>
-          <a:prstGeom prst="rect">
-            <a:avLst/>
-          </a:prstGeom>
-          <a:noFill/>
-        </p:spPr>
-        <p:txBody>
-          <a:bodyPr wrap="none" rtlCol="0">
-            <a:spAutoFit/>
-          </a:bodyPr>
-          <a:lstStyle/>
-          <a:p>
-            <a:r>
-              <a:rPr lang="en-US" dirty="0"/>
-              <a:t>Queries</a:t>
-            </a:r>
-          </a:p>
-        </p:txBody>
-      </p:sp>
-      <p:cxnSp>
-        <p:nvCxnSpPr>
-          <p:cNvPr id="58" name="Straight Arrow Connector 57">
-            <a:extLst>
-              <a:ext uri="{FF2B5EF4-FFF2-40B4-BE49-F238E27FC236}">
-                <a16:creationId xmlns:a16="http://schemas.microsoft.com/office/drawing/2014/main" id="{4D4C56A6-DA04-70A5-9718-4D3F07F3D0F5}"/>
-              </a:ext>
-            </a:extLst>
-          </p:cNvPr>
-          <p:cNvCxnSpPr/>
-          <p:nvPr/>
-        </p:nvCxnSpPr>
-        <p:spPr>
-          <a:xfrm flipV="1">
-            <a:off x="5412659" y="1887793"/>
-            <a:ext cx="0" cy="897194"/>
-          </a:xfrm>
-          <a:prstGeom prst="straightConnector1">
-            <a:avLst/>
-          </a:prstGeom>
-          <a:ln>
-            <a:solidFill>
-              <a:schemeClr val="accent6">
-                <a:lumMod val="50000"/>
-              </a:schemeClr>
-            </a:solidFill>
-            <a:headEnd type="triangle"/>
-            <a:tailEnd type="triangle"/>
-          </a:ln>
-        </p:spPr>
-        <p:style>
-          <a:lnRef idx="2">
-            <a:schemeClr val="accent1"/>
-          </a:lnRef>
-          <a:fillRef idx="0">
-            <a:schemeClr val="accent1"/>
-          </a:fillRef>
-          <a:effectRef idx="1">
-            <a:schemeClr val="accent1"/>
-          </a:effectRef>
-          <a:fontRef idx="minor">
-            <a:schemeClr val="tx1"/>
-          </a:fontRef>
-        </p:style>
-      </p:cxnSp>
-      <p:cxnSp>
-        <p:nvCxnSpPr>
-          <p:cNvPr id="59" name="Straight Arrow Connector 58">
-            <a:extLst>
-              <a:ext uri="{FF2B5EF4-FFF2-40B4-BE49-F238E27FC236}">
-                <a16:creationId xmlns:a16="http://schemas.microsoft.com/office/drawing/2014/main" id="{647E8F59-82AE-4856-6859-BA267EA784D4}"/>
-              </a:ext>
-            </a:extLst>
-          </p:cNvPr>
-          <p:cNvCxnSpPr>
-            <a:cxnSpLocks/>
-          </p:cNvCxnSpPr>
-          <p:nvPr/>
-        </p:nvCxnSpPr>
-        <p:spPr>
-          <a:xfrm>
-            <a:off x="5726881" y="1661650"/>
-            <a:ext cx="2134011" cy="0"/>
-          </a:xfrm>
-          <a:prstGeom prst="straightConnector1">
-            <a:avLst/>
-          </a:prstGeom>
-          <a:ln>
-            <a:solidFill>
-              <a:schemeClr val="accent6">
-                <a:lumMod val="50000"/>
-              </a:schemeClr>
-            </a:solidFill>
-            <a:headEnd type="triangle"/>
-            <a:tailEnd type="triangle"/>
-          </a:ln>
-        </p:spPr>
-        <p:style>
-          <a:lnRef idx="2">
-            <a:schemeClr val="accent1"/>
-          </a:lnRef>
-          <a:fillRef idx="0">
-            <a:schemeClr val="accent1"/>
-          </a:fillRef>
-          <a:effectRef idx="1">
-            <a:schemeClr val="accent1"/>
-          </a:effectRef>
-          <a:fontRef idx="minor">
-            <a:schemeClr val="tx1"/>
-          </a:fontRef>
-        </p:style>
-      </p:cxnSp>
-      <p:sp>
-        <p:nvSpPr>
-          <p:cNvPr id="2" name="Rectangle 1">
-            <a:extLst>
-              <a:ext uri="{FF2B5EF4-FFF2-40B4-BE49-F238E27FC236}">
-                <a16:creationId xmlns:a16="http://schemas.microsoft.com/office/drawing/2014/main" id="{9514009D-FDD5-EC84-678B-D5909D894481}"/>
+              <a:t>Unknown?</a:t>
+            </a:r>
+          </a:p>
+        </p:txBody>
+      </p:sp>
+      <p:sp>
+        <p:nvSpPr>
+          <p:cNvPr id="8" name="Cloud 7">
+            <a:extLst>
+              <a:ext uri="{FF2B5EF4-FFF2-40B4-BE49-F238E27FC236}">
+                <a16:creationId xmlns:a16="http://schemas.microsoft.com/office/drawing/2014/main" id="{DA2C93FF-CDF3-13B9-DE84-C8E58AC7A422}"/>
               </a:ext>
             </a:extLst>
           </p:cNvPr>
@@ -4982,210 +7792,10 @@
         </p:nvSpPr>
         <p:spPr>
           <a:xfrm>
-            <a:off x="4290555" y="2412591"/>
-            <a:ext cx="1805441" cy="2729678"/>
-          </a:xfrm>
-          <a:prstGeom prst="rect">
-            <a:avLst/>
-          </a:prstGeom>
-          <a:noFill/>
-          <a:ln>
-            <a:prstDash val="sysDash"/>
-          </a:ln>
-        </p:spPr>
-        <p:style>
-          <a:lnRef idx="2">
-            <a:schemeClr val="accent1"/>
-          </a:lnRef>
-          <a:fillRef idx="1">
-            <a:schemeClr val="lt1"/>
-          </a:fillRef>
-          <a:effectRef idx="0">
-            <a:schemeClr val="accent1"/>
-          </a:effectRef>
-          <a:fontRef idx="minor">
-            <a:schemeClr val="dk1"/>
-          </a:fontRef>
-        </p:style>
-        <p:txBody>
-          <a:bodyPr rtlCol="0" anchor="t" anchorCtr="0"/>
-          <a:lstStyle/>
-          <a:p>
-            <a:r>
-              <a:rPr lang="en-US" sz="1200" dirty="0"/>
-              <a:t>Container</a:t>
-            </a:r>
-          </a:p>
-        </p:txBody>
-      </p:sp>
-      <p:sp>
-        <p:nvSpPr>
-          <p:cNvPr id="3" name="Rectangle 2">
-            <a:extLst>
-              <a:ext uri="{FF2B5EF4-FFF2-40B4-BE49-F238E27FC236}">
-                <a16:creationId xmlns:a16="http://schemas.microsoft.com/office/drawing/2014/main" id="{C87DFE5C-5BD7-826B-F4DE-BEBB868ECAA4}"/>
-              </a:ext>
-            </a:extLst>
-          </p:cNvPr>
-          <p:cNvSpPr/>
-          <p:nvPr/>
-        </p:nvSpPr>
-        <p:spPr>
-          <a:xfrm>
-            <a:off x="7505295" y="468263"/>
-            <a:ext cx="1805441" cy="1607163"/>
-          </a:xfrm>
-          <a:prstGeom prst="rect">
-            <a:avLst/>
-          </a:prstGeom>
-          <a:noFill/>
-          <a:ln>
-            <a:prstDash val="sysDash"/>
-          </a:ln>
-        </p:spPr>
-        <p:style>
-          <a:lnRef idx="2">
-            <a:schemeClr val="accent1"/>
-          </a:lnRef>
-          <a:fillRef idx="1">
-            <a:schemeClr val="lt1"/>
-          </a:fillRef>
-          <a:effectRef idx="0">
-            <a:schemeClr val="accent1"/>
-          </a:effectRef>
-          <a:fontRef idx="minor">
-            <a:schemeClr val="dk1"/>
-          </a:fontRef>
-        </p:style>
-        <p:txBody>
-          <a:bodyPr rtlCol="0" anchor="t" anchorCtr="0"/>
-          <a:lstStyle/>
-          <a:p>
-            <a:r>
-              <a:rPr lang="en-US" sz="1200" dirty="0"/>
-              <a:t>Container</a:t>
-            </a:r>
-          </a:p>
-        </p:txBody>
-      </p:sp>
-      <p:sp>
-        <p:nvSpPr>
-          <p:cNvPr id="11" name="Rectangle 10">
-            <a:extLst>
-              <a:ext uri="{FF2B5EF4-FFF2-40B4-BE49-F238E27FC236}">
-                <a16:creationId xmlns:a16="http://schemas.microsoft.com/office/drawing/2014/main" id="{D396BC85-B443-1406-C027-2D0327F2FD03}"/>
-              </a:ext>
-            </a:extLst>
-          </p:cNvPr>
-          <p:cNvSpPr/>
-          <p:nvPr/>
-        </p:nvSpPr>
-        <p:spPr>
-          <a:xfrm>
-            <a:off x="4295061" y="468262"/>
-            <a:ext cx="1805441" cy="1607163"/>
-          </a:xfrm>
-          <a:prstGeom prst="rect">
-            <a:avLst/>
-          </a:prstGeom>
-          <a:noFill/>
-          <a:ln>
-            <a:prstDash val="sysDash"/>
-          </a:ln>
-        </p:spPr>
-        <p:style>
-          <a:lnRef idx="2">
-            <a:schemeClr val="accent1"/>
-          </a:lnRef>
-          <a:fillRef idx="1">
-            <a:schemeClr val="lt1"/>
-          </a:fillRef>
-          <a:effectRef idx="0">
-            <a:schemeClr val="accent1"/>
-          </a:effectRef>
-          <a:fontRef idx="minor">
-            <a:schemeClr val="dk1"/>
-          </a:fontRef>
-        </p:style>
-        <p:txBody>
-          <a:bodyPr rtlCol="0" anchor="t" anchorCtr="0"/>
-          <a:lstStyle/>
-          <a:p>
-            <a:r>
-              <a:rPr lang="en-US" sz="1200" dirty="0"/>
-              <a:t>Container</a:t>
-            </a:r>
-          </a:p>
-        </p:txBody>
-      </p:sp>
-      <p:sp>
-        <p:nvSpPr>
-          <p:cNvPr id="13" name="Rectangle 12">
-            <a:extLst>
-              <a:ext uri="{FF2B5EF4-FFF2-40B4-BE49-F238E27FC236}">
-                <a16:creationId xmlns:a16="http://schemas.microsoft.com/office/drawing/2014/main" id="{048AB050-8D74-475A-E79F-C6A00216CE5A}"/>
-              </a:ext>
-            </a:extLst>
-          </p:cNvPr>
-          <p:cNvSpPr/>
-          <p:nvPr/>
-        </p:nvSpPr>
-        <p:spPr>
-          <a:xfrm>
-            <a:off x="2183180" y="468261"/>
-            <a:ext cx="1805441" cy="1607163"/>
-          </a:xfrm>
-          <a:prstGeom prst="rect">
-            <a:avLst/>
-          </a:prstGeom>
-          <a:noFill/>
-          <a:ln>
-            <a:prstDash val="sysDash"/>
-          </a:ln>
-        </p:spPr>
-        <p:style>
-          <a:lnRef idx="2">
-            <a:schemeClr val="accent1"/>
-          </a:lnRef>
-          <a:fillRef idx="1">
-            <a:schemeClr val="lt1"/>
-          </a:fillRef>
-          <a:effectRef idx="0">
-            <a:schemeClr val="accent1"/>
-          </a:effectRef>
-          <a:fontRef idx="minor">
-            <a:schemeClr val="dk1"/>
-          </a:fontRef>
-        </p:style>
-        <p:txBody>
-          <a:bodyPr rtlCol="0" anchor="t" anchorCtr="0"/>
-          <a:lstStyle/>
-          <a:p>
-            <a:r>
-              <a:rPr lang="en-US" sz="1200" dirty="0"/>
-              <a:t>Container</a:t>
-            </a:r>
-          </a:p>
-        </p:txBody>
-      </p:sp>
-      <p:sp>
-        <p:nvSpPr>
-          <p:cNvPr id="15" name="Rectangle 14">
-            <a:extLst>
-              <a:ext uri="{FF2B5EF4-FFF2-40B4-BE49-F238E27FC236}">
-                <a16:creationId xmlns:a16="http://schemas.microsoft.com/office/drawing/2014/main" id="{910E8974-B09D-9380-1583-D35538B8F476}"/>
-              </a:ext>
-            </a:extLst>
-          </p:cNvPr>
-          <p:cNvSpPr/>
-          <p:nvPr/>
-        </p:nvSpPr>
-        <p:spPr>
-          <a:xfrm>
-            <a:off x="331453" y="4085303"/>
-            <a:ext cx="1381431" cy="835742"/>
-          </a:xfrm>
-          <a:prstGeom prst="rect">
+            <a:off x="285132" y="468261"/>
+            <a:ext cx="1474444" cy="2075544"/>
+          </a:xfrm>
+          <a:prstGeom prst="cloud">
             <a:avLst/>
           </a:prstGeom>
         </p:spPr>
@@ -5212,7 +7822,7 @@
             <a:pPr algn="ctr"/>
             <a:r>
               <a:rPr lang="en-US" dirty="0"/>
-              <a:t>Claude Code (bare metal)</a:t>
+              <a:t>Cloud LLMs</a:t>
             </a:r>
           </a:p>
         </p:txBody>
@@ -5222,7 +7832,7 @@
           <p:cNvPr id="17" name="Cloud 16">
             <a:extLst>
               <a:ext uri="{FF2B5EF4-FFF2-40B4-BE49-F238E27FC236}">
-                <a16:creationId xmlns:a16="http://schemas.microsoft.com/office/drawing/2014/main" id="{0AC13C4A-73E6-52C2-A5FE-6CCED2842BD8}"/>
+                <a16:creationId xmlns:a16="http://schemas.microsoft.com/office/drawing/2014/main" id="{D981551A-A84F-5ED2-DAF3-8EC21D66E74F}"/>
               </a:ext>
             </a:extLst>
           </p:cNvPr>
@@ -5231,8 +7841,8 @@
         </p:nvSpPr>
         <p:spPr>
           <a:xfrm>
-            <a:off x="346587" y="2337618"/>
-            <a:ext cx="1381432" cy="894735"/>
+            <a:off x="517219" y="1721610"/>
+            <a:ext cx="1038930" cy="690981"/>
           </a:xfrm>
           <a:prstGeom prst="cloud">
             <a:avLst/>
@@ -5260,8 +7870,8 @@
           <a:p>
             <a:pPr algn="ctr"/>
             <a:r>
-              <a:rPr lang="en-US" sz="1400" dirty="0"/>
-              <a:t>Claude Max</a:t>
+              <a:rPr lang="en-US" sz="900" dirty="0"/>
+              <a:t>Claude API</a:t>
             </a:r>
           </a:p>
         </p:txBody>
@@ -5271,7 +7881,7 @@
           <p:cNvPr id="25" name="Straight Arrow Connector 24">
             <a:extLst>
               <a:ext uri="{FF2B5EF4-FFF2-40B4-BE49-F238E27FC236}">
-                <a16:creationId xmlns:a16="http://schemas.microsoft.com/office/drawing/2014/main" id="{06DCE6BE-1600-0F8C-81C8-B10195E23152}"/>
+                <a16:creationId xmlns:a16="http://schemas.microsoft.com/office/drawing/2014/main" id="{72497944-CDF7-AE7E-70A4-A05DC37B5BA6}"/>
               </a:ext>
             </a:extLst>
           </p:cNvPr>
@@ -5282,8 +7892,8 @@
         </p:nvCxnSpPr>
         <p:spPr>
           <a:xfrm flipV="1">
-            <a:off x="636711" y="3193467"/>
-            <a:ext cx="15134" cy="853903"/>
+            <a:off x="636711" y="2336389"/>
+            <a:ext cx="287746" cy="1710981"/>
           </a:xfrm>
           <a:prstGeom prst="straightConnector1">
             <a:avLst/>
@@ -5312,378 +7922,12 @@
           </a:fontRef>
         </p:style>
       </p:cxnSp>
-      <p:cxnSp>
-        <p:nvCxnSpPr>
-          <p:cNvPr id="30" name="Straight Arrow Connector 29">
-            <a:extLst>
-              <a:ext uri="{FF2B5EF4-FFF2-40B4-BE49-F238E27FC236}">
-                <a16:creationId xmlns:a16="http://schemas.microsoft.com/office/drawing/2014/main" id="{FAD90B53-F975-C32C-B4FC-7A20BBCA3DDC}"/>
-              </a:ext>
-            </a:extLst>
-          </p:cNvPr>
-          <p:cNvCxnSpPr>
-            <a:cxnSpLocks/>
-          </p:cNvCxnSpPr>
-          <p:nvPr/>
-        </p:nvCxnSpPr>
-        <p:spPr>
-          <a:xfrm flipH="1">
-            <a:off x="10636696" y="3664497"/>
-            <a:ext cx="711535" cy="3987"/>
-          </a:xfrm>
-          <a:prstGeom prst="straightConnector1">
-            <a:avLst/>
-          </a:prstGeom>
-          <a:ln>
-            <a:solidFill>
-              <a:srgbClr val="FFC000"/>
-            </a:solidFill>
-            <a:headEnd type="triangle"/>
-            <a:tailEnd type="triangle"/>
-          </a:ln>
-        </p:spPr>
-        <p:style>
-          <a:lnRef idx="2">
-            <a:schemeClr val="accent1"/>
-          </a:lnRef>
-          <a:fillRef idx="0">
-            <a:schemeClr val="accent1"/>
-          </a:fillRef>
-          <a:effectRef idx="1">
-            <a:schemeClr val="accent1"/>
-          </a:effectRef>
-          <a:fontRef idx="minor">
-            <a:schemeClr val="tx1"/>
-          </a:fontRef>
-        </p:style>
-      </p:cxnSp>
-      <p:sp>
-        <p:nvSpPr>
-          <p:cNvPr id="31" name="TextBox 30">
-            <a:extLst>
-              <a:ext uri="{FF2B5EF4-FFF2-40B4-BE49-F238E27FC236}">
-                <a16:creationId xmlns:a16="http://schemas.microsoft.com/office/drawing/2014/main" id="{5BF90000-4F1E-1C24-38E6-4CE515303B51}"/>
-              </a:ext>
-            </a:extLst>
-          </p:cNvPr>
-          <p:cNvSpPr txBox="1"/>
-          <p:nvPr/>
-        </p:nvSpPr>
-        <p:spPr>
-          <a:xfrm>
-            <a:off x="8510280" y="3484900"/>
-            <a:ext cx="2129109" cy="369332"/>
-          </a:xfrm>
-          <a:prstGeom prst="rect">
-            <a:avLst/>
-          </a:prstGeom>
-          <a:noFill/>
-        </p:spPr>
-        <p:txBody>
-          <a:bodyPr wrap="none" rtlCol="0">
-            <a:spAutoFit/>
-          </a:bodyPr>
-          <a:lstStyle/>
-          <a:p>
-            <a:r>
-              <a:rPr lang="en-US" dirty="0"/>
-              <a:t>Claude Max Official</a:t>
-            </a:r>
-          </a:p>
-        </p:txBody>
-      </p:sp>
-      <p:cxnSp>
-        <p:nvCxnSpPr>
-          <p:cNvPr id="34" name="Straight Arrow Connector 33">
-            <a:extLst>
-              <a:ext uri="{FF2B5EF4-FFF2-40B4-BE49-F238E27FC236}">
-                <a16:creationId xmlns:a16="http://schemas.microsoft.com/office/drawing/2014/main" id="{AC045594-E41E-A95C-67CC-E44422DE3713}"/>
-              </a:ext>
-            </a:extLst>
-          </p:cNvPr>
-          <p:cNvCxnSpPr>
-            <a:cxnSpLocks/>
-          </p:cNvCxnSpPr>
-          <p:nvPr/>
-        </p:nvCxnSpPr>
-        <p:spPr>
-          <a:xfrm>
-            <a:off x="5655562" y="1887793"/>
-            <a:ext cx="0" cy="889355"/>
-          </a:xfrm>
-          <a:prstGeom prst="straightConnector1">
-            <a:avLst/>
-          </a:prstGeom>
-          <a:ln>
-            <a:solidFill>
-              <a:srgbClr val="FFC000"/>
-            </a:solidFill>
-            <a:headEnd type="triangle"/>
-            <a:tailEnd type="triangle"/>
-          </a:ln>
-        </p:spPr>
-        <p:style>
-          <a:lnRef idx="2">
-            <a:schemeClr val="accent1"/>
-          </a:lnRef>
-          <a:fillRef idx="0">
-            <a:schemeClr val="accent1"/>
-          </a:fillRef>
-          <a:effectRef idx="1">
-            <a:schemeClr val="accent1"/>
-          </a:effectRef>
-          <a:fontRef idx="minor">
-            <a:schemeClr val="tx1"/>
-          </a:fontRef>
-        </p:style>
-      </p:cxnSp>
-      <p:cxnSp>
-        <p:nvCxnSpPr>
-          <p:cNvPr id="35" name="Straight Arrow Connector 34">
-            <a:extLst>
-              <a:ext uri="{FF2B5EF4-FFF2-40B4-BE49-F238E27FC236}">
-                <a16:creationId xmlns:a16="http://schemas.microsoft.com/office/drawing/2014/main" id="{A54FE131-3BF3-07BE-74B2-472EFB0BA1CB}"/>
-              </a:ext>
-            </a:extLst>
-          </p:cNvPr>
-          <p:cNvCxnSpPr>
-            <a:cxnSpLocks/>
-          </p:cNvCxnSpPr>
-          <p:nvPr/>
-        </p:nvCxnSpPr>
-        <p:spPr>
-          <a:xfrm>
-            <a:off x="3580170" y="1661650"/>
-            <a:ext cx="1106536" cy="0"/>
-          </a:xfrm>
-          <a:prstGeom prst="straightConnector1">
-            <a:avLst/>
-          </a:prstGeom>
-          <a:ln>
-            <a:solidFill>
-              <a:srgbClr val="FFC000"/>
-            </a:solidFill>
-            <a:headEnd type="triangle"/>
-            <a:tailEnd type="triangle"/>
-          </a:ln>
-        </p:spPr>
-        <p:style>
-          <a:lnRef idx="2">
-            <a:schemeClr val="accent1"/>
-          </a:lnRef>
-          <a:fillRef idx="0">
-            <a:schemeClr val="accent1"/>
-          </a:fillRef>
-          <a:effectRef idx="1">
-            <a:schemeClr val="accent1"/>
-          </a:effectRef>
-          <a:fontRef idx="minor">
-            <a:schemeClr val="tx1"/>
-          </a:fontRef>
-        </p:style>
-      </p:cxnSp>
-      <p:cxnSp>
-        <p:nvCxnSpPr>
-          <p:cNvPr id="41" name="Straight Arrow Connector 40">
-            <a:extLst>
-              <a:ext uri="{FF2B5EF4-FFF2-40B4-BE49-F238E27FC236}">
-                <a16:creationId xmlns:a16="http://schemas.microsoft.com/office/drawing/2014/main" id="{15CD0FB8-8D1B-83A5-B98C-B57F9B3AAA16}"/>
-              </a:ext>
-            </a:extLst>
-          </p:cNvPr>
-          <p:cNvCxnSpPr>
-            <a:cxnSpLocks/>
-          </p:cNvCxnSpPr>
-          <p:nvPr/>
-        </p:nvCxnSpPr>
-        <p:spPr>
-          <a:xfrm flipV="1">
-            <a:off x="1616170" y="1661650"/>
-            <a:ext cx="882452" cy="750941"/>
-          </a:xfrm>
-          <a:prstGeom prst="straightConnector1">
-            <a:avLst/>
-          </a:prstGeom>
-          <a:ln>
-            <a:solidFill>
-              <a:srgbClr val="FFC000"/>
-            </a:solidFill>
-            <a:headEnd type="triangle"/>
-            <a:tailEnd type="triangle"/>
-          </a:ln>
-        </p:spPr>
-        <p:style>
-          <a:lnRef idx="2">
-            <a:schemeClr val="accent1"/>
-          </a:lnRef>
-          <a:fillRef idx="0">
-            <a:schemeClr val="accent1"/>
-          </a:fillRef>
-          <a:effectRef idx="1">
-            <a:schemeClr val="accent1"/>
-          </a:effectRef>
-          <a:fontRef idx="minor">
-            <a:schemeClr val="tx1"/>
-          </a:fontRef>
-        </p:style>
-      </p:cxnSp>
-      <p:sp>
-        <p:nvSpPr>
-          <p:cNvPr id="44" name="TextBox 43">
-            <a:extLst>
-              <a:ext uri="{FF2B5EF4-FFF2-40B4-BE49-F238E27FC236}">
-                <a16:creationId xmlns:a16="http://schemas.microsoft.com/office/drawing/2014/main" id="{09437E7A-085F-99AD-F5A7-A9C74A80AD6D}"/>
-              </a:ext>
-            </a:extLst>
-          </p:cNvPr>
-          <p:cNvSpPr txBox="1"/>
-          <p:nvPr/>
-        </p:nvSpPr>
-        <p:spPr>
-          <a:xfrm>
-            <a:off x="83570" y="5368412"/>
-            <a:ext cx="2415052" cy="1200329"/>
-          </a:xfrm>
-          <a:prstGeom prst="rect">
-            <a:avLst/>
-          </a:prstGeom>
-          <a:noFill/>
-        </p:spPr>
-        <p:txBody>
-          <a:bodyPr wrap="square" rtlCol="0">
-            <a:spAutoFit/>
-          </a:bodyPr>
-          <a:lstStyle/>
-          <a:p>
-            <a:r>
-              <a:rPr lang="en-US" dirty="0"/>
-              <a:t>Left unaltered for emergency purposes, and working on containerized Claude </a:t>
-            </a:r>
-          </a:p>
-        </p:txBody>
-      </p:sp>
-      <p:sp>
-        <p:nvSpPr>
-          <p:cNvPr id="45" name="TextBox 44">
-            <a:extLst>
-              <a:ext uri="{FF2B5EF4-FFF2-40B4-BE49-F238E27FC236}">
-                <a16:creationId xmlns:a16="http://schemas.microsoft.com/office/drawing/2014/main" id="{594209C0-D15E-10EC-1509-A76B4116819C}"/>
-              </a:ext>
-            </a:extLst>
-          </p:cNvPr>
-          <p:cNvSpPr txBox="1"/>
-          <p:nvPr/>
-        </p:nvSpPr>
-        <p:spPr>
-          <a:xfrm>
-            <a:off x="4086336" y="5368412"/>
-            <a:ext cx="2415052" cy="923330"/>
-          </a:xfrm>
-          <a:prstGeom prst="rect">
-            <a:avLst/>
-          </a:prstGeom>
-          <a:noFill/>
-        </p:spPr>
-        <p:txBody>
-          <a:bodyPr wrap="square" rtlCol="0">
-            <a:spAutoFit/>
-          </a:bodyPr>
-          <a:lstStyle/>
-          <a:p>
-            <a:r>
-              <a:rPr lang="en-US" dirty="0"/>
-              <a:t>General use so that conversations get logged.</a:t>
-            </a:r>
-          </a:p>
-        </p:txBody>
-      </p:sp>
-      <p:cxnSp>
-        <p:nvCxnSpPr>
-          <p:cNvPr id="46" name="Straight Arrow Connector 45">
-            <a:extLst>
-              <a:ext uri="{FF2B5EF4-FFF2-40B4-BE49-F238E27FC236}">
-                <a16:creationId xmlns:a16="http://schemas.microsoft.com/office/drawing/2014/main" id="{BF4D489D-F814-6964-612B-76FEBEAC86D2}"/>
-              </a:ext>
-            </a:extLst>
-          </p:cNvPr>
-          <p:cNvCxnSpPr>
-            <a:cxnSpLocks/>
-          </p:cNvCxnSpPr>
-          <p:nvPr/>
-        </p:nvCxnSpPr>
-        <p:spPr>
-          <a:xfrm flipV="1">
-            <a:off x="10636696" y="3377955"/>
-            <a:ext cx="711535" cy="14216"/>
-          </a:xfrm>
-          <a:prstGeom prst="straightConnector1">
-            <a:avLst/>
-          </a:prstGeom>
-          <a:ln>
-            <a:solidFill>
-              <a:srgbClr val="FFC000"/>
-            </a:solidFill>
-            <a:prstDash val="sysDot"/>
-            <a:headEnd type="triangle"/>
-            <a:tailEnd type="triangle"/>
-          </a:ln>
-        </p:spPr>
-        <p:style>
-          <a:lnRef idx="2">
-            <a:schemeClr val="accent1"/>
-          </a:lnRef>
-          <a:fillRef idx="0">
-            <a:schemeClr val="accent1"/>
-          </a:fillRef>
-          <a:effectRef idx="1">
-            <a:schemeClr val="accent1"/>
-          </a:effectRef>
-          <a:fontRef idx="minor">
-            <a:schemeClr val="tx1"/>
-          </a:fontRef>
-        </p:style>
-      </p:cxnSp>
-      <p:sp>
-        <p:nvSpPr>
-          <p:cNvPr id="48" name="TextBox 47">
-            <a:extLst>
-              <a:ext uri="{FF2B5EF4-FFF2-40B4-BE49-F238E27FC236}">
-                <a16:creationId xmlns:a16="http://schemas.microsoft.com/office/drawing/2014/main" id="{25D6F2D5-5E6B-36D5-FB45-ACC85B32FC79}"/>
-              </a:ext>
-            </a:extLst>
-          </p:cNvPr>
-          <p:cNvSpPr txBox="1"/>
-          <p:nvPr/>
-        </p:nvSpPr>
-        <p:spPr>
-          <a:xfrm>
-            <a:off x="8588936" y="3193467"/>
-            <a:ext cx="2015360" cy="369332"/>
-          </a:xfrm>
-          <a:prstGeom prst="rect">
-            <a:avLst/>
-          </a:prstGeom>
-          <a:noFill/>
-        </p:spPr>
-        <p:txBody>
-          <a:bodyPr wrap="none" rtlCol="0">
-            <a:spAutoFit/>
-          </a:bodyPr>
-          <a:lstStyle/>
-          <a:p>
-            <a:r>
-              <a:rPr lang="en-US" dirty="0"/>
-              <a:t>Direct Claude Max</a:t>
-            </a:r>
-          </a:p>
-        </p:txBody>
-      </p:sp>
-      <p:sp>
-        <p:nvSpPr>
-          <p:cNvPr id="21" name="Rectangle 20">
-            <a:extLst>
-              <a:ext uri="{FF2B5EF4-FFF2-40B4-BE49-F238E27FC236}">
-                <a16:creationId xmlns:a16="http://schemas.microsoft.com/office/drawing/2014/main" id="{E15C269A-427F-FAEB-D92F-28C9F1CBB3AA}"/>
+      <p:sp>
+        <p:nvSpPr>
+          <p:cNvPr id="29" name="Rectangle 28">
+            <a:extLst>
+              <a:ext uri="{FF2B5EF4-FFF2-40B4-BE49-F238E27FC236}">
+                <a16:creationId xmlns:a16="http://schemas.microsoft.com/office/drawing/2014/main" id="{670D384A-C7BD-53E0-93BE-024136DB1DB8}"/>
               </a:ext>
             </a:extLst>
           </p:cNvPr>
@@ -5692,8 +7936,8 @@
         </p:nvSpPr>
         <p:spPr>
           <a:xfrm>
-            <a:off x="794723" y="3647754"/>
-            <a:ext cx="1081548" cy="412955"/>
+            <a:off x="9525029" y="3196723"/>
+            <a:ext cx="1081548" cy="835742"/>
           </a:xfrm>
           <a:prstGeom prst="rect">
             <a:avLst/>
@@ -5721,51 +7965,108 @@
           <a:p>
             <a:pPr algn="ctr"/>
             <a:r>
-              <a:rPr lang="en-US" sz="1400" dirty="0"/>
-              <a:t>MCP Relay</a:t>
-            </a:r>
-          </a:p>
-        </p:txBody>
-      </p:sp>
-      <p:sp>
-        <p:nvSpPr>
-          <p:cNvPr id="33" name="TextBox 32">
-            <a:extLst>
-              <a:ext uri="{FF2B5EF4-FFF2-40B4-BE49-F238E27FC236}">
-                <a16:creationId xmlns:a16="http://schemas.microsoft.com/office/drawing/2014/main" id="{D856A3D2-D332-383A-7FE5-1726ABFDCB99}"/>
-              </a:ext>
-            </a:extLst>
-          </p:cNvPr>
-          <p:cNvSpPr txBox="1"/>
-          <p:nvPr/>
-        </p:nvSpPr>
-        <p:spPr>
-          <a:xfrm>
-            <a:off x="1873681" y="3657697"/>
-            <a:ext cx="1646614" cy="577081"/>
+              <a:rPr lang="en-US" dirty="0"/>
+              <a:t>Playfair</a:t>
+            </a:r>
+          </a:p>
+        </p:txBody>
+      </p:sp>
+      <p:sp>
+        <p:nvSpPr>
+          <p:cNvPr id="31" name="Rectangle 30">
+            <a:extLst>
+              <a:ext uri="{FF2B5EF4-FFF2-40B4-BE49-F238E27FC236}">
+                <a16:creationId xmlns:a16="http://schemas.microsoft.com/office/drawing/2014/main" id="{E87559EF-4F62-53CC-05CE-2F46F9BC2F3D}"/>
+              </a:ext>
+            </a:extLst>
+          </p:cNvPr>
+          <p:cNvSpPr/>
+          <p:nvPr/>
+        </p:nvSpPr>
+        <p:spPr>
+          <a:xfrm>
+            <a:off x="9326480" y="2402770"/>
+            <a:ext cx="1464431" cy="1822187"/>
           </a:xfrm>
           <a:prstGeom prst="rect">
             <a:avLst/>
           </a:prstGeom>
           <a:noFill/>
-        </p:spPr>
-        <p:txBody>
-          <a:bodyPr wrap="square" rtlCol="0">
-            <a:spAutoFit/>
-          </a:bodyPr>
-          <a:lstStyle/>
-          <a:p>
-            <a:r>
-              <a:rPr lang="en-US" sz="1050" dirty="0"/>
-              <a:t>Can connect to any MCP server via WebSocket as needed.</a:t>
-            </a:r>
-          </a:p>
-        </p:txBody>
-      </p:sp>
+          <a:ln>
+            <a:prstDash val="sysDash"/>
+          </a:ln>
+        </p:spPr>
+        <p:style>
+          <a:lnRef idx="2">
+            <a:schemeClr val="accent1"/>
+          </a:lnRef>
+          <a:fillRef idx="1">
+            <a:schemeClr val="lt1"/>
+          </a:fillRef>
+          <a:effectRef idx="0">
+            <a:schemeClr val="accent1"/>
+          </a:effectRef>
+          <a:fontRef idx="minor">
+            <a:schemeClr val="dk1"/>
+          </a:fontRef>
+        </p:style>
+        <p:txBody>
+          <a:bodyPr rtlCol="0" anchor="t" anchorCtr="0"/>
+          <a:lstStyle/>
+          <a:p>
+            <a:r>
+              <a:rPr lang="en-US" sz="1100" dirty="0"/>
+              <a:t>Container – Diagraming</a:t>
+            </a:r>
+          </a:p>
+        </p:txBody>
+      </p:sp>
+      <p:cxnSp>
+        <p:nvCxnSpPr>
+          <p:cNvPr id="32" name="Straight Arrow Connector 31">
+            <a:extLst>
+              <a:ext uri="{FF2B5EF4-FFF2-40B4-BE49-F238E27FC236}">
+                <a16:creationId xmlns:a16="http://schemas.microsoft.com/office/drawing/2014/main" id="{35CD836C-9B7A-686B-20B9-598AE7E27DD8}"/>
+              </a:ext>
+            </a:extLst>
+          </p:cNvPr>
+          <p:cNvCxnSpPr>
+            <a:cxnSpLocks/>
+          </p:cNvCxnSpPr>
+          <p:nvPr/>
+        </p:nvCxnSpPr>
+        <p:spPr>
+          <a:xfrm flipH="1" flipV="1">
+            <a:off x="7701257" y="1863608"/>
+            <a:ext cx="1801264" cy="1412404"/>
+          </a:xfrm>
+          <a:prstGeom prst="straightConnector1">
+            <a:avLst/>
+          </a:prstGeom>
+          <a:ln>
+            <a:headEnd type="triangle"/>
+            <a:tailEnd type="triangle"/>
+          </a:ln>
+        </p:spPr>
+        <p:style>
+          <a:lnRef idx="2">
+            <a:schemeClr val="accent1"/>
+          </a:lnRef>
+          <a:fillRef idx="0">
+            <a:schemeClr val="accent1"/>
+          </a:fillRef>
+          <a:effectRef idx="1">
+            <a:schemeClr val="accent1"/>
+          </a:effectRef>
+          <a:fontRef idx="minor">
+            <a:schemeClr val="tx1"/>
+          </a:fontRef>
+        </p:style>
+      </p:cxnSp>
     </p:spTree>
     <p:extLst>
       <p:ext uri="{BB962C8B-B14F-4D97-AF65-F5344CB8AC3E}">
-        <p14:creationId xmlns:p14="http://schemas.microsoft.com/office/powerpoint/2010/main" val="2373927404"/>
+        <p14:creationId xmlns:p14="http://schemas.microsoft.com/office/powerpoint/2010/main" val="4144595411"/>
       </p:ext>
     </p:extLst>
   </p:cSld>

--- a/architecture/General Architecture.pptx
+++ b/architecture/General Architecture.pptx
@@ -5,11 +5,13 @@
     <p:sldMasterId id="2147483648" r:id="rId1"/>
   </p:sldMasterIdLst>
   <p:notesMasterIdLst>
-    <p:notesMasterId r:id="rId4"/>
+    <p:notesMasterId r:id="rId6"/>
   </p:notesMasterIdLst>
   <p:sldIdLst>
     <p:sldId id="257" r:id="rId2"/>
     <p:sldId id="258" r:id="rId3"/>
+    <p:sldId id="259" r:id="rId4"/>
+    <p:sldId id="260" r:id="rId5"/>
   </p:sldIdLst>
   <p:sldSz cx="12192000" cy="6858000"/>
   <p:notesSz cx="6858000" cy="9144000"/>
@@ -8067,6 +8069,2959 @@
     <p:extLst>
       <p:ext uri="{BB962C8B-B14F-4D97-AF65-F5344CB8AC3E}">
         <p14:creationId xmlns:p14="http://schemas.microsoft.com/office/powerpoint/2010/main" val="4144595411"/>
+      </p:ext>
+    </p:extLst>
+  </p:cSld>
+  <p:clrMapOvr>
+    <a:masterClrMapping/>
+  </p:clrMapOvr>
+</p:sld>
+</file>
+
+<file path=ppt/slides/slide3.xml><?xml version="1.0" encoding="utf-8"?>
+<p:sld xmlns:a="http://schemas.openxmlformats.org/drawingml/2006/main" xmlns:r="http://schemas.openxmlformats.org/officeDocument/2006/relationships" xmlns:p="http://schemas.openxmlformats.org/presentationml/2006/main">
+  <p:cSld>
+    <p:spTree>
+      <p:nvGrpSpPr>
+        <p:cNvPr id="1" name=""/>
+        <p:cNvGrpSpPr/>
+        <p:nvPr/>
+      </p:nvGrpSpPr>
+      <p:grpSpPr>
+        <a:xfrm>
+          <a:off x="0" y="0"/>
+          <a:ext cx="0" cy="0"/>
+          <a:chOff x="0" y="0"/>
+          <a:chExt cx="0" cy="0"/>
+        </a:xfrm>
+      </p:grpSpPr>
+      <p:sp>
+        <p:nvSpPr>
+          <p:cNvPr id="2" name="Title 1">
+            <a:extLst>
+              <a:ext uri="{FF2B5EF4-FFF2-40B4-BE49-F238E27FC236}">
+                <a16:creationId xmlns:a16="http://schemas.microsoft.com/office/drawing/2014/main" id="{487AAAA9-F4FD-431F-1C6E-EDB17E3530BE}"/>
+              </a:ext>
+            </a:extLst>
+          </p:cNvPr>
+          <p:cNvSpPr>
+            <a:spLocks noGrp="1"/>
+          </p:cNvSpPr>
+          <p:nvPr>
+            <p:ph type="title"/>
+          </p:nvPr>
+        </p:nvSpPr>
+        <p:spPr>
+          <a:xfrm>
+            <a:off x="838200" y="365126"/>
+            <a:ext cx="10515600" cy="814746"/>
+          </a:xfrm>
+        </p:spPr>
+        <p:txBody>
+          <a:bodyPr/>
+          <a:lstStyle/>
+          <a:p>
+            <a:r>
+              <a:rPr lang="en-US" dirty="0"/>
+              <a:t>Development Cycle</a:t>
+            </a:r>
+          </a:p>
+        </p:txBody>
+      </p:sp>
+      <p:sp>
+        <p:nvSpPr>
+          <p:cNvPr id="3" name="Rectangle 2">
+            <a:extLst>
+              <a:ext uri="{FF2B5EF4-FFF2-40B4-BE49-F238E27FC236}">
+                <a16:creationId xmlns:a16="http://schemas.microsoft.com/office/drawing/2014/main" id="{2B3D8354-DB22-4D5B-64A0-3840A52CE16C}"/>
+              </a:ext>
+            </a:extLst>
+          </p:cNvPr>
+          <p:cNvSpPr/>
+          <p:nvPr/>
+        </p:nvSpPr>
+        <p:spPr>
+          <a:xfrm>
+            <a:off x="695635" y="1624980"/>
+            <a:ext cx="1433051" cy="961303"/>
+          </a:xfrm>
+          <a:prstGeom prst="rect">
+            <a:avLst/>
+          </a:prstGeom>
+        </p:spPr>
+        <p:style>
+          <a:lnRef idx="2">
+            <a:schemeClr val="accent1">
+              <a:shade val="15000"/>
+            </a:schemeClr>
+          </a:lnRef>
+          <a:fillRef idx="1">
+            <a:schemeClr val="accent1"/>
+          </a:fillRef>
+          <a:effectRef idx="0">
+            <a:schemeClr val="accent1"/>
+          </a:effectRef>
+          <a:fontRef idx="minor">
+            <a:schemeClr val="lt1"/>
+          </a:fontRef>
+        </p:style>
+        <p:txBody>
+          <a:bodyPr rtlCol="0" anchor="ctr"/>
+          <a:lstStyle/>
+          <a:p>
+            <a:pPr algn="ctr"/>
+            <a:r>
+              <a:rPr lang="en-US" sz="1400" dirty="0"/>
+              <a:t>User and Claude work together on idea</a:t>
+            </a:r>
+          </a:p>
+        </p:txBody>
+      </p:sp>
+      <p:sp>
+        <p:nvSpPr>
+          <p:cNvPr id="4" name="Rectangle 3">
+            <a:extLst>
+              <a:ext uri="{FF2B5EF4-FFF2-40B4-BE49-F238E27FC236}">
+                <a16:creationId xmlns:a16="http://schemas.microsoft.com/office/drawing/2014/main" id="{23837701-B339-9B18-D7A5-BB2707413DD1}"/>
+              </a:ext>
+            </a:extLst>
+          </p:cNvPr>
+          <p:cNvSpPr/>
+          <p:nvPr/>
+        </p:nvSpPr>
+        <p:spPr>
+          <a:xfrm>
+            <a:off x="2620298" y="1624979"/>
+            <a:ext cx="977072" cy="961303"/>
+          </a:xfrm>
+          <a:prstGeom prst="rect">
+            <a:avLst/>
+          </a:prstGeom>
+        </p:spPr>
+        <p:style>
+          <a:lnRef idx="2">
+            <a:schemeClr val="accent1">
+              <a:shade val="15000"/>
+            </a:schemeClr>
+          </a:lnRef>
+          <a:fillRef idx="1">
+            <a:schemeClr val="accent1"/>
+          </a:fillRef>
+          <a:effectRef idx="0">
+            <a:schemeClr val="accent1"/>
+          </a:effectRef>
+          <a:fontRef idx="minor">
+            <a:schemeClr val="lt1"/>
+          </a:fontRef>
+        </p:style>
+        <p:txBody>
+          <a:bodyPr rtlCol="0" anchor="ctr"/>
+          <a:lstStyle/>
+          <a:p>
+            <a:pPr algn="ctr"/>
+            <a:r>
+              <a:rPr lang="en-US" sz="1400" dirty="0"/>
+              <a:t>Claude drafts idea</a:t>
+            </a:r>
+          </a:p>
+        </p:txBody>
+      </p:sp>
+      <p:sp>
+        <p:nvSpPr>
+          <p:cNvPr id="5" name="Rectangle 4">
+            <a:extLst>
+              <a:ext uri="{FF2B5EF4-FFF2-40B4-BE49-F238E27FC236}">
+                <a16:creationId xmlns:a16="http://schemas.microsoft.com/office/drawing/2014/main" id="{03B5BAB9-3721-CE69-E145-79B24C054966}"/>
+              </a:ext>
+            </a:extLst>
+          </p:cNvPr>
+          <p:cNvSpPr/>
+          <p:nvPr/>
+        </p:nvSpPr>
+        <p:spPr>
+          <a:xfrm>
+            <a:off x="4023849" y="1624978"/>
+            <a:ext cx="1433051" cy="961303"/>
+          </a:xfrm>
+          <a:prstGeom prst="rect">
+            <a:avLst/>
+          </a:prstGeom>
+        </p:spPr>
+        <p:style>
+          <a:lnRef idx="2">
+            <a:schemeClr val="accent1">
+              <a:shade val="15000"/>
+            </a:schemeClr>
+          </a:lnRef>
+          <a:fillRef idx="1">
+            <a:schemeClr val="accent1"/>
+          </a:fillRef>
+          <a:effectRef idx="0">
+            <a:schemeClr val="accent1"/>
+          </a:effectRef>
+          <a:fontRef idx="minor">
+            <a:schemeClr val="lt1"/>
+          </a:fontRef>
+        </p:style>
+        <p:txBody>
+          <a:bodyPr rtlCol="0" anchor="ctr"/>
+          <a:lstStyle/>
+          <a:p>
+            <a:pPr algn="ctr"/>
+            <a:r>
+              <a:rPr lang="en-US" sz="1400" dirty="0"/>
+              <a:t>Claude gets review from triplets</a:t>
+            </a:r>
+          </a:p>
+        </p:txBody>
+      </p:sp>
+      <p:sp>
+        <p:nvSpPr>
+          <p:cNvPr id="7" name="Diamond 6">
+            <a:extLst>
+              <a:ext uri="{FF2B5EF4-FFF2-40B4-BE49-F238E27FC236}">
+                <a16:creationId xmlns:a16="http://schemas.microsoft.com/office/drawing/2014/main" id="{1FACA48F-7738-1DBA-0250-1C2019658CC4}"/>
+              </a:ext>
+            </a:extLst>
+          </p:cNvPr>
+          <p:cNvSpPr/>
+          <p:nvPr/>
+        </p:nvSpPr>
+        <p:spPr>
+          <a:xfrm>
+            <a:off x="5930695" y="1461616"/>
+            <a:ext cx="1592825" cy="1288026"/>
+          </a:xfrm>
+          <a:prstGeom prst="diamond">
+            <a:avLst/>
+          </a:prstGeom>
+        </p:spPr>
+        <p:style>
+          <a:lnRef idx="2">
+            <a:schemeClr val="accent1">
+              <a:shade val="15000"/>
+            </a:schemeClr>
+          </a:lnRef>
+          <a:fillRef idx="1">
+            <a:schemeClr val="accent1"/>
+          </a:fillRef>
+          <a:effectRef idx="0">
+            <a:schemeClr val="accent1"/>
+          </a:effectRef>
+          <a:fontRef idx="minor">
+            <a:schemeClr val="lt1"/>
+          </a:fontRef>
+        </p:style>
+        <p:txBody>
+          <a:bodyPr rtlCol="0" anchor="ctr"/>
+          <a:lstStyle/>
+          <a:p>
+            <a:pPr algn="ctr"/>
+            <a:r>
+              <a:rPr lang="en-US" sz="900" dirty="0"/>
+              <a:t>Unanimous LLM agreement?</a:t>
+            </a:r>
+          </a:p>
+        </p:txBody>
+      </p:sp>
+      <p:sp>
+        <p:nvSpPr>
+          <p:cNvPr id="8" name="Rectangle 7">
+            <a:extLst>
+              <a:ext uri="{FF2B5EF4-FFF2-40B4-BE49-F238E27FC236}">
+                <a16:creationId xmlns:a16="http://schemas.microsoft.com/office/drawing/2014/main" id="{E2F610DE-89F5-EBCF-F7E1-D08A1220BB3E}"/>
+              </a:ext>
+            </a:extLst>
+          </p:cNvPr>
+          <p:cNvSpPr/>
+          <p:nvPr/>
+        </p:nvSpPr>
+        <p:spPr>
+          <a:xfrm>
+            <a:off x="3421013" y="3606805"/>
+            <a:ext cx="1433051" cy="961303"/>
+          </a:xfrm>
+          <a:prstGeom prst="rect">
+            <a:avLst/>
+          </a:prstGeom>
+        </p:spPr>
+        <p:style>
+          <a:lnRef idx="2">
+            <a:schemeClr val="accent1">
+              <a:shade val="15000"/>
+            </a:schemeClr>
+          </a:lnRef>
+          <a:fillRef idx="1">
+            <a:schemeClr val="accent1"/>
+          </a:fillRef>
+          <a:effectRef idx="0">
+            <a:schemeClr val="accent1"/>
+          </a:effectRef>
+          <a:fontRef idx="minor">
+            <a:schemeClr val="lt1"/>
+          </a:fontRef>
+        </p:style>
+        <p:txBody>
+          <a:bodyPr rtlCol="0" anchor="ctr"/>
+          <a:lstStyle/>
+          <a:p>
+            <a:pPr algn="ctr"/>
+            <a:r>
+              <a:rPr lang="en-US" sz="1400" dirty="0"/>
+              <a:t>Claude synthesizes with reviews idea</a:t>
+            </a:r>
+          </a:p>
+        </p:txBody>
+      </p:sp>
+      <p:sp>
+        <p:nvSpPr>
+          <p:cNvPr id="9" name="Rectangle 8">
+            <a:extLst>
+              <a:ext uri="{FF2B5EF4-FFF2-40B4-BE49-F238E27FC236}">
+                <a16:creationId xmlns:a16="http://schemas.microsoft.com/office/drawing/2014/main" id="{F22763A8-ACC2-6BBD-4B2C-C2513026F0E8}"/>
+              </a:ext>
+            </a:extLst>
+          </p:cNvPr>
+          <p:cNvSpPr/>
+          <p:nvPr/>
+        </p:nvSpPr>
+        <p:spPr>
+          <a:xfrm>
+            <a:off x="1262215" y="3237069"/>
+            <a:ext cx="1433051" cy="1700776"/>
+          </a:xfrm>
+          <a:prstGeom prst="rect">
+            <a:avLst/>
+          </a:prstGeom>
+        </p:spPr>
+        <p:style>
+          <a:lnRef idx="2">
+            <a:schemeClr val="accent1">
+              <a:shade val="15000"/>
+            </a:schemeClr>
+          </a:lnRef>
+          <a:fillRef idx="1">
+            <a:schemeClr val="accent1"/>
+          </a:fillRef>
+          <a:effectRef idx="0">
+            <a:schemeClr val="accent1"/>
+          </a:effectRef>
+          <a:fontRef idx="minor">
+            <a:schemeClr val="lt1"/>
+          </a:fontRef>
+        </p:style>
+        <p:txBody>
+          <a:bodyPr rtlCol="0" anchor="ctr"/>
+          <a:lstStyle/>
+          <a:p>
+            <a:pPr algn="ctr"/>
+            <a:r>
+              <a:rPr lang="en-US" sz="1400" dirty="0"/>
+              <a:t>Claude packages synthesized idea plus prior reviews and send back to triplets</a:t>
+            </a:r>
+          </a:p>
+        </p:txBody>
+      </p:sp>
+      <p:cxnSp>
+        <p:nvCxnSpPr>
+          <p:cNvPr id="13" name="Straight Arrow Connector 12">
+            <a:extLst>
+              <a:ext uri="{FF2B5EF4-FFF2-40B4-BE49-F238E27FC236}">
+                <a16:creationId xmlns:a16="http://schemas.microsoft.com/office/drawing/2014/main" id="{6918ED26-CE28-E528-D47D-9DBE54757278}"/>
+              </a:ext>
+            </a:extLst>
+          </p:cNvPr>
+          <p:cNvCxnSpPr>
+            <a:cxnSpLocks/>
+            <a:stCxn id="3" idx="3"/>
+            <a:endCxn id="4" idx="1"/>
+          </p:cNvCxnSpPr>
+          <p:nvPr/>
+        </p:nvCxnSpPr>
+        <p:spPr>
+          <a:xfrm flipV="1">
+            <a:off x="2128686" y="2105631"/>
+            <a:ext cx="491612" cy="1"/>
+          </a:xfrm>
+          <a:prstGeom prst="straightConnector1">
+            <a:avLst/>
+          </a:prstGeom>
+          <a:ln>
+            <a:tailEnd type="triangle"/>
+          </a:ln>
+        </p:spPr>
+        <p:style>
+          <a:lnRef idx="2">
+            <a:schemeClr val="accent1"/>
+          </a:lnRef>
+          <a:fillRef idx="0">
+            <a:schemeClr val="accent1"/>
+          </a:fillRef>
+          <a:effectRef idx="1">
+            <a:schemeClr val="accent1"/>
+          </a:effectRef>
+          <a:fontRef idx="minor">
+            <a:schemeClr val="tx1"/>
+          </a:fontRef>
+        </p:style>
+      </p:cxnSp>
+      <p:cxnSp>
+        <p:nvCxnSpPr>
+          <p:cNvPr id="14" name="Straight Arrow Connector 13">
+            <a:extLst>
+              <a:ext uri="{FF2B5EF4-FFF2-40B4-BE49-F238E27FC236}">
+                <a16:creationId xmlns:a16="http://schemas.microsoft.com/office/drawing/2014/main" id="{6DE0D76E-4FAD-90D7-D6EA-DDDF257D4B4F}"/>
+              </a:ext>
+            </a:extLst>
+          </p:cNvPr>
+          <p:cNvCxnSpPr>
+            <a:cxnSpLocks/>
+            <a:stCxn id="4" idx="3"/>
+            <a:endCxn id="5" idx="1"/>
+          </p:cNvCxnSpPr>
+          <p:nvPr/>
+        </p:nvCxnSpPr>
+        <p:spPr>
+          <a:xfrm flipV="1">
+            <a:off x="3597370" y="2105630"/>
+            <a:ext cx="426479" cy="1"/>
+          </a:xfrm>
+          <a:prstGeom prst="straightConnector1">
+            <a:avLst/>
+          </a:prstGeom>
+          <a:ln>
+            <a:tailEnd type="triangle"/>
+          </a:ln>
+        </p:spPr>
+        <p:style>
+          <a:lnRef idx="2">
+            <a:schemeClr val="accent1"/>
+          </a:lnRef>
+          <a:fillRef idx="0">
+            <a:schemeClr val="accent1"/>
+          </a:fillRef>
+          <a:effectRef idx="1">
+            <a:schemeClr val="accent1"/>
+          </a:effectRef>
+          <a:fontRef idx="minor">
+            <a:schemeClr val="tx1"/>
+          </a:fontRef>
+        </p:style>
+      </p:cxnSp>
+      <p:cxnSp>
+        <p:nvCxnSpPr>
+          <p:cNvPr id="18" name="Straight Arrow Connector 17">
+            <a:extLst>
+              <a:ext uri="{FF2B5EF4-FFF2-40B4-BE49-F238E27FC236}">
+                <a16:creationId xmlns:a16="http://schemas.microsoft.com/office/drawing/2014/main" id="{48C3A6D8-8629-9447-282C-FEE59EE43722}"/>
+              </a:ext>
+            </a:extLst>
+          </p:cNvPr>
+          <p:cNvCxnSpPr>
+            <a:cxnSpLocks/>
+            <a:stCxn id="5" idx="3"/>
+            <a:endCxn id="7" idx="1"/>
+          </p:cNvCxnSpPr>
+          <p:nvPr/>
+        </p:nvCxnSpPr>
+        <p:spPr>
+          <a:xfrm flipV="1">
+            <a:off x="5456900" y="2105629"/>
+            <a:ext cx="473795" cy="1"/>
+          </a:xfrm>
+          <a:prstGeom prst="straightConnector1">
+            <a:avLst/>
+          </a:prstGeom>
+          <a:ln>
+            <a:tailEnd type="triangle"/>
+          </a:ln>
+        </p:spPr>
+        <p:style>
+          <a:lnRef idx="2">
+            <a:schemeClr val="accent1"/>
+          </a:lnRef>
+          <a:fillRef idx="0">
+            <a:schemeClr val="accent1"/>
+          </a:fillRef>
+          <a:effectRef idx="1">
+            <a:schemeClr val="accent1"/>
+          </a:effectRef>
+          <a:fontRef idx="minor">
+            <a:schemeClr val="tx1"/>
+          </a:fontRef>
+        </p:style>
+      </p:cxnSp>
+      <p:cxnSp>
+        <p:nvCxnSpPr>
+          <p:cNvPr id="22" name="Straight Arrow Connector 21">
+            <a:extLst>
+              <a:ext uri="{FF2B5EF4-FFF2-40B4-BE49-F238E27FC236}">
+                <a16:creationId xmlns:a16="http://schemas.microsoft.com/office/drawing/2014/main" id="{3AC4BDD8-980D-D3F6-EEC1-172289D84F8F}"/>
+              </a:ext>
+            </a:extLst>
+          </p:cNvPr>
+          <p:cNvCxnSpPr>
+            <a:cxnSpLocks/>
+            <a:stCxn id="7" idx="2"/>
+            <a:endCxn id="43" idx="0"/>
+          </p:cNvCxnSpPr>
+          <p:nvPr/>
+        </p:nvCxnSpPr>
+        <p:spPr>
+          <a:xfrm rot="5400000">
+            <a:off x="6160876" y="3040572"/>
+            <a:ext cx="857162" cy="275303"/>
+          </a:xfrm>
+          <a:prstGeom prst="bentConnector3">
+            <a:avLst>
+              <a:gd name="adj1" fmla="val 50000"/>
+            </a:avLst>
+          </a:prstGeom>
+          <a:ln>
+            <a:tailEnd type="triangle"/>
+          </a:ln>
+        </p:spPr>
+        <p:style>
+          <a:lnRef idx="2">
+            <a:schemeClr val="accent1"/>
+          </a:lnRef>
+          <a:fillRef idx="0">
+            <a:schemeClr val="accent1"/>
+          </a:fillRef>
+          <a:effectRef idx="1">
+            <a:schemeClr val="accent1"/>
+          </a:effectRef>
+          <a:fontRef idx="minor">
+            <a:schemeClr val="tx1"/>
+          </a:fontRef>
+        </p:style>
+      </p:cxnSp>
+      <p:cxnSp>
+        <p:nvCxnSpPr>
+          <p:cNvPr id="24" name="Straight Arrow Connector 23">
+            <a:extLst>
+              <a:ext uri="{FF2B5EF4-FFF2-40B4-BE49-F238E27FC236}">
+                <a16:creationId xmlns:a16="http://schemas.microsoft.com/office/drawing/2014/main" id="{925878A0-F773-3A95-0808-86AAB626C5F8}"/>
+              </a:ext>
+            </a:extLst>
+          </p:cNvPr>
+          <p:cNvCxnSpPr>
+            <a:stCxn id="8" idx="1"/>
+            <a:endCxn id="9" idx="3"/>
+          </p:cNvCxnSpPr>
+          <p:nvPr/>
+        </p:nvCxnSpPr>
+        <p:spPr>
+          <a:xfrm flipH="1">
+            <a:off x="2695266" y="4087457"/>
+            <a:ext cx="725747" cy="0"/>
+          </a:xfrm>
+          <a:prstGeom prst="straightConnector1">
+            <a:avLst/>
+          </a:prstGeom>
+          <a:ln>
+            <a:tailEnd type="triangle"/>
+          </a:ln>
+        </p:spPr>
+        <p:style>
+          <a:lnRef idx="2">
+            <a:schemeClr val="accent1"/>
+          </a:lnRef>
+          <a:fillRef idx="0">
+            <a:schemeClr val="accent1"/>
+          </a:fillRef>
+          <a:effectRef idx="1">
+            <a:schemeClr val="accent1"/>
+          </a:effectRef>
+          <a:fontRef idx="minor">
+            <a:schemeClr val="tx1"/>
+          </a:fontRef>
+        </p:style>
+      </p:cxnSp>
+      <p:cxnSp>
+        <p:nvCxnSpPr>
+          <p:cNvPr id="26" name="Straight Arrow Connector 25">
+            <a:extLst>
+              <a:ext uri="{FF2B5EF4-FFF2-40B4-BE49-F238E27FC236}">
+                <a16:creationId xmlns:a16="http://schemas.microsoft.com/office/drawing/2014/main" id="{96B70987-496A-64B0-CDD0-321E72D1BD15}"/>
+              </a:ext>
+            </a:extLst>
+          </p:cNvPr>
+          <p:cNvCxnSpPr>
+            <a:stCxn id="9" idx="0"/>
+            <a:endCxn id="5" idx="2"/>
+          </p:cNvCxnSpPr>
+          <p:nvPr/>
+        </p:nvCxnSpPr>
+        <p:spPr>
+          <a:xfrm rot="5400000" flipH="1" flipV="1">
+            <a:off x="3034164" y="1530858"/>
+            <a:ext cx="650788" cy="2761634"/>
+          </a:xfrm>
+          <a:prstGeom prst="bentConnector3">
+            <a:avLst>
+              <a:gd name="adj1" fmla="val 50000"/>
+            </a:avLst>
+          </a:prstGeom>
+          <a:ln>
+            <a:tailEnd type="triangle"/>
+          </a:ln>
+        </p:spPr>
+        <p:style>
+          <a:lnRef idx="2">
+            <a:schemeClr val="accent1"/>
+          </a:lnRef>
+          <a:fillRef idx="0">
+            <a:schemeClr val="accent1"/>
+          </a:fillRef>
+          <a:effectRef idx="1">
+            <a:schemeClr val="accent1"/>
+          </a:effectRef>
+          <a:fontRef idx="minor">
+            <a:schemeClr val="tx1"/>
+          </a:fontRef>
+        </p:style>
+      </p:cxnSp>
+      <p:sp>
+        <p:nvSpPr>
+          <p:cNvPr id="38" name="Rectangle 37">
+            <a:extLst>
+              <a:ext uri="{FF2B5EF4-FFF2-40B4-BE49-F238E27FC236}">
+                <a16:creationId xmlns:a16="http://schemas.microsoft.com/office/drawing/2014/main" id="{5AEB6B43-95BC-7AA3-1435-D6B264B9C28C}"/>
+              </a:ext>
+            </a:extLst>
+          </p:cNvPr>
+          <p:cNvSpPr/>
+          <p:nvPr/>
+        </p:nvSpPr>
+        <p:spPr>
+          <a:xfrm>
+            <a:off x="7800669" y="1624977"/>
+            <a:ext cx="1261594" cy="961303"/>
+          </a:xfrm>
+          <a:prstGeom prst="rect">
+            <a:avLst/>
+          </a:prstGeom>
+        </p:spPr>
+        <p:style>
+          <a:lnRef idx="2">
+            <a:schemeClr val="accent1">
+              <a:shade val="15000"/>
+            </a:schemeClr>
+          </a:lnRef>
+          <a:fillRef idx="1">
+            <a:schemeClr val="accent1"/>
+          </a:fillRef>
+          <a:effectRef idx="0">
+            <a:schemeClr val="accent1"/>
+          </a:effectRef>
+          <a:fontRef idx="minor">
+            <a:schemeClr val="lt1"/>
+          </a:fontRef>
+        </p:style>
+        <p:txBody>
+          <a:bodyPr rtlCol="0" anchor="ctr"/>
+          <a:lstStyle/>
+          <a:p>
+            <a:pPr algn="ctr"/>
+            <a:r>
+              <a:rPr lang="en-US" sz="1400" dirty="0"/>
+              <a:t>Claude reviews idea with user</a:t>
+            </a:r>
+          </a:p>
+        </p:txBody>
+      </p:sp>
+      <p:sp>
+        <p:nvSpPr>
+          <p:cNvPr id="43" name="Rectangle 42">
+            <a:extLst>
+              <a:ext uri="{FF2B5EF4-FFF2-40B4-BE49-F238E27FC236}">
+                <a16:creationId xmlns:a16="http://schemas.microsoft.com/office/drawing/2014/main" id="{AB4EEC93-8DB1-60AB-170B-87EBE28193D9}"/>
+              </a:ext>
+            </a:extLst>
+          </p:cNvPr>
+          <p:cNvSpPr/>
+          <p:nvPr/>
+        </p:nvSpPr>
+        <p:spPr>
+          <a:xfrm>
+            <a:off x="5735279" y="3606804"/>
+            <a:ext cx="1433051" cy="961303"/>
+          </a:xfrm>
+          <a:prstGeom prst="rect">
+            <a:avLst/>
+          </a:prstGeom>
+        </p:spPr>
+        <p:style>
+          <a:lnRef idx="2">
+            <a:schemeClr val="accent1">
+              <a:shade val="15000"/>
+            </a:schemeClr>
+          </a:lnRef>
+          <a:fillRef idx="1">
+            <a:schemeClr val="accent1"/>
+          </a:fillRef>
+          <a:effectRef idx="0">
+            <a:schemeClr val="accent1"/>
+          </a:effectRef>
+          <a:fontRef idx="minor">
+            <a:schemeClr val="lt1"/>
+          </a:fontRef>
+        </p:style>
+        <p:txBody>
+          <a:bodyPr rtlCol="0" anchor="ctr"/>
+          <a:lstStyle/>
+          <a:p>
+            <a:pPr algn="ctr"/>
+            <a:r>
+              <a:rPr lang="en-US" sz="1400" dirty="0"/>
+              <a:t>Document update, push, conversation recording</a:t>
+            </a:r>
+          </a:p>
+        </p:txBody>
+      </p:sp>
+      <p:cxnSp>
+        <p:nvCxnSpPr>
+          <p:cNvPr id="46" name="Straight Arrow Connector 45">
+            <a:extLst>
+              <a:ext uri="{FF2B5EF4-FFF2-40B4-BE49-F238E27FC236}">
+                <a16:creationId xmlns:a16="http://schemas.microsoft.com/office/drawing/2014/main" id="{B6836C1C-AE43-2F1D-1116-16DA9D975C86}"/>
+              </a:ext>
+            </a:extLst>
+          </p:cNvPr>
+          <p:cNvCxnSpPr>
+            <a:stCxn id="43" idx="1"/>
+            <a:endCxn id="8" idx="3"/>
+          </p:cNvCxnSpPr>
+          <p:nvPr/>
+        </p:nvCxnSpPr>
+        <p:spPr>
+          <a:xfrm flipH="1">
+            <a:off x="4854064" y="4087456"/>
+            <a:ext cx="881215" cy="1"/>
+          </a:xfrm>
+          <a:prstGeom prst="straightConnector1">
+            <a:avLst/>
+          </a:prstGeom>
+          <a:ln>
+            <a:tailEnd type="triangle"/>
+          </a:ln>
+        </p:spPr>
+        <p:style>
+          <a:lnRef idx="2">
+            <a:schemeClr val="accent1"/>
+          </a:lnRef>
+          <a:fillRef idx="0">
+            <a:schemeClr val="accent1"/>
+          </a:fillRef>
+          <a:effectRef idx="1">
+            <a:schemeClr val="accent1"/>
+          </a:effectRef>
+          <a:fontRef idx="minor">
+            <a:schemeClr val="tx1"/>
+          </a:fontRef>
+        </p:style>
+      </p:cxnSp>
+      <p:sp>
+        <p:nvSpPr>
+          <p:cNvPr id="53" name="Diamond 52">
+            <a:extLst>
+              <a:ext uri="{FF2B5EF4-FFF2-40B4-BE49-F238E27FC236}">
+                <a16:creationId xmlns:a16="http://schemas.microsoft.com/office/drawing/2014/main" id="{D7C07DA6-CF3B-D43B-FABC-6D1E481D7F4E}"/>
+              </a:ext>
+            </a:extLst>
+          </p:cNvPr>
+          <p:cNvSpPr/>
+          <p:nvPr/>
+        </p:nvSpPr>
+        <p:spPr>
+          <a:xfrm>
+            <a:off x="9383049" y="1461615"/>
+            <a:ext cx="1592825" cy="1288026"/>
+          </a:xfrm>
+          <a:prstGeom prst="diamond">
+            <a:avLst/>
+          </a:prstGeom>
+        </p:spPr>
+        <p:style>
+          <a:lnRef idx="2">
+            <a:schemeClr val="accent1">
+              <a:shade val="15000"/>
+            </a:schemeClr>
+          </a:lnRef>
+          <a:fillRef idx="1">
+            <a:schemeClr val="accent1"/>
+          </a:fillRef>
+          <a:effectRef idx="0">
+            <a:schemeClr val="accent1"/>
+          </a:effectRef>
+          <a:fontRef idx="minor">
+            <a:schemeClr val="lt1"/>
+          </a:fontRef>
+        </p:style>
+        <p:txBody>
+          <a:bodyPr rtlCol="0" anchor="ctr"/>
+          <a:lstStyle/>
+          <a:p>
+            <a:pPr algn="ctr"/>
+            <a:r>
+              <a:rPr lang="en-US" sz="900" dirty="0"/>
+              <a:t>User agreement?</a:t>
+            </a:r>
+          </a:p>
+        </p:txBody>
+      </p:sp>
+      <p:cxnSp>
+        <p:nvCxnSpPr>
+          <p:cNvPr id="55" name="Straight Arrow Connector 54">
+            <a:extLst>
+              <a:ext uri="{FF2B5EF4-FFF2-40B4-BE49-F238E27FC236}">
+                <a16:creationId xmlns:a16="http://schemas.microsoft.com/office/drawing/2014/main" id="{665EC015-D8ED-7080-E867-F5D488AA9D1D}"/>
+              </a:ext>
+            </a:extLst>
+          </p:cNvPr>
+          <p:cNvCxnSpPr>
+            <a:cxnSpLocks/>
+            <a:stCxn id="7" idx="3"/>
+            <a:endCxn id="38" idx="1"/>
+          </p:cNvCxnSpPr>
+          <p:nvPr/>
+        </p:nvCxnSpPr>
+        <p:spPr>
+          <a:xfrm>
+            <a:off x="7523520" y="2105629"/>
+            <a:ext cx="277149" cy="0"/>
+          </a:xfrm>
+          <a:prstGeom prst="straightConnector1">
+            <a:avLst/>
+          </a:prstGeom>
+          <a:ln>
+            <a:tailEnd type="triangle"/>
+          </a:ln>
+        </p:spPr>
+        <p:style>
+          <a:lnRef idx="2">
+            <a:schemeClr val="accent1"/>
+          </a:lnRef>
+          <a:fillRef idx="0">
+            <a:schemeClr val="accent1"/>
+          </a:fillRef>
+          <a:effectRef idx="1">
+            <a:schemeClr val="accent1"/>
+          </a:effectRef>
+          <a:fontRef idx="minor">
+            <a:schemeClr val="tx1"/>
+          </a:fontRef>
+        </p:style>
+      </p:cxnSp>
+      <p:cxnSp>
+        <p:nvCxnSpPr>
+          <p:cNvPr id="57" name="Straight Arrow Connector 56">
+            <a:extLst>
+              <a:ext uri="{FF2B5EF4-FFF2-40B4-BE49-F238E27FC236}">
+                <a16:creationId xmlns:a16="http://schemas.microsoft.com/office/drawing/2014/main" id="{D9DF11A0-EB6B-B091-6FA4-444EAF645E1A}"/>
+              </a:ext>
+            </a:extLst>
+          </p:cNvPr>
+          <p:cNvCxnSpPr>
+            <a:cxnSpLocks/>
+            <a:stCxn id="38" idx="3"/>
+            <a:endCxn id="53" idx="1"/>
+          </p:cNvCxnSpPr>
+          <p:nvPr/>
+        </p:nvCxnSpPr>
+        <p:spPr>
+          <a:xfrm flipV="1">
+            <a:off x="9062263" y="2105628"/>
+            <a:ext cx="320786" cy="1"/>
+          </a:xfrm>
+          <a:prstGeom prst="straightConnector1">
+            <a:avLst/>
+          </a:prstGeom>
+          <a:ln>
+            <a:tailEnd type="triangle"/>
+          </a:ln>
+        </p:spPr>
+        <p:style>
+          <a:lnRef idx="2">
+            <a:schemeClr val="accent1"/>
+          </a:lnRef>
+          <a:fillRef idx="0">
+            <a:schemeClr val="accent1"/>
+          </a:fillRef>
+          <a:effectRef idx="1">
+            <a:schemeClr val="accent1"/>
+          </a:effectRef>
+          <a:fontRef idx="minor">
+            <a:schemeClr val="tx1"/>
+          </a:fontRef>
+        </p:style>
+      </p:cxnSp>
+      <p:sp>
+        <p:nvSpPr>
+          <p:cNvPr id="60" name="Rectangle 59">
+            <a:extLst>
+              <a:ext uri="{FF2B5EF4-FFF2-40B4-BE49-F238E27FC236}">
+                <a16:creationId xmlns:a16="http://schemas.microsoft.com/office/drawing/2014/main" id="{36400CDD-2543-7C3C-6A95-3B9C4265B352}"/>
+              </a:ext>
+            </a:extLst>
+          </p:cNvPr>
+          <p:cNvSpPr/>
+          <p:nvPr/>
+        </p:nvSpPr>
+        <p:spPr>
+          <a:xfrm>
+            <a:off x="7742290" y="3606803"/>
+            <a:ext cx="1433051" cy="961303"/>
+          </a:xfrm>
+          <a:prstGeom prst="rect">
+            <a:avLst/>
+          </a:prstGeom>
+        </p:spPr>
+        <p:style>
+          <a:lnRef idx="2">
+            <a:schemeClr val="accent1">
+              <a:shade val="15000"/>
+            </a:schemeClr>
+          </a:lnRef>
+          <a:fillRef idx="1">
+            <a:schemeClr val="accent1"/>
+          </a:fillRef>
+          <a:effectRef idx="0">
+            <a:schemeClr val="accent1"/>
+          </a:effectRef>
+          <a:fontRef idx="minor">
+            <a:schemeClr val="lt1"/>
+          </a:fontRef>
+        </p:style>
+        <p:txBody>
+          <a:bodyPr rtlCol="0" anchor="ctr"/>
+          <a:lstStyle/>
+          <a:p>
+            <a:pPr algn="ctr"/>
+            <a:r>
+              <a:rPr lang="en-US" sz="1400" dirty="0"/>
+              <a:t>Document update, push, conversation recording</a:t>
+            </a:r>
+          </a:p>
+        </p:txBody>
+      </p:sp>
+      <p:cxnSp>
+        <p:nvCxnSpPr>
+          <p:cNvPr id="62" name="Straight Arrow Connector 61">
+            <a:extLst>
+              <a:ext uri="{FF2B5EF4-FFF2-40B4-BE49-F238E27FC236}">
+                <a16:creationId xmlns:a16="http://schemas.microsoft.com/office/drawing/2014/main" id="{5733A659-3305-36AD-9047-7C605790DE66}"/>
+              </a:ext>
+            </a:extLst>
+          </p:cNvPr>
+          <p:cNvCxnSpPr>
+            <a:stCxn id="53" idx="2"/>
+            <a:endCxn id="60" idx="0"/>
+          </p:cNvCxnSpPr>
+          <p:nvPr/>
+        </p:nvCxnSpPr>
+        <p:spPr>
+          <a:xfrm rot="5400000">
+            <a:off x="8890558" y="2317899"/>
+            <a:ext cx="857162" cy="1720646"/>
+          </a:xfrm>
+          <a:prstGeom prst="bentConnector3">
+            <a:avLst>
+              <a:gd name="adj1" fmla="val 50000"/>
+            </a:avLst>
+          </a:prstGeom>
+          <a:ln>
+            <a:tailEnd type="triangle"/>
+          </a:ln>
+        </p:spPr>
+        <p:style>
+          <a:lnRef idx="2">
+            <a:schemeClr val="accent1"/>
+          </a:lnRef>
+          <a:fillRef idx="0">
+            <a:schemeClr val="accent1"/>
+          </a:fillRef>
+          <a:effectRef idx="1">
+            <a:schemeClr val="accent1"/>
+          </a:effectRef>
+          <a:fontRef idx="minor">
+            <a:schemeClr val="tx1"/>
+          </a:fontRef>
+        </p:style>
+      </p:cxnSp>
+      <p:sp>
+        <p:nvSpPr>
+          <p:cNvPr id="63" name="Rectangle 62">
+            <a:extLst>
+              <a:ext uri="{FF2B5EF4-FFF2-40B4-BE49-F238E27FC236}">
+                <a16:creationId xmlns:a16="http://schemas.microsoft.com/office/drawing/2014/main" id="{BFFFC7C8-3FAF-B019-A2F9-0777385C7C86}"/>
+              </a:ext>
+            </a:extLst>
+          </p:cNvPr>
+          <p:cNvSpPr/>
+          <p:nvPr/>
+        </p:nvSpPr>
+        <p:spPr>
+          <a:xfrm>
+            <a:off x="7741060" y="5106224"/>
+            <a:ext cx="1433051" cy="961303"/>
+          </a:xfrm>
+          <a:prstGeom prst="rect">
+            <a:avLst/>
+          </a:prstGeom>
+        </p:spPr>
+        <p:style>
+          <a:lnRef idx="2">
+            <a:schemeClr val="accent1">
+              <a:shade val="15000"/>
+            </a:schemeClr>
+          </a:lnRef>
+          <a:fillRef idx="1">
+            <a:schemeClr val="accent1"/>
+          </a:fillRef>
+          <a:effectRef idx="0">
+            <a:schemeClr val="accent1"/>
+          </a:effectRef>
+          <a:fontRef idx="minor">
+            <a:schemeClr val="lt1"/>
+          </a:fontRef>
+        </p:style>
+        <p:txBody>
+          <a:bodyPr rtlCol="0" anchor="ctr"/>
+          <a:lstStyle/>
+          <a:p>
+            <a:pPr algn="ctr"/>
+            <a:r>
+              <a:rPr lang="en-US" sz="1400" dirty="0"/>
+              <a:t>Claude synthesizes with user feedback</a:t>
+            </a:r>
+          </a:p>
+        </p:txBody>
+      </p:sp>
+      <p:cxnSp>
+        <p:nvCxnSpPr>
+          <p:cNvPr id="65" name="Straight Arrow Connector 64">
+            <a:extLst>
+              <a:ext uri="{FF2B5EF4-FFF2-40B4-BE49-F238E27FC236}">
+                <a16:creationId xmlns:a16="http://schemas.microsoft.com/office/drawing/2014/main" id="{C3C6F3B5-B2C2-0D52-7833-F8989B04978A}"/>
+              </a:ext>
+            </a:extLst>
+          </p:cNvPr>
+          <p:cNvCxnSpPr>
+            <a:stCxn id="60" idx="2"/>
+            <a:endCxn id="63" idx="0"/>
+          </p:cNvCxnSpPr>
+          <p:nvPr/>
+        </p:nvCxnSpPr>
+        <p:spPr>
+          <a:xfrm flipH="1">
+            <a:off x="8457586" y="4568106"/>
+            <a:ext cx="1230" cy="538118"/>
+          </a:xfrm>
+          <a:prstGeom prst="straightConnector1">
+            <a:avLst/>
+          </a:prstGeom>
+          <a:ln>
+            <a:tailEnd type="triangle"/>
+          </a:ln>
+        </p:spPr>
+        <p:style>
+          <a:lnRef idx="2">
+            <a:schemeClr val="accent1"/>
+          </a:lnRef>
+          <a:fillRef idx="0">
+            <a:schemeClr val="accent1"/>
+          </a:fillRef>
+          <a:effectRef idx="1">
+            <a:schemeClr val="accent1"/>
+          </a:effectRef>
+          <a:fontRef idx="minor">
+            <a:schemeClr val="tx1"/>
+          </a:fontRef>
+        </p:style>
+      </p:cxnSp>
+      <p:cxnSp>
+        <p:nvCxnSpPr>
+          <p:cNvPr id="67" name="Straight Arrow Connector 66">
+            <a:extLst>
+              <a:ext uri="{FF2B5EF4-FFF2-40B4-BE49-F238E27FC236}">
+                <a16:creationId xmlns:a16="http://schemas.microsoft.com/office/drawing/2014/main" id="{5DEAAC9A-B3F4-8B61-1D19-631095963471}"/>
+              </a:ext>
+            </a:extLst>
+          </p:cNvPr>
+          <p:cNvCxnSpPr>
+            <a:stCxn id="63" idx="1"/>
+            <a:endCxn id="9" idx="2"/>
+          </p:cNvCxnSpPr>
+          <p:nvPr/>
+        </p:nvCxnSpPr>
+        <p:spPr>
+          <a:xfrm rot="10800000">
+            <a:off x="1978742" y="4937846"/>
+            <a:ext cx="5762319" cy="649031"/>
+          </a:xfrm>
+          <a:prstGeom prst="bentConnector2">
+            <a:avLst/>
+          </a:prstGeom>
+          <a:ln>
+            <a:tailEnd type="triangle"/>
+          </a:ln>
+        </p:spPr>
+        <p:style>
+          <a:lnRef idx="2">
+            <a:schemeClr val="accent1"/>
+          </a:lnRef>
+          <a:fillRef idx="0">
+            <a:schemeClr val="accent1"/>
+          </a:fillRef>
+          <a:effectRef idx="1">
+            <a:schemeClr val="accent1"/>
+          </a:effectRef>
+          <a:fontRef idx="minor">
+            <a:schemeClr val="tx1"/>
+          </a:fontRef>
+        </p:style>
+      </p:cxnSp>
+      <p:sp>
+        <p:nvSpPr>
+          <p:cNvPr id="72" name="Rectangle 71">
+            <a:extLst>
+              <a:ext uri="{FF2B5EF4-FFF2-40B4-BE49-F238E27FC236}">
+                <a16:creationId xmlns:a16="http://schemas.microsoft.com/office/drawing/2014/main" id="{D9974F1C-AA03-3A94-D8F4-BF497887B78A}"/>
+              </a:ext>
+            </a:extLst>
+          </p:cNvPr>
+          <p:cNvSpPr/>
+          <p:nvPr/>
+        </p:nvSpPr>
+        <p:spPr>
+          <a:xfrm>
+            <a:off x="10481183" y="3606802"/>
+            <a:ext cx="1433051" cy="961303"/>
+          </a:xfrm>
+          <a:prstGeom prst="rect">
+            <a:avLst/>
+          </a:prstGeom>
+        </p:spPr>
+        <p:style>
+          <a:lnRef idx="2">
+            <a:schemeClr val="accent1">
+              <a:shade val="15000"/>
+            </a:schemeClr>
+          </a:lnRef>
+          <a:fillRef idx="1">
+            <a:schemeClr val="accent1"/>
+          </a:fillRef>
+          <a:effectRef idx="0">
+            <a:schemeClr val="accent1"/>
+          </a:effectRef>
+          <a:fontRef idx="minor">
+            <a:schemeClr val="lt1"/>
+          </a:fontRef>
+        </p:style>
+        <p:txBody>
+          <a:bodyPr rtlCol="0" anchor="ctr"/>
+          <a:lstStyle/>
+          <a:p>
+            <a:pPr algn="ctr"/>
+            <a:r>
+              <a:rPr lang="en-US" sz="1400" dirty="0"/>
+              <a:t>Document update, push, conversation recording</a:t>
+            </a:r>
+          </a:p>
+        </p:txBody>
+      </p:sp>
+      <p:cxnSp>
+        <p:nvCxnSpPr>
+          <p:cNvPr id="74" name="Straight Arrow Connector 73">
+            <a:extLst>
+              <a:ext uri="{FF2B5EF4-FFF2-40B4-BE49-F238E27FC236}">
+                <a16:creationId xmlns:a16="http://schemas.microsoft.com/office/drawing/2014/main" id="{4D358804-46D3-D230-D8FF-D80DABC55527}"/>
+              </a:ext>
+            </a:extLst>
+          </p:cNvPr>
+          <p:cNvCxnSpPr>
+            <a:stCxn id="53" idx="3"/>
+            <a:endCxn id="72" idx="0"/>
+          </p:cNvCxnSpPr>
+          <p:nvPr/>
+        </p:nvCxnSpPr>
+        <p:spPr>
+          <a:xfrm>
+            <a:off x="10975874" y="2105628"/>
+            <a:ext cx="221835" cy="1501174"/>
+          </a:xfrm>
+          <a:prstGeom prst="bentConnector2">
+            <a:avLst/>
+          </a:prstGeom>
+          <a:ln>
+            <a:tailEnd type="triangle"/>
+          </a:ln>
+        </p:spPr>
+        <p:style>
+          <a:lnRef idx="2">
+            <a:schemeClr val="accent1"/>
+          </a:lnRef>
+          <a:fillRef idx="0">
+            <a:schemeClr val="accent1"/>
+          </a:fillRef>
+          <a:effectRef idx="1">
+            <a:schemeClr val="accent1"/>
+          </a:effectRef>
+          <a:fontRef idx="minor">
+            <a:schemeClr val="tx1"/>
+          </a:fontRef>
+        </p:style>
+      </p:cxnSp>
+      <p:sp>
+        <p:nvSpPr>
+          <p:cNvPr id="75" name="Rectangle 74">
+            <a:extLst>
+              <a:ext uri="{FF2B5EF4-FFF2-40B4-BE49-F238E27FC236}">
+                <a16:creationId xmlns:a16="http://schemas.microsoft.com/office/drawing/2014/main" id="{099BF6C9-C91F-D154-B815-39D895E4B7E1}"/>
+              </a:ext>
+            </a:extLst>
+          </p:cNvPr>
+          <p:cNvSpPr/>
+          <p:nvPr/>
+        </p:nvSpPr>
+        <p:spPr>
+          <a:xfrm>
+            <a:off x="10479035" y="5072429"/>
+            <a:ext cx="1433051" cy="961303"/>
+          </a:xfrm>
+          <a:prstGeom prst="rect">
+            <a:avLst/>
+          </a:prstGeom>
+        </p:spPr>
+        <p:style>
+          <a:lnRef idx="2">
+            <a:schemeClr val="accent1">
+              <a:shade val="15000"/>
+            </a:schemeClr>
+          </a:lnRef>
+          <a:fillRef idx="1">
+            <a:schemeClr val="accent1"/>
+          </a:fillRef>
+          <a:effectRef idx="0">
+            <a:schemeClr val="accent1"/>
+          </a:effectRef>
+          <a:fontRef idx="minor">
+            <a:schemeClr val="lt1"/>
+          </a:fontRef>
+        </p:style>
+        <p:txBody>
+          <a:bodyPr rtlCol="0" anchor="ctr"/>
+          <a:lstStyle/>
+          <a:p>
+            <a:pPr algn="ctr"/>
+            <a:r>
+              <a:rPr lang="en-US" sz="1400" dirty="0"/>
+              <a:t>Development Complete</a:t>
+            </a:r>
+          </a:p>
+        </p:txBody>
+      </p:sp>
+      <p:cxnSp>
+        <p:nvCxnSpPr>
+          <p:cNvPr id="77" name="Straight Arrow Connector 76">
+            <a:extLst>
+              <a:ext uri="{FF2B5EF4-FFF2-40B4-BE49-F238E27FC236}">
+                <a16:creationId xmlns:a16="http://schemas.microsoft.com/office/drawing/2014/main" id="{8E79BABF-EA34-BF6E-B949-0FF97D522FFD}"/>
+              </a:ext>
+            </a:extLst>
+          </p:cNvPr>
+          <p:cNvCxnSpPr>
+            <a:stCxn id="72" idx="2"/>
+            <a:endCxn id="75" idx="0"/>
+          </p:cNvCxnSpPr>
+          <p:nvPr/>
+        </p:nvCxnSpPr>
+        <p:spPr>
+          <a:xfrm flipH="1">
+            <a:off x="11195561" y="4568105"/>
+            <a:ext cx="2148" cy="504324"/>
+          </a:xfrm>
+          <a:prstGeom prst="straightConnector1">
+            <a:avLst/>
+          </a:prstGeom>
+          <a:ln>
+            <a:tailEnd type="triangle"/>
+          </a:ln>
+        </p:spPr>
+        <p:style>
+          <a:lnRef idx="2">
+            <a:schemeClr val="accent1"/>
+          </a:lnRef>
+          <a:fillRef idx="0">
+            <a:schemeClr val="accent1"/>
+          </a:fillRef>
+          <a:effectRef idx="1">
+            <a:schemeClr val="accent1"/>
+          </a:effectRef>
+          <a:fontRef idx="minor">
+            <a:schemeClr val="tx1"/>
+          </a:fontRef>
+        </p:style>
+      </p:cxnSp>
+      <p:sp>
+        <p:nvSpPr>
+          <p:cNvPr id="78" name="TextBox 77">
+            <a:extLst>
+              <a:ext uri="{FF2B5EF4-FFF2-40B4-BE49-F238E27FC236}">
+                <a16:creationId xmlns:a16="http://schemas.microsoft.com/office/drawing/2014/main" id="{46AC411C-59A7-14D8-47CC-17BB16671DD2}"/>
+              </a:ext>
+            </a:extLst>
+          </p:cNvPr>
+          <p:cNvSpPr txBox="1"/>
+          <p:nvPr/>
+        </p:nvSpPr>
+        <p:spPr>
+          <a:xfrm>
+            <a:off x="228107" y="6308208"/>
+            <a:ext cx="6358279" cy="369332"/>
+          </a:xfrm>
+          <a:prstGeom prst="rect">
+            <a:avLst/>
+          </a:prstGeom>
+          <a:noFill/>
+        </p:spPr>
+        <p:txBody>
+          <a:bodyPr wrap="none" rtlCol="0">
+            <a:spAutoFit/>
+          </a:bodyPr>
+          <a:lstStyle/>
+          <a:p>
+            <a:r>
+              <a:rPr lang="en-US" dirty="0"/>
+              <a:t>This cycle is used for the development of documents and code</a:t>
+            </a:r>
+          </a:p>
+        </p:txBody>
+      </p:sp>
+    </p:spTree>
+    <p:extLst>
+      <p:ext uri="{BB962C8B-B14F-4D97-AF65-F5344CB8AC3E}">
+        <p14:creationId xmlns:p14="http://schemas.microsoft.com/office/powerpoint/2010/main" val="1833988030"/>
+      </p:ext>
+    </p:extLst>
+  </p:cSld>
+  <p:clrMapOvr>
+    <a:masterClrMapping/>
+  </p:clrMapOvr>
+</p:sld>
+</file>
+
+<file path=ppt/slides/slide4.xml><?xml version="1.0" encoding="utf-8"?>
+<p:sld xmlns:a="http://schemas.openxmlformats.org/drawingml/2006/main" xmlns:r="http://schemas.openxmlformats.org/officeDocument/2006/relationships" xmlns:p="http://schemas.openxmlformats.org/presentationml/2006/main">
+  <p:cSld>
+    <p:spTree>
+      <p:nvGrpSpPr>
+        <p:cNvPr id="1" name="">
+          <a:extLst>
+            <a:ext uri="{FF2B5EF4-FFF2-40B4-BE49-F238E27FC236}">
+              <a16:creationId xmlns:a16="http://schemas.microsoft.com/office/drawing/2014/main" id="{CBF51012-01D1-D24D-DC78-D51C144DD0FF}"/>
+            </a:ext>
+          </a:extLst>
+        </p:cNvPr>
+        <p:cNvGrpSpPr/>
+        <p:nvPr/>
+      </p:nvGrpSpPr>
+      <p:grpSpPr>
+        <a:xfrm>
+          <a:off x="0" y="0"/>
+          <a:ext cx="0" cy="0"/>
+          <a:chOff x="0" y="0"/>
+          <a:chExt cx="0" cy="0"/>
+        </a:xfrm>
+      </p:grpSpPr>
+      <p:sp>
+        <p:nvSpPr>
+          <p:cNvPr id="2" name="Title 1">
+            <a:extLst>
+              <a:ext uri="{FF2B5EF4-FFF2-40B4-BE49-F238E27FC236}">
+                <a16:creationId xmlns:a16="http://schemas.microsoft.com/office/drawing/2014/main" id="{4FA93BAA-C975-520F-9952-8A7B8665ED0A}"/>
+              </a:ext>
+            </a:extLst>
+          </p:cNvPr>
+          <p:cNvSpPr>
+            <a:spLocks noGrp="1"/>
+          </p:cNvSpPr>
+          <p:nvPr>
+            <p:ph type="title"/>
+          </p:nvPr>
+        </p:nvSpPr>
+        <p:spPr>
+          <a:xfrm>
+            <a:off x="838200" y="365126"/>
+            <a:ext cx="10515600" cy="814746"/>
+          </a:xfrm>
+        </p:spPr>
+        <p:txBody>
+          <a:bodyPr/>
+          <a:lstStyle/>
+          <a:p>
+            <a:r>
+              <a:rPr lang="en-US" dirty="0"/>
+              <a:t>Code Deployment Cycle</a:t>
+            </a:r>
+          </a:p>
+        </p:txBody>
+      </p:sp>
+      <p:sp>
+        <p:nvSpPr>
+          <p:cNvPr id="3" name="Rectangle 2">
+            <a:extLst>
+              <a:ext uri="{FF2B5EF4-FFF2-40B4-BE49-F238E27FC236}">
+                <a16:creationId xmlns:a16="http://schemas.microsoft.com/office/drawing/2014/main" id="{69E43443-29A5-BBB0-83DB-932CC6C33D63}"/>
+              </a:ext>
+            </a:extLst>
+          </p:cNvPr>
+          <p:cNvSpPr/>
+          <p:nvPr/>
+        </p:nvSpPr>
+        <p:spPr>
+          <a:xfrm>
+            <a:off x="368707" y="1617798"/>
+            <a:ext cx="1433051" cy="961303"/>
+          </a:xfrm>
+          <a:prstGeom prst="rect">
+            <a:avLst/>
+          </a:prstGeom>
+        </p:spPr>
+        <p:style>
+          <a:lnRef idx="2">
+            <a:schemeClr val="accent1">
+              <a:shade val="15000"/>
+            </a:schemeClr>
+          </a:lnRef>
+          <a:fillRef idx="1">
+            <a:schemeClr val="accent1"/>
+          </a:fillRef>
+          <a:effectRef idx="0">
+            <a:schemeClr val="accent1"/>
+          </a:effectRef>
+          <a:fontRef idx="minor">
+            <a:schemeClr val="lt1"/>
+          </a:fontRef>
+        </p:style>
+        <p:txBody>
+          <a:bodyPr rtlCol="0" anchor="ctr"/>
+          <a:lstStyle/>
+          <a:p>
+            <a:pPr algn="ctr"/>
+            <a:r>
+              <a:rPr lang="en-US" sz="1400" dirty="0"/>
+              <a:t>Claude deploys new code using Blue/Green</a:t>
+            </a:r>
+          </a:p>
+        </p:txBody>
+      </p:sp>
+      <p:sp>
+        <p:nvSpPr>
+          <p:cNvPr id="4" name="Rectangle 3">
+            <a:extLst>
+              <a:ext uri="{FF2B5EF4-FFF2-40B4-BE49-F238E27FC236}">
+                <a16:creationId xmlns:a16="http://schemas.microsoft.com/office/drawing/2014/main" id="{A31B2994-7B19-543A-40D1-D7752039C618}"/>
+              </a:ext>
+            </a:extLst>
+          </p:cNvPr>
+          <p:cNvSpPr/>
+          <p:nvPr/>
+        </p:nvSpPr>
+        <p:spPr>
+          <a:xfrm>
+            <a:off x="2112712" y="1617798"/>
+            <a:ext cx="1170648" cy="961303"/>
+          </a:xfrm>
+          <a:prstGeom prst="rect">
+            <a:avLst/>
+          </a:prstGeom>
+        </p:spPr>
+        <p:style>
+          <a:lnRef idx="2">
+            <a:schemeClr val="accent1">
+              <a:shade val="15000"/>
+            </a:schemeClr>
+          </a:lnRef>
+          <a:fillRef idx="1">
+            <a:schemeClr val="accent1"/>
+          </a:fillRef>
+          <a:effectRef idx="0">
+            <a:schemeClr val="accent1"/>
+          </a:effectRef>
+          <a:fontRef idx="minor">
+            <a:schemeClr val="lt1"/>
+          </a:fontRef>
+        </p:style>
+        <p:txBody>
+          <a:bodyPr rtlCol="0" anchor="ctr"/>
+          <a:lstStyle/>
+          <a:p>
+            <a:pPr algn="ctr"/>
+            <a:r>
+              <a:rPr lang="en-US" sz="1400" dirty="0"/>
+              <a:t>Claude tests deployment</a:t>
+            </a:r>
+          </a:p>
+        </p:txBody>
+      </p:sp>
+      <p:sp>
+        <p:nvSpPr>
+          <p:cNvPr id="7" name="Diamond 6">
+            <a:extLst>
+              <a:ext uri="{FF2B5EF4-FFF2-40B4-BE49-F238E27FC236}">
+                <a16:creationId xmlns:a16="http://schemas.microsoft.com/office/drawing/2014/main" id="{52AB5A06-2016-A4E5-C545-97AEE69C2BFC}"/>
+              </a:ext>
+            </a:extLst>
+          </p:cNvPr>
+          <p:cNvSpPr/>
+          <p:nvPr/>
+        </p:nvSpPr>
+        <p:spPr>
+          <a:xfrm>
+            <a:off x="5319139" y="2964564"/>
+            <a:ext cx="1807835" cy="954124"/>
+          </a:xfrm>
+          <a:prstGeom prst="diamond">
+            <a:avLst/>
+          </a:prstGeom>
+        </p:spPr>
+        <p:style>
+          <a:lnRef idx="2">
+            <a:schemeClr val="accent1">
+              <a:shade val="15000"/>
+            </a:schemeClr>
+          </a:lnRef>
+          <a:fillRef idx="1">
+            <a:schemeClr val="accent1"/>
+          </a:fillRef>
+          <a:effectRef idx="0">
+            <a:schemeClr val="accent1"/>
+          </a:effectRef>
+          <a:fontRef idx="minor">
+            <a:schemeClr val="lt1"/>
+          </a:fontRef>
+        </p:style>
+        <p:txBody>
+          <a:bodyPr rtlCol="0" anchor="ctr"/>
+          <a:lstStyle/>
+          <a:p>
+            <a:pPr algn="ctr"/>
+            <a:r>
+              <a:rPr lang="en-US" sz="900" dirty="0"/>
+              <a:t>Requirements met?</a:t>
+            </a:r>
+          </a:p>
+        </p:txBody>
+      </p:sp>
+      <p:cxnSp>
+        <p:nvCxnSpPr>
+          <p:cNvPr id="14" name="Straight Arrow Connector 13">
+            <a:extLst>
+              <a:ext uri="{FF2B5EF4-FFF2-40B4-BE49-F238E27FC236}">
+                <a16:creationId xmlns:a16="http://schemas.microsoft.com/office/drawing/2014/main" id="{684627D9-6027-CFC4-72E0-FE260D7C489D}"/>
+              </a:ext>
+            </a:extLst>
+          </p:cNvPr>
+          <p:cNvCxnSpPr>
+            <a:cxnSpLocks/>
+            <a:stCxn id="4" idx="3"/>
+            <a:endCxn id="20" idx="1"/>
+          </p:cNvCxnSpPr>
+          <p:nvPr/>
+        </p:nvCxnSpPr>
+        <p:spPr>
+          <a:xfrm>
+            <a:off x="3283360" y="2098450"/>
+            <a:ext cx="651086" cy="3641"/>
+          </a:xfrm>
+          <a:prstGeom prst="straightConnector1">
+            <a:avLst/>
+          </a:prstGeom>
+          <a:ln>
+            <a:tailEnd type="triangle"/>
+          </a:ln>
+        </p:spPr>
+        <p:style>
+          <a:lnRef idx="2">
+            <a:schemeClr val="accent1"/>
+          </a:lnRef>
+          <a:fillRef idx="0">
+            <a:schemeClr val="accent1"/>
+          </a:fillRef>
+          <a:effectRef idx="1">
+            <a:schemeClr val="accent1"/>
+          </a:effectRef>
+          <a:fontRef idx="minor">
+            <a:schemeClr val="tx1"/>
+          </a:fontRef>
+        </p:style>
+      </p:cxnSp>
+      <p:sp>
+        <p:nvSpPr>
+          <p:cNvPr id="38" name="Rectangle 37">
+            <a:extLst>
+              <a:ext uri="{FF2B5EF4-FFF2-40B4-BE49-F238E27FC236}">
+                <a16:creationId xmlns:a16="http://schemas.microsoft.com/office/drawing/2014/main" id="{8DD50C0C-46F4-4FF0-A490-2C98C8CBDBC5}"/>
+              </a:ext>
+            </a:extLst>
+          </p:cNvPr>
+          <p:cNvSpPr/>
+          <p:nvPr/>
+        </p:nvSpPr>
+        <p:spPr>
+          <a:xfrm>
+            <a:off x="5593019" y="1617797"/>
+            <a:ext cx="1261594" cy="961303"/>
+          </a:xfrm>
+          <a:prstGeom prst="rect">
+            <a:avLst/>
+          </a:prstGeom>
+        </p:spPr>
+        <p:style>
+          <a:lnRef idx="2">
+            <a:schemeClr val="accent1">
+              <a:shade val="15000"/>
+            </a:schemeClr>
+          </a:lnRef>
+          <a:fillRef idx="1">
+            <a:schemeClr val="accent1"/>
+          </a:fillRef>
+          <a:effectRef idx="0">
+            <a:schemeClr val="accent1"/>
+          </a:effectRef>
+          <a:fontRef idx="minor">
+            <a:schemeClr val="lt1"/>
+          </a:fontRef>
+        </p:style>
+        <p:txBody>
+          <a:bodyPr rtlCol="0" anchor="ctr"/>
+          <a:lstStyle/>
+          <a:p>
+            <a:pPr algn="ctr"/>
+            <a:r>
+              <a:rPr lang="en-US" sz="1400" dirty="0"/>
+              <a:t>Claude reviews code against requirements</a:t>
+            </a:r>
+          </a:p>
+        </p:txBody>
+      </p:sp>
+      <p:sp>
+        <p:nvSpPr>
+          <p:cNvPr id="43" name="Rectangle 42">
+            <a:extLst>
+              <a:ext uri="{FF2B5EF4-FFF2-40B4-BE49-F238E27FC236}">
+                <a16:creationId xmlns:a16="http://schemas.microsoft.com/office/drawing/2014/main" id="{6BA5CAAC-6A01-8073-C6E3-A5FA82242387}"/>
+              </a:ext>
+            </a:extLst>
+          </p:cNvPr>
+          <p:cNvSpPr/>
+          <p:nvPr/>
+        </p:nvSpPr>
+        <p:spPr>
+          <a:xfrm>
+            <a:off x="5507290" y="5472811"/>
+            <a:ext cx="1433051" cy="961303"/>
+          </a:xfrm>
+          <a:prstGeom prst="rect">
+            <a:avLst/>
+          </a:prstGeom>
+        </p:spPr>
+        <p:style>
+          <a:lnRef idx="2">
+            <a:schemeClr val="accent1">
+              <a:shade val="15000"/>
+            </a:schemeClr>
+          </a:lnRef>
+          <a:fillRef idx="1">
+            <a:schemeClr val="accent1"/>
+          </a:fillRef>
+          <a:effectRef idx="0">
+            <a:schemeClr val="accent1"/>
+          </a:effectRef>
+          <a:fontRef idx="minor">
+            <a:schemeClr val="lt1"/>
+          </a:fontRef>
+        </p:style>
+        <p:txBody>
+          <a:bodyPr rtlCol="0" anchor="ctr"/>
+          <a:lstStyle/>
+          <a:p>
+            <a:pPr algn="ctr"/>
+            <a:r>
+              <a:rPr lang="en-US" sz="1400" dirty="0"/>
+              <a:t>Document update, push, conversation recording</a:t>
+            </a:r>
+          </a:p>
+        </p:txBody>
+      </p:sp>
+      <p:sp>
+        <p:nvSpPr>
+          <p:cNvPr id="53" name="Diamond 52">
+            <a:extLst>
+              <a:ext uri="{FF2B5EF4-FFF2-40B4-BE49-F238E27FC236}">
+                <a16:creationId xmlns:a16="http://schemas.microsoft.com/office/drawing/2014/main" id="{1BC7A9B8-DC90-DA9F-C061-25439E01FEBB}"/>
+              </a:ext>
+            </a:extLst>
+          </p:cNvPr>
+          <p:cNvSpPr/>
+          <p:nvPr/>
+        </p:nvSpPr>
+        <p:spPr>
+          <a:xfrm>
+            <a:off x="8944785" y="1552675"/>
+            <a:ext cx="1701089" cy="1105905"/>
+          </a:xfrm>
+          <a:prstGeom prst="diamond">
+            <a:avLst/>
+          </a:prstGeom>
+        </p:spPr>
+        <p:style>
+          <a:lnRef idx="2">
+            <a:schemeClr val="accent1">
+              <a:shade val="15000"/>
+            </a:schemeClr>
+          </a:lnRef>
+          <a:fillRef idx="1">
+            <a:schemeClr val="accent1"/>
+          </a:fillRef>
+          <a:effectRef idx="0">
+            <a:schemeClr val="accent1"/>
+          </a:effectRef>
+          <a:fontRef idx="minor">
+            <a:schemeClr val="lt1"/>
+          </a:fontRef>
+        </p:style>
+        <p:txBody>
+          <a:bodyPr rtlCol="0" anchor="ctr"/>
+          <a:lstStyle/>
+          <a:p>
+            <a:pPr algn="ctr"/>
+            <a:r>
+              <a:rPr lang="en-US" sz="900" dirty="0"/>
+              <a:t>User acceptance?</a:t>
+            </a:r>
+          </a:p>
+        </p:txBody>
+      </p:sp>
+      <p:cxnSp>
+        <p:nvCxnSpPr>
+          <p:cNvPr id="55" name="Straight Arrow Connector 54">
+            <a:extLst>
+              <a:ext uri="{FF2B5EF4-FFF2-40B4-BE49-F238E27FC236}">
+                <a16:creationId xmlns:a16="http://schemas.microsoft.com/office/drawing/2014/main" id="{CFB9726A-554A-633F-1430-ABC369F8BC44}"/>
+              </a:ext>
+            </a:extLst>
+          </p:cNvPr>
+          <p:cNvCxnSpPr>
+            <a:cxnSpLocks/>
+            <a:stCxn id="20" idx="3"/>
+            <a:endCxn id="38" idx="1"/>
+          </p:cNvCxnSpPr>
+          <p:nvPr/>
+        </p:nvCxnSpPr>
+        <p:spPr>
+          <a:xfrm flipV="1">
+            <a:off x="4907533" y="2098449"/>
+            <a:ext cx="685486" cy="3642"/>
+          </a:xfrm>
+          <a:prstGeom prst="straightConnector1">
+            <a:avLst/>
+          </a:prstGeom>
+          <a:ln>
+            <a:tailEnd type="triangle"/>
+          </a:ln>
+        </p:spPr>
+        <p:style>
+          <a:lnRef idx="2">
+            <a:schemeClr val="accent1"/>
+          </a:lnRef>
+          <a:fillRef idx="0">
+            <a:schemeClr val="accent1"/>
+          </a:fillRef>
+          <a:effectRef idx="1">
+            <a:schemeClr val="accent1"/>
+          </a:effectRef>
+          <a:fontRef idx="minor">
+            <a:schemeClr val="tx1"/>
+          </a:fontRef>
+        </p:style>
+      </p:cxnSp>
+      <p:cxnSp>
+        <p:nvCxnSpPr>
+          <p:cNvPr id="57" name="Straight Arrow Connector 56">
+            <a:extLst>
+              <a:ext uri="{FF2B5EF4-FFF2-40B4-BE49-F238E27FC236}">
+                <a16:creationId xmlns:a16="http://schemas.microsoft.com/office/drawing/2014/main" id="{310133F5-B603-9BC6-852B-5858A0529763}"/>
+              </a:ext>
+            </a:extLst>
+          </p:cNvPr>
+          <p:cNvCxnSpPr>
+            <a:cxnSpLocks/>
+            <a:stCxn id="7" idx="3"/>
+            <a:endCxn id="87" idx="2"/>
+          </p:cNvCxnSpPr>
+          <p:nvPr/>
+        </p:nvCxnSpPr>
+        <p:spPr>
+          <a:xfrm flipV="1">
+            <a:off x="7126974" y="2586280"/>
+            <a:ext cx="845139" cy="855346"/>
+          </a:xfrm>
+          <a:prstGeom prst="bentConnector2">
+            <a:avLst/>
+          </a:prstGeom>
+          <a:ln>
+            <a:tailEnd type="triangle"/>
+          </a:ln>
+        </p:spPr>
+        <p:style>
+          <a:lnRef idx="2">
+            <a:schemeClr val="accent1"/>
+          </a:lnRef>
+          <a:fillRef idx="0">
+            <a:schemeClr val="accent1"/>
+          </a:fillRef>
+          <a:effectRef idx="1">
+            <a:schemeClr val="accent1"/>
+          </a:effectRef>
+          <a:fontRef idx="minor">
+            <a:schemeClr val="tx1"/>
+          </a:fontRef>
+        </p:style>
+      </p:cxnSp>
+      <p:cxnSp>
+        <p:nvCxnSpPr>
+          <p:cNvPr id="62" name="Straight Arrow Connector 61">
+            <a:extLst>
+              <a:ext uri="{FF2B5EF4-FFF2-40B4-BE49-F238E27FC236}">
+                <a16:creationId xmlns:a16="http://schemas.microsoft.com/office/drawing/2014/main" id="{E2A8065F-E750-257B-8429-403ACD481763}"/>
+              </a:ext>
+            </a:extLst>
+          </p:cNvPr>
+          <p:cNvCxnSpPr>
+            <a:cxnSpLocks/>
+            <a:stCxn id="53" idx="2"/>
+            <a:endCxn id="43" idx="3"/>
+          </p:cNvCxnSpPr>
+          <p:nvPr/>
+        </p:nvCxnSpPr>
+        <p:spPr>
+          <a:xfrm rot="5400000">
+            <a:off x="6720395" y="2878527"/>
+            <a:ext cx="3294883" cy="2854989"/>
+          </a:xfrm>
+          <a:prstGeom prst="bentConnector2">
+            <a:avLst/>
+          </a:prstGeom>
+          <a:ln>
+            <a:tailEnd type="triangle"/>
+          </a:ln>
+        </p:spPr>
+        <p:style>
+          <a:lnRef idx="2">
+            <a:schemeClr val="accent1"/>
+          </a:lnRef>
+          <a:fillRef idx="0">
+            <a:schemeClr val="accent1"/>
+          </a:fillRef>
+          <a:effectRef idx="1">
+            <a:schemeClr val="accent1"/>
+          </a:effectRef>
+          <a:fontRef idx="minor">
+            <a:schemeClr val="tx1"/>
+          </a:fontRef>
+        </p:style>
+      </p:cxnSp>
+      <p:cxnSp>
+        <p:nvCxnSpPr>
+          <p:cNvPr id="74" name="Straight Arrow Connector 73">
+            <a:extLst>
+              <a:ext uri="{FF2B5EF4-FFF2-40B4-BE49-F238E27FC236}">
+                <a16:creationId xmlns:a16="http://schemas.microsoft.com/office/drawing/2014/main" id="{F4D7089A-051F-B349-C572-59E73CE420D2}"/>
+              </a:ext>
+            </a:extLst>
+          </p:cNvPr>
+          <p:cNvCxnSpPr>
+            <a:cxnSpLocks/>
+            <a:stCxn id="53" idx="3"/>
+            <a:endCxn id="117" idx="0"/>
+          </p:cNvCxnSpPr>
+          <p:nvPr/>
+        </p:nvCxnSpPr>
+        <p:spPr>
+          <a:xfrm>
+            <a:off x="10645874" y="2105628"/>
+            <a:ext cx="518957" cy="891112"/>
+          </a:xfrm>
+          <a:prstGeom prst="bentConnector2">
+            <a:avLst/>
+          </a:prstGeom>
+          <a:ln>
+            <a:tailEnd type="triangle"/>
+          </a:ln>
+        </p:spPr>
+        <p:style>
+          <a:lnRef idx="2">
+            <a:schemeClr val="accent1"/>
+          </a:lnRef>
+          <a:fillRef idx="0">
+            <a:schemeClr val="accent1"/>
+          </a:fillRef>
+          <a:effectRef idx="1">
+            <a:schemeClr val="accent1"/>
+          </a:effectRef>
+          <a:fontRef idx="minor">
+            <a:schemeClr val="tx1"/>
+          </a:fontRef>
+        </p:style>
+      </p:cxnSp>
+      <p:sp>
+        <p:nvSpPr>
+          <p:cNvPr id="75" name="Rectangle 74">
+            <a:extLst>
+              <a:ext uri="{FF2B5EF4-FFF2-40B4-BE49-F238E27FC236}">
+                <a16:creationId xmlns:a16="http://schemas.microsoft.com/office/drawing/2014/main" id="{BA27E5A1-5C1B-438B-6899-648F18B4EEF3}"/>
+              </a:ext>
+            </a:extLst>
+          </p:cNvPr>
+          <p:cNvSpPr/>
+          <p:nvPr/>
+        </p:nvSpPr>
+        <p:spPr>
+          <a:xfrm>
+            <a:off x="10448304" y="4791968"/>
+            <a:ext cx="1433051" cy="961303"/>
+          </a:xfrm>
+          <a:prstGeom prst="rect">
+            <a:avLst/>
+          </a:prstGeom>
+        </p:spPr>
+        <p:style>
+          <a:lnRef idx="2">
+            <a:schemeClr val="accent1">
+              <a:shade val="15000"/>
+            </a:schemeClr>
+          </a:lnRef>
+          <a:fillRef idx="1">
+            <a:schemeClr val="accent1"/>
+          </a:fillRef>
+          <a:effectRef idx="0">
+            <a:schemeClr val="accent1"/>
+          </a:effectRef>
+          <a:fontRef idx="minor">
+            <a:schemeClr val="lt1"/>
+          </a:fontRef>
+        </p:style>
+        <p:txBody>
+          <a:bodyPr rtlCol="0" anchor="ctr"/>
+          <a:lstStyle/>
+          <a:p>
+            <a:pPr algn="ctr"/>
+            <a:r>
+              <a:rPr lang="en-US" sz="1400" dirty="0"/>
+              <a:t>Deployment Complete</a:t>
+            </a:r>
+          </a:p>
+        </p:txBody>
+      </p:sp>
+      <p:cxnSp>
+        <p:nvCxnSpPr>
+          <p:cNvPr id="77" name="Straight Arrow Connector 76">
+            <a:extLst>
+              <a:ext uri="{FF2B5EF4-FFF2-40B4-BE49-F238E27FC236}">
+                <a16:creationId xmlns:a16="http://schemas.microsoft.com/office/drawing/2014/main" id="{1CC618DE-088A-ED21-A99A-BE7BF74E82A7}"/>
+              </a:ext>
+            </a:extLst>
+          </p:cNvPr>
+          <p:cNvCxnSpPr>
+            <a:cxnSpLocks/>
+            <a:stCxn id="117" idx="2"/>
+            <a:endCxn id="75" idx="0"/>
+          </p:cNvCxnSpPr>
+          <p:nvPr/>
+        </p:nvCxnSpPr>
+        <p:spPr>
+          <a:xfrm flipH="1">
+            <a:off x="11164830" y="3958043"/>
+            <a:ext cx="1" cy="833925"/>
+          </a:xfrm>
+          <a:prstGeom prst="straightConnector1">
+            <a:avLst/>
+          </a:prstGeom>
+          <a:ln>
+            <a:tailEnd type="triangle"/>
+          </a:ln>
+        </p:spPr>
+        <p:style>
+          <a:lnRef idx="2">
+            <a:schemeClr val="accent1"/>
+          </a:lnRef>
+          <a:fillRef idx="0">
+            <a:schemeClr val="accent1"/>
+          </a:fillRef>
+          <a:effectRef idx="1">
+            <a:schemeClr val="accent1"/>
+          </a:effectRef>
+          <a:fontRef idx="minor">
+            <a:schemeClr val="tx1"/>
+          </a:fontRef>
+        </p:style>
+      </p:cxnSp>
+      <p:sp>
+        <p:nvSpPr>
+          <p:cNvPr id="20" name="Diamond 19">
+            <a:extLst>
+              <a:ext uri="{FF2B5EF4-FFF2-40B4-BE49-F238E27FC236}">
+                <a16:creationId xmlns:a16="http://schemas.microsoft.com/office/drawing/2014/main" id="{B80C999E-2E83-10A0-562D-7FA25110ABC8}"/>
+              </a:ext>
+            </a:extLst>
+          </p:cNvPr>
+          <p:cNvSpPr/>
+          <p:nvPr/>
+        </p:nvSpPr>
+        <p:spPr>
+          <a:xfrm>
+            <a:off x="3934446" y="1651082"/>
+            <a:ext cx="973087" cy="902017"/>
+          </a:xfrm>
+          <a:prstGeom prst="diamond">
+            <a:avLst/>
+          </a:prstGeom>
+        </p:spPr>
+        <p:style>
+          <a:lnRef idx="2">
+            <a:schemeClr val="accent1">
+              <a:shade val="15000"/>
+            </a:schemeClr>
+          </a:lnRef>
+          <a:fillRef idx="1">
+            <a:schemeClr val="accent1"/>
+          </a:fillRef>
+          <a:effectRef idx="0">
+            <a:schemeClr val="accent1"/>
+          </a:effectRef>
+          <a:fontRef idx="minor">
+            <a:schemeClr val="lt1"/>
+          </a:fontRef>
+        </p:style>
+        <p:txBody>
+          <a:bodyPr rtlCol="0" anchor="ctr"/>
+          <a:lstStyle/>
+          <a:p>
+            <a:pPr algn="ctr"/>
+            <a:r>
+              <a:rPr lang="en-US" sz="900" dirty="0"/>
+              <a:t>Bugs?</a:t>
+            </a:r>
+          </a:p>
+        </p:txBody>
+      </p:sp>
+      <p:sp>
+        <p:nvSpPr>
+          <p:cNvPr id="25" name="Rectangle 24">
+            <a:extLst>
+              <a:ext uri="{FF2B5EF4-FFF2-40B4-BE49-F238E27FC236}">
+                <a16:creationId xmlns:a16="http://schemas.microsoft.com/office/drawing/2014/main" id="{7AA8B409-8DE5-9559-3279-27D62B3DDCA1}"/>
+              </a:ext>
+            </a:extLst>
+          </p:cNvPr>
+          <p:cNvSpPr/>
+          <p:nvPr/>
+        </p:nvSpPr>
+        <p:spPr>
+          <a:xfrm>
+            <a:off x="3704922" y="2927038"/>
+            <a:ext cx="1433051" cy="961303"/>
+          </a:xfrm>
+          <a:prstGeom prst="rect">
+            <a:avLst/>
+          </a:prstGeom>
+        </p:spPr>
+        <p:style>
+          <a:lnRef idx="2">
+            <a:schemeClr val="accent1">
+              <a:shade val="15000"/>
+            </a:schemeClr>
+          </a:lnRef>
+          <a:fillRef idx="1">
+            <a:schemeClr val="accent1"/>
+          </a:fillRef>
+          <a:effectRef idx="0">
+            <a:schemeClr val="accent1"/>
+          </a:effectRef>
+          <a:fontRef idx="minor">
+            <a:schemeClr val="lt1"/>
+          </a:fontRef>
+        </p:style>
+        <p:txBody>
+          <a:bodyPr rtlCol="0" anchor="ctr"/>
+          <a:lstStyle/>
+          <a:p>
+            <a:pPr algn="ctr"/>
+            <a:r>
+              <a:rPr lang="en-US" sz="1400" dirty="0"/>
+              <a:t>Claude attempts reasonable fixes</a:t>
+            </a:r>
+          </a:p>
+        </p:txBody>
+      </p:sp>
+      <p:sp>
+        <p:nvSpPr>
+          <p:cNvPr id="27" name="Diamond 26">
+            <a:extLst>
+              <a:ext uri="{FF2B5EF4-FFF2-40B4-BE49-F238E27FC236}">
+                <a16:creationId xmlns:a16="http://schemas.microsoft.com/office/drawing/2014/main" id="{086D13AB-419E-1CE3-89C8-B7173E868274}"/>
+              </a:ext>
+            </a:extLst>
+          </p:cNvPr>
+          <p:cNvSpPr/>
+          <p:nvPr/>
+        </p:nvSpPr>
+        <p:spPr>
+          <a:xfrm>
+            <a:off x="3901559" y="4288725"/>
+            <a:ext cx="1040833" cy="783703"/>
+          </a:xfrm>
+          <a:prstGeom prst="diamond">
+            <a:avLst/>
+          </a:prstGeom>
+        </p:spPr>
+        <p:style>
+          <a:lnRef idx="2">
+            <a:schemeClr val="accent1">
+              <a:shade val="15000"/>
+            </a:schemeClr>
+          </a:lnRef>
+          <a:fillRef idx="1">
+            <a:schemeClr val="accent1"/>
+          </a:fillRef>
+          <a:effectRef idx="0">
+            <a:schemeClr val="accent1"/>
+          </a:effectRef>
+          <a:fontRef idx="minor">
+            <a:schemeClr val="lt1"/>
+          </a:fontRef>
+        </p:style>
+        <p:txBody>
+          <a:bodyPr rtlCol="0" anchor="ctr"/>
+          <a:lstStyle/>
+          <a:p>
+            <a:pPr algn="ctr"/>
+            <a:r>
+              <a:rPr lang="en-US" sz="900" dirty="0"/>
+              <a:t>Bugs?</a:t>
+            </a:r>
+          </a:p>
+        </p:txBody>
+      </p:sp>
+      <p:sp>
+        <p:nvSpPr>
+          <p:cNvPr id="29" name="Rectangle 28">
+            <a:extLst>
+              <a:ext uri="{FF2B5EF4-FFF2-40B4-BE49-F238E27FC236}">
+                <a16:creationId xmlns:a16="http://schemas.microsoft.com/office/drawing/2014/main" id="{856D95B2-2487-E6FE-BA85-E42EA6F3FD1B}"/>
+              </a:ext>
+            </a:extLst>
+          </p:cNvPr>
+          <p:cNvSpPr/>
+          <p:nvPr/>
+        </p:nvSpPr>
+        <p:spPr>
+          <a:xfrm>
+            <a:off x="3704922" y="5472812"/>
+            <a:ext cx="1433051" cy="961303"/>
+          </a:xfrm>
+          <a:prstGeom prst="rect">
+            <a:avLst/>
+          </a:prstGeom>
+        </p:spPr>
+        <p:style>
+          <a:lnRef idx="2">
+            <a:schemeClr val="accent1">
+              <a:shade val="15000"/>
+            </a:schemeClr>
+          </a:lnRef>
+          <a:fillRef idx="1">
+            <a:schemeClr val="accent1"/>
+          </a:fillRef>
+          <a:effectRef idx="0">
+            <a:schemeClr val="accent1"/>
+          </a:effectRef>
+          <a:fontRef idx="minor">
+            <a:schemeClr val="lt1"/>
+          </a:fontRef>
+        </p:style>
+        <p:txBody>
+          <a:bodyPr rtlCol="0" anchor="ctr"/>
+          <a:lstStyle/>
+          <a:p>
+            <a:pPr algn="ctr"/>
+            <a:r>
+              <a:rPr lang="en-US" sz="1400" dirty="0"/>
+              <a:t>Claude consults with triplets</a:t>
+            </a:r>
+          </a:p>
+        </p:txBody>
+      </p:sp>
+      <p:sp>
+        <p:nvSpPr>
+          <p:cNvPr id="30" name="Rectangle 29">
+            <a:extLst>
+              <a:ext uri="{FF2B5EF4-FFF2-40B4-BE49-F238E27FC236}">
+                <a16:creationId xmlns:a16="http://schemas.microsoft.com/office/drawing/2014/main" id="{361349BE-6D74-2F21-3FBA-5764E18507A1}"/>
+              </a:ext>
+            </a:extLst>
+          </p:cNvPr>
+          <p:cNvSpPr/>
+          <p:nvPr/>
+        </p:nvSpPr>
+        <p:spPr>
+          <a:xfrm>
+            <a:off x="1978287" y="5472812"/>
+            <a:ext cx="1433051" cy="961303"/>
+          </a:xfrm>
+          <a:prstGeom prst="rect">
+            <a:avLst/>
+          </a:prstGeom>
+        </p:spPr>
+        <p:style>
+          <a:lnRef idx="2">
+            <a:schemeClr val="accent1">
+              <a:shade val="15000"/>
+            </a:schemeClr>
+          </a:lnRef>
+          <a:fillRef idx="1">
+            <a:schemeClr val="accent1"/>
+          </a:fillRef>
+          <a:effectRef idx="0">
+            <a:schemeClr val="accent1"/>
+          </a:effectRef>
+          <a:fontRef idx="minor">
+            <a:schemeClr val="lt1"/>
+          </a:fontRef>
+        </p:style>
+        <p:txBody>
+          <a:bodyPr rtlCol="0" anchor="ctr"/>
+          <a:lstStyle/>
+          <a:p>
+            <a:pPr algn="ctr"/>
+            <a:r>
+              <a:rPr lang="en-US" sz="1400" dirty="0"/>
+              <a:t>Claude synthesizes code update</a:t>
+            </a:r>
+          </a:p>
+        </p:txBody>
+      </p:sp>
+      <p:sp>
+        <p:nvSpPr>
+          <p:cNvPr id="31" name="Rectangle 30">
+            <a:extLst>
+              <a:ext uri="{FF2B5EF4-FFF2-40B4-BE49-F238E27FC236}">
+                <a16:creationId xmlns:a16="http://schemas.microsoft.com/office/drawing/2014/main" id="{F97CD188-2CC3-9A01-0808-DE1591D51DB9}"/>
+              </a:ext>
+            </a:extLst>
+          </p:cNvPr>
+          <p:cNvSpPr/>
+          <p:nvPr/>
+        </p:nvSpPr>
+        <p:spPr>
+          <a:xfrm>
+            <a:off x="1978286" y="4233409"/>
+            <a:ext cx="1433051" cy="961303"/>
+          </a:xfrm>
+          <a:prstGeom prst="rect">
+            <a:avLst/>
+          </a:prstGeom>
+        </p:spPr>
+        <p:style>
+          <a:lnRef idx="2">
+            <a:schemeClr val="accent1">
+              <a:shade val="15000"/>
+            </a:schemeClr>
+          </a:lnRef>
+          <a:fillRef idx="1">
+            <a:schemeClr val="accent1"/>
+          </a:fillRef>
+          <a:effectRef idx="0">
+            <a:schemeClr val="accent1"/>
+          </a:effectRef>
+          <a:fontRef idx="minor">
+            <a:schemeClr val="lt1"/>
+          </a:fontRef>
+        </p:style>
+        <p:txBody>
+          <a:bodyPr rtlCol="0" anchor="ctr"/>
+          <a:lstStyle/>
+          <a:p>
+            <a:pPr algn="ctr"/>
+            <a:r>
+              <a:rPr lang="en-US" sz="1400" dirty="0"/>
+              <a:t>Document update, push, conversation recording</a:t>
+            </a:r>
+          </a:p>
+        </p:txBody>
+      </p:sp>
+      <p:cxnSp>
+        <p:nvCxnSpPr>
+          <p:cNvPr id="35" name="Straight Arrow Connector 34">
+            <a:extLst>
+              <a:ext uri="{FF2B5EF4-FFF2-40B4-BE49-F238E27FC236}">
+                <a16:creationId xmlns:a16="http://schemas.microsoft.com/office/drawing/2014/main" id="{7910096D-FB30-8EC3-82BB-9ABB4515C625}"/>
+              </a:ext>
+            </a:extLst>
+          </p:cNvPr>
+          <p:cNvCxnSpPr>
+            <a:cxnSpLocks/>
+            <a:stCxn id="31" idx="0"/>
+            <a:endCxn id="68" idx="2"/>
+          </p:cNvCxnSpPr>
+          <p:nvPr/>
+        </p:nvCxnSpPr>
+        <p:spPr>
+          <a:xfrm flipH="1" flipV="1">
+            <a:off x="2694811" y="3922278"/>
+            <a:ext cx="1" cy="311131"/>
+          </a:xfrm>
+          <a:prstGeom prst="straightConnector1">
+            <a:avLst/>
+          </a:prstGeom>
+          <a:ln>
+            <a:tailEnd type="triangle"/>
+          </a:ln>
+        </p:spPr>
+        <p:style>
+          <a:lnRef idx="2">
+            <a:schemeClr val="accent1"/>
+          </a:lnRef>
+          <a:fillRef idx="0">
+            <a:schemeClr val="accent1"/>
+          </a:fillRef>
+          <a:effectRef idx="1">
+            <a:schemeClr val="accent1"/>
+          </a:effectRef>
+          <a:fontRef idx="minor">
+            <a:schemeClr val="tx1"/>
+          </a:fontRef>
+        </p:style>
+      </p:cxnSp>
+      <p:cxnSp>
+        <p:nvCxnSpPr>
+          <p:cNvPr id="37" name="Straight Arrow Connector 36">
+            <a:extLst>
+              <a:ext uri="{FF2B5EF4-FFF2-40B4-BE49-F238E27FC236}">
+                <a16:creationId xmlns:a16="http://schemas.microsoft.com/office/drawing/2014/main" id="{B9903B89-060A-1F3D-6641-620F716A969A}"/>
+              </a:ext>
+            </a:extLst>
+          </p:cNvPr>
+          <p:cNvCxnSpPr>
+            <a:stCxn id="20" idx="2"/>
+            <a:endCxn id="25" idx="0"/>
+          </p:cNvCxnSpPr>
+          <p:nvPr/>
+        </p:nvCxnSpPr>
+        <p:spPr>
+          <a:xfrm>
+            <a:off x="4420990" y="2553099"/>
+            <a:ext cx="458" cy="373939"/>
+          </a:xfrm>
+          <a:prstGeom prst="straightConnector1">
+            <a:avLst/>
+          </a:prstGeom>
+          <a:ln>
+            <a:tailEnd type="triangle"/>
+          </a:ln>
+        </p:spPr>
+        <p:style>
+          <a:lnRef idx="2">
+            <a:schemeClr val="accent1"/>
+          </a:lnRef>
+          <a:fillRef idx="0">
+            <a:schemeClr val="accent1"/>
+          </a:fillRef>
+          <a:effectRef idx="1">
+            <a:schemeClr val="accent1"/>
+          </a:effectRef>
+          <a:fontRef idx="minor">
+            <a:schemeClr val="tx1"/>
+          </a:fontRef>
+        </p:style>
+      </p:cxnSp>
+      <p:cxnSp>
+        <p:nvCxnSpPr>
+          <p:cNvPr id="40" name="Straight Arrow Connector 39">
+            <a:extLst>
+              <a:ext uri="{FF2B5EF4-FFF2-40B4-BE49-F238E27FC236}">
+                <a16:creationId xmlns:a16="http://schemas.microsoft.com/office/drawing/2014/main" id="{BEB72D97-A731-0085-3FC4-02818F8E850B}"/>
+              </a:ext>
+            </a:extLst>
+          </p:cNvPr>
+          <p:cNvCxnSpPr>
+            <a:stCxn id="25" idx="2"/>
+            <a:endCxn id="27" idx="0"/>
+          </p:cNvCxnSpPr>
+          <p:nvPr/>
+        </p:nvCxnSpPr>
+        <p:spPr>
+          <a:xfrm>
+            <a:off x="4421448" y="3888341"/>
+            <a:ext cx="528" cy="400384"/>
+          </a:xfrm>
+          <a:prstGeom prst="straightConnector1">
+            <a:avLst/>
+          </a:prstGeom>
+          <a:ln>
+            <a:tailEnd type="triangle"/>
+          </a:ln>
+        </p:spPr>
+        <p:style>
+          <a:lnRef idx="2">
+            <a:schemeClr val="accent1"/>
+          </a:lnRef>
+          <a:fillRef idx="0">
+            <a:schemeClr val="accent1"/>
+          </a:fillRef>
+          <a:effectRef idx="1">
+            <a:schemeClr val="accent1"/>
+          </a:effectRef>
+          <a:fontRef idx="minor">
+            <a:schemeClr val="tx1"/>
+          </a:fontRef>
+        </p:style>
+      </p:cxnSp>
+      <p:cxnSp>
+        <p:nvCxnSpPr>
+          <p:cNvPr id="42" name="Straight Arrow Connector 41">
+            <a:extLst>
+              <a:ext uri="{FF2B5EF4-FFF2-40B4-BE49-F238E27FC236}">
+                <a16:creationId xmlns:a16="http://schemas.microsoft.com/office/drawing/2014/main" id="{D8369B7C-7535-2A52-F9A9-F31D2C56835C}"/>
+              </a:ext>
+            </a:extLst>
+          </p:cNvPr>
+          <p:cNvCxnSpPr>
+            <a:cxnSpLocks/>
+            <a:stCxn id="27" idx="2"/>
+            <a:endCxn id="29" idx="0"/>
+          </p:cNvCxnSpPr>
+          <p:nvPr/>
+        </p:nvCxnSpPr>
+        <p:spPr>
+          <a:xfrm flipH="1">
+            <a:off x="4421448" y="5072428"/>
+            <a:ext cx="528" cy="400384"/>
+          </a:xfrm>
+          <a:prstGeom prst="straightConnector1">
+            <a:avLst/>
+          </a:prstGeom>
+          <a:ln>
+            <a:tailEnd type="triangle"/>
+          </a:ln>
+        </p:spPr>
+        <p:style>
+          <a:lnRef idx="2">
+            <a:schemeClr val="accent1"/>
+          </a:lnRef>
+          <a:fillRef idx="0">
+            <a:schemeClr val="accent1"/>
+          </a:fillRef>
+          <a:effectRef idx="1">
+            <a:schemeClr val="accent1"/>
+          </a:effectRef>
+          <a:fontRef idx="minor">
+            <a:schemeClr val="tx1"/>
+          </a:fontRef>
+        </p:style>
+      </p:cxnSp>
+      <p:cxnSp>
+        <p:nvCxnSpPr>
+          <p:cNvPr id="48" name="Straight Arrow Connector 47">
+            <a:extLst>
+              <a:ext uri="{FF2B5EF4-FFF2-40B4-BE49-F238E27FC236}">
+                <a16:creationId xmlns:a16="http://schemas.microsoft.com/office/drawing/2014/main" id="{6D0F598D-E2F8-0ACA-7610-FDB48ED5B19D}"/>
+              </a:ext>
+            </a:extLst>
+          </p:cNvPr>
+          <p:cNvCxnSpPr>
+            <a:stCxn id="29" idx="1"/>
+            <a:endCxn id="30" idx="3"/>
+          </p:cNvCxnSpPr>
+          <p:nvPr/>
+        </p:nvCxnSpPr>
+        <p:spPr>
+          <a:xfrm flipH="1">
+            <a:off x="3411338" y="5953464"/>
+            <a:ext cx="293584" cy="0"/>
+          </a:xfrm>
+          <a:prstGeom prst="straightConnector1">
+            <a:avLst/>
+          </a:prstGeom>
+          <a:ln>
+            <a:tailEnd type="triangle"/>
+          </a:ln>
+        </p:spPr>
+        <p:style>
+          <a:lnRef idx="2">
+            <a:schemeClr val="accent1"/>
+          </a:lnRef>
+          <a:fillRef idx="0">
+            <a:schemeClr val="accent1"/>
+          </a:fillRef>
+          <a:effectRef idx="1">
+            <a:schemeClr val="accent1"/>
+          </a:effectRef>
+          <a:fontRef idx="minor">
+            <a:schemeClr val="tx1"/>
+          </a:fontRef>
+        </p:style>
+      </p:cxnSp>
+      <p:cxnSp>
+        <p:nvCxnSpPr>
+          <p:cNvPr id="50" name="Straight Arrow Connector 49">
+            <a:extLst>
+              <a:ext uri="{FF2B5EF4-FFF2-40B4-BE49-F238E27FC236}">
+                <a16:creationId xmlns:a16="http://schemas.microsoft.com/office/drawing/2014/main" id="{140B7FA8-EF11-8BA0-DA2A-C5F2AEF8B4B4}"/>
+              </a:ext>
+            </a:extLst>
+          </p:cNvPr>
+          <p:cNvCxnSpPr>
+            <a:cxnSpLocks/>
+            <a:stCxn id="30" idx="0"/>
+            <a:endCxn id="31" idx="2"/>
+          </p:cNvCxnSpPr>
+          <p:nvPr/>
+        </p:nvCxnSpPr>
+        <p:spPr>
+          <a:xfrm flipH="1" flipV="1">
+            <a:off x="2694812" y="5194712"/>
+            <a:ext cx="1" cy="278100"/>
+          </a:xfrm>
+          <a:prstGeom prst="straightConnector1">
+            <a:avLst/>
+          </a:prstGeom>
+          <a:ln>
+            <a:tailEnd type="triangle"/>
+          </a:ln>
+        </p:spPr>
+        <p:style>
+          <a:lnRef idx="2">
+            <a:schemeClr val="accent1"/>
+          </a:lnRef>
+          <a:fillRef idx="0">
+            <a:schemeClr val="accent1"/>
+          </a:fillRef>
+          <a:effectRef idx="1">
+            <a:schemeClr val="accent1"/>
+          </a:effectRef>
+          <a:fontRef idx="minor">
+            <a:schemeClr val="tx1"/>
+          </a:fontRef>
+        </p:style>
+      </p:cxnSp>
+      <p:sp>
+        <p:nvSpPr>
+          <p:cNvPr id="68" name="Rectangle 67">
+            <a:extLst>
+              <a:ext uri="{FF2B5EF4-FFF2-40B4-BE49-F238E27FC236}">
+                <a16:creationId xmlns:a16="http://schemas.microsoft.com/office/drawing/2014/main" id="{35F48167-DCF5-586E-C1CF-0E3E8290A7BE}"/>
+              </a:ext>
+            </a:extLst>
+          </p:cNvPr>
+          <p:cNvSpPr/>
+          <p:nvPr/>
+        </p:nvSpPr>
+        <p:spPr>
+          <a:xfrm>
+            <a:off x="1978285" y="2960975"/>
+            <a:ext cx="1433051" cy="961303"/>
+          </a:xfrm>
+          <a:prstGeom prst="rect">
+            <a:avLst/>
+          </a:prstGeom>
+        </p:spPr>
+        <p:style>
+          <a:lnRef idx="2">
+            <a:schemeClr val="accent1">
+              <a:shade val="15000"/>
+            </a:schemeClr>
+          </a:lnRef>
+          <a:fillRef idx="1">
+            <a:schemeClr val="accent1"/>
+          </a:fillRef>
+          <a:effectRef idx="0">
+            <a:schemeClr val="accent1"/>
+          </a:effectRef>
+          <a:fontRef idx="minor">
+            <a:schemeClr val="lt1"/>
+          </a:fontRef>
+        </p:style>
+        <p:txBody>
+          <a:bodyPr rtlCol="0" anchor="ctr"/>
+          <a:lstStyle/>
+          <a:p>
+            <a:pPr algn="ctr"/>
+            <a:r>
+              <a:rPr lang="en-US" sz="1400" dirty="0"/>
+              <a:t>Claude deploys updated code using Blue/Green</a:t>
+            </a:r>
+          </a:p>
+        </p:txBody>
+      </p:sp>
+      <p:cxnSp>
+        <p:nvCxnSpPr>
+          <p:cNvPr id="81" name="Straight Arrow Connector 80">
+            <a:extLst>
+              <a:ext uri="{FF2B5EF4-FFF2-40B4-BE49-F238E27FC236}">
+                <a16:creationId xmlns:a16="http://schemas.microsoft.com/office/drawing/2014/main" id="{CA7F215B-A227-3AA5-DD58-EADF9AB88390}"/>
+              </a:ext>
+            </a:extLst>
+          </p:cNvPr>
+          <p:cNvCxnSpPr>
+            <a:stCxn id="68" idx="0"/>
+            <a:endCxn id="4" idx="2"/>
+          </p:cNvCxnSpPr>
+          <p:nvPr/>
+        </p:nvCxnSpPr>
+        <p:spPr>
+          <a:xfrm flipV="1">
+            <a:off x="2694811" y="2579101"/>
+            <a:ext cx="3225" cy="381874"/>
+          </a:xfrm>
+          <a:prstGeom prst="straightConnector1">
+            <a:avLst/>
+          </a:prstGeom>
+          <a:ln>
+            <a:tailEnd type="triangle"/>
+          </a:ln>
+        </p:spPr>
+        <p:style>
+          <a:lnRef idx="2">
+            <a:schemeClr val="accent1"/>
+          </a:lnRef>
+          <a:fillRef idx="0">
+            <a:schemeClr val="accent1"/>
+          </a:fillRef>
+          <a:effectRef idx="1">
+            <a:schemeClr val="accent1"/>
+          </a:effectRef>
+          <a:fontRef idx="minor">
+            <a:schemeClr val="tx1"/>
+          </a:fontRef>
+        </p:style>
+      </p:cxnSp>
+      <p:cxnSp>
+        <p:nvCxnSpPr>
+          <p:cNvPr id="83" name="Straight Arrow Connector 82">
+            <a:extLst>
+              <a:ext uri="{FF2B5EF4-FFF2-40B4-BE49-F238E27FC236}">
+                <a16:creationId xmlns:a16="http://schemas.microsoft.com/office/drawing/2014/main" id="{1E07FD0F-1CBD-1764-AD26-D4E21EEB124B}"/>
+              </a:ext>
+            </a:extLst>
+          </p:cNvPr>
+          <p:cNvCxnSpPr>
+            <a:stCxn id="3" idx="3"/>
+            <a:endCxn id="4" idx="1"/>
+          </p:cNvCxnSpPr>
+          <p:nvPr/>
+        </p:nvCxnSpPr>
+        <p:spPr>
+          <a:xfrm>
+            <a:off x="1801758" y="2098450"/>
+            <a:ext cx="310954" cy="0"/>
+          </a:xfrm>
+          <a:prstGeom prst="straightConnector1">
+            <a:avLst/>
+          </a:prstGeom>
+          <a:ln>
+            <a:tailEnd type="triangle"/>
+          </a:ln>
+        </p:spPr>
+        <p:style>
+          <a:lnRef idx="2">
+            <a:schemeClr val="accent1"/>
+          </a:lnRef>
+          <a:fillRef idx="0">
+            <a:schemeClr val="accent1"/>
+          </a:fillRef>
+          <a:effectRef idx="1">
+            <a:schemeClr val="accent1"/>
+          </a:effectRef>
+          <a:fontRef idx="minor">
+            <a:schemeClr val="tx1"/>
+          </a:fontRef>
+        </p:style>
+      </p:cxnSp>
+      <p:sp>
+        <p:nvSpPr>
+          <p:cNvPr id="87" name="Rectangle 86">
+            <a:extLst>
+              <a:ext uri="{FF2B5EF4-FFF2-40B4-BE49-F238E27FC236}">
+                <a16:creationId xmlns:a16="http://schemas.microsoft.com/office/drawing/2014/main" id="{D03540D6-B779-9ACB-954B-61C901F5C6BE}"/>
+              </a:ext>
+            </a:extLst>
+          </p:cNvPr>
+          <p:cNvSpPr/>
+          <p:nvPr/>
+        </p:nvSpPr>
+        <p:spPr>
+          <a:xfrm>
+            <a:off x="7341316" y="1624977"/>
+            <a:ext cx="1261594" cy="961303"/>
+          </a:xfrm>
+          <a:prstGeom prst="rect">
+            <a:avLst/>
+          </a:prstGeom>
+        </p:spPr>
+        <p:style>
+          <a:lnRef idx="2">
+            <a:schemeClr val="accent1">
+              <a:shade val="15000"/>
+            </a:schemeClr>
+          </a:lnRef>
+          <a:fillRef idx="1">
+            <a:schemeClr val="accent1"/>
+          </a:fillRef>
+          <a:effectRef idx="0">
+            <a:schemeClr val="accent1"/>
+          </a:effectRef>
+          <a:fontRef idx="minor">
+            <a:schemeClr val="lt1"/>
+          </a:fontRef>
+        </p:style>
+        <p:txBody>
+          <a:bodyPr rtlCol="0" anchor="ctr"/>
+          <a:lstStyle/>
+          <a:p>
+            <a:pPr algn="ctr"/>
+            <a:r>
+              <a:rPr lang="en-US" sz="1400" dirty="0"/>
+              <a:t>User acceptance testing</a:t>
+            </a:r>
+          </a:p>
+        </p:txBody>
+      </p:sp>
+      <p:cxnSp>
+        <p:nvCxnSpPr>
+          <p:cNvPr id="97" name="Straight Arrow Connector 96">
+            <a:extLst>
+              <a:ext uri="{FF2B5EF4-FFF2-40B4-BE49-F238E27FC236}">
+                <a16:creationId xmlns:a16="http://schemas.microsoft.com/office/drawing/2014/main" id="{E7C38082-23A9-1FBC-2194-A28816B1DFC9}"/>
+              </a:ext>
+            </a:extLst>
+          </p:cNvPr>
+          <p:cNvCxnSpPr>
+            <a:stCxn id="38" idx="2"/>
+            <a:endCxn id="7" idx="0"/>
+          </p:cNvCxnSpPr>
+          <p:nvPr/>
+        </p:nvCxnSpPr>
+        <p:spPr>
+          <a:xfrm flipH="1">
+            <a:off x="6223057" y="2579100"/>
+            <a:ext cx="759" cy="385464"/>
+          </a:xfrm>
+          <a:prstGeom prst="straightConnector1">
+            <a:avLst/>
+          </a:prstGeom>
+          <a:ln>
+            <a:tailEnd type="triangle"/>
+          </a:ln>
+        </p:spPr>
+        <p:style>
+          <a:lnRef idx="2">
+            <a:schemeClr val="accent1"/>
+          </a:lnRef>
+          <a:fillRef idx="0">
+            <a:schemeClr val="accent1"/>
+          </a:fillRef>
+          <a:effectRef idx="1">
+            <a:schemeClr val="accent1"/>
+          </a:effectRef>
+          <a:fontRef idx="minor">
+            <a:schemeClr val="tx1"/>
+          </a:fontRef>
+        </p:style>
+      </p:cxnSp>
+      <p:cxnSp>
+        <p:nvCxnSpPr>
+          <p:cNvPr id="99" name="Straight Arrow Connector 98">
+            <a:extLst>
+              <a:ext uri="{FF2B5EF4-FFF2-40B4-BE49-F238E27FC236}">
+                <a16:creationId xmlns:a16="http://schemas.microsoft.com/office/drawing/2014/main" id="{68EC26B8-E964-5863-815F-B0D739F21169}"/>
+              </a:ext>
+            </a:extLst>
+          </p:cNvPr>
+          <p:cNvCxnSpPr>
+            <a:stCxn id="7" idx="2"/>
+            <a:endCxn id="43" idx="0"/>
+          </p:cNvCxnSpPr>
+          <p:nvPr/>
+        </p:nvCxnSpPr>
+        <p:spPr>
+          <a:xfrm>
+            <a:off x="6223057" y="3918688"/>
+            <a:ext cx="759" cy="1554123"/>
+          </a:xfrm>
+          <a:prstGeom prst="straightConnector1">
+            <a:avLst/>
+          </a:prstGeom>
+          <a:ln>
+            <a:tailEnd type="triangle"/>
+          </a:ln>
+        </p:spPr>
+        <p:style>
+          <a:lnRef idx="2">
+            <a:schemeClr val="accent1"/>
+          </a:lnRef>
+          <a:fillRef idx="0">
+            <a:schemeClr val="accent1"/>
+          </a:fillRef>
+          <a:effectRef idx="1">
+            <a:schemeClr val="accent1"/>
+          </a:effectRef>
+          <a:fontRef idx="minor">
+            <a:schemeClr val="tx1"/>
+          </a:fontRef>
+        </p:style>
+      </p:cxnSp>
+      <p:cxnSp>
+        <p:nvCxnSpPr>
+          <p:cNvPr id="101" name="Straight Arrow Connector 100">
+            <a:extLst>
+              <a:ext uri="{FF2B5EF4-FFF2-40B4-BE49-F238E27FC236}">
+                <a16:creationId xmlns:a16="http://schemas.microsoft.com/office/drawing/2014/main" id="{941D9407-8147-C00C-930B-D860DBF49C53}"/>
+              </a:ext>
+            </a:extLst>
+          </p:cNvPr>
+          <p:cNvCxnSpPr>
+            <a:stCxn id="43" idx="1"/>
+            <a:endCxn id="29" idx="3"/>
+          </p:cNvCxnSpPr>
+          <p:nvPr/>
+        </p:nvCxnSpPr>
+        <p:spPr>
+          <a:xfrm flipH="1">
+            <a:off x="5137973" y="5953463"/>
+            <a:ext cx="369317" cy="1"/>
+          </a:xfrm>
+          <a:prstGeom prst="straightConnector1">
+            <a:avLst/>
+          </a:prstGeom>
+          <a:ln>
+            <a:tailEnd type="triangle"/>
+          </a:ln>
+        </p:spPr>
+        <p:style>
+          <a:lnRef idx="2">
+            <a:schemeClr val="accent1"/>
+          </a:lnRef>
+          <a:fillRef idx="0">
+            <a:schemeClr val="accent1"/>
+          </a:fillRef>
+          <a:effectRef idx="1">
+            <a:schemeClr val="accent1"/>
+          </a:effectRef>
+          <a:fontRef idx="minor">
+            <a:schemeClr val="tx1"/>
+          </a:fontRef>
+        </p:style>
+      </p:cxnSp>
+      <p:cxnSp>
+        <p:nvCxnSpPr>
+          <p:cNvPr id="114" name="Straight Arrow Connector 113">
+            <a:extLst>
+              <a:ext uri="{FF2B5EF4-FFF2-40B4-BE49-F238E27FC236}">
+                <a16:creationId xmlns:a16="http://schemas.microsoft.com/office/drawing/2014/main" id="{F32DFE58-8562-EA1E-78D2-6BE409D173F9}"/>
+              </a:ext>
+            </a:extLst>
+          </p:cNvPr>
+          <p:cNvCxnSpPr>
+            <a:stCxn id="87" idx="3"/>
+            <a:endCxn id="53" idx="1"/>
+          </p:cNvCxnSpPr>
+          <p:nvPr/>
+        </p:nvCxnSpPr>
+        <p:spPr>
+          <a:xfrm flipV="1">
+            <a:off x="8602910" y="2105628"/>
+            <a:ext cx="341875" cy="1"/>
+          </a:xfrm>
+          <a:prstGeom prst="straightConnector1">
+            <a:avLst/>
+          </a:prstGeom>
+          <a:ln>
+            <a:tailEnd type="triangle"/>
+          </a:ln>
+        </p:spPr>
+        <p:style>
+          <a:lnRef idx="2">
+            <a:schemeClr val="accent1"/>
+          </a:lnRef>
+          <a:fillRef idx="0">
+            <a:schemeClr val="accent1"/>
+          </a:fillRef>
+          <a:effectRef idx="1">
+            <a:schemeClr val="accent1"/>
+          </a:effectRef>
+          <a:fontRef idx="minor">
+            <a:schemeClr val="tx1"/>
+          </a:fontRef>
+        </p:style>
+      </p:cxnSp>
+      <p:sp>
+        <p:nvSpPr>
+          <p:cNvPr id="117" name="Rectangle 116">
+            <a:extLst>
+              <a:ext uri="{FF2B5EF4-FFF2-40B4-BE49-F238E27FC236}">
+                <a16:creationId xmlns:a16="http://schemas.microsoft.com/office/drawing/2014/main" id="{4C76F9FA-FA68-6968-A843-73D47999CE41}"/>
+              </a:ext>
+            </a:extLst>
+          </p:cNvPr>
+          <p:cNvSpPr/>
+          <p:nvPr/>
+        </p:nvSpPr>
+        <p:spPr>
+          <a:xfrm>
+            <a:off x="10448305" y="2996740"/>
+            <a:ext cx="1433051" cy="961303"/>
+          </a:xfrm>
+          <a:prstGeom prst="rect">
+            <a:avLst/>
+          </a:prstGeom>
+        </p:spPr>
+        <p:style>
+          <a:lnRef idx="2">
+            <a:schemeClr val="accent1">
+              <a:shade val="15000"/>
+            </a:schemeClr>
+          </a:lnRef>
+          <a:fillRef idx="1">
+            <a:schemeClr val="accent1"/>
+          </a:fillRef>
+          <a:effectRef idx="0">
+            <a:schemeClr val="accent1"/>
+          </a:effectRef>
+          <a:fontRef idx="minor">
+            <a:schemeClr val="lt1"/>
+          </a:fontRef>
+        </p:style>
+        <p:txBody>
+          <a:bodyPr rtlCol="0" anchor="ctr"/>
+          <a:lstStyle/>
+          <a:p>
+            <a:pPr algn="ctr"/>
+            <a:r>
+              <a:rPr lang="en-US" sz="1400" dirty="0"/>
+              <a:t>Document update, push, conversation recording</a:t>
+            </a:r>
+          </a:p>
+        </p:txBody>
+      </p:sp>
+    </p:spTree>
+    <p:extLst>
+      <p:ext uri="{BB962C8B-B14F-4D97-AF65-F5344CB8AC3E}">
+        <p14:creationId xmlns:p14="http://schemas.microsoft.com/office/powerpoint/2010/main" val="1646446759"/>
       </p:ext>
     </p:extLst>
   </p:cSld>

--- a/architecture/General Architecture.pptx
+++ b/architecture/General Architecture.pptx
@@ -8172,6 +8172,13 @@
             <a:pPr algn="ctr"/>
             <a:r>
               <a:rPr lang="en-US" sz="1400" dirty="0"/>
+              <a:t>Ideation:</a:t>
+            </a:r>
+          </a:p>
+          <a:p>
+            <a:pPr algn="ctr"/>
+            <a:r>
+              <a:rPr lang="en-US" sz="1400" dirty="0"/>
               <a:t>User and Claude work together on idea</a:t>
             </a:r>
           </a:p>
@@ -8221,6 +8228,13 @@
             <a:pPr algn="ctr"/>
             <a:r>
               <a:rPr lang="en-US" sz="1400" dirty="0"/>
+              <a:t>Draft:</a:t>
+            </a:r>
+          </a:p>
+          <a:p>
+            <a:pPr algn="ctr"/>
+            <a:r>
+              <a:rPr lang="en-US" sz="1400" dirty="0"/>
               <a:t>Claude drafts idea</a:t>
             </a:r>
           </a:p>
@@ -8270,7 +8284,7 @@
             <a:pPr algn="ctr"/>
             <a:r>
               <a:rPr lang="en-US" sz="1400" dirty="0"/>
-              <a:t>Claude gets review from triplets</a:t>
+              <a:t>Review: Claude gets review from triplets</a:t>
             </a:r>
           </a:p>
         </p:txBody>
@@ -8338,8 +8352,8 @@
         </p:nvSpPr>
         <p:spPr>
           <a:xfrm>
-            <a:off x="3421013" y="3606805"/>
-            <a:ext cx="1433051" cy="961303"/>
+            <a:off x="3421013" y="3498653"/>
+            <a:ext cx="1433051" cy="1167680"/>
           </a:xfrm>
           <a:prstGeom prst="rect">
             <a:avLst/>
@@ -8368,7 +8382,7 @@
             <a:pPr algn="ctr"/>
             <a:r>
               <a:rPr lang="en-US" sz="1400" dirty="0"/>
-              <a:t>Claude synthesizes with reviews idea</a:t>
+              <a:t>Synthesis: Claude synthesizes with reviews idea</a:t>
             </a:r>
           </a:p>
         </p:txBody>
@@ -8387,8 +8401,8 @@
         </p:nvSpPr>
         <p:spPr>
           <a:xfrm>
-            <a:off x="1262215" y="3237069"/>
-            <a:ext cx="1433051" cy="1700776"/>
+            <a:off x="1262215" y="3168244"/>
+            <a:ext cx="1433051" cy="1835357"/>
           </a:xfrm>
           <a:prstGeom prst="rect">
             <a:avLst/>
@@ -8417,7 +8431,7 @@
             <a:pPr algn="ctr"/>
             <a:r>
               <a:rPr lang="en-US" sz="1400" dirty="0"/>
-              <a:t>Claude packages synthesized idea plus prior reviews and send back to triplets</a:t>
+              <a:t>Aggregate: Claude packages synthesized idea plus prior reviews and send back to triplets</a:t>
             </a:r>
           </a:p>
         </p:txBody>
@@ -8569,8 +8583,8 @@
         </p:nvCxnSpPr>
         <p:spPr>
           <a:xfrm rot="5400000">
-            <a:off x="6160876" y="3040572"/>
-            <a:ext cx="857162" cy="275303"/>
+            <a:off x="6200205" y="3001243"/>
+            <a:ext cx="778505" cy="275303"/>
           </a:xfrm>
           <a:prstGeom prst="bentConnector3">
             <a:avLst>
@@ -8606,6 +8620,7 @@
             </a:extLst>
           </p:cNvPr>
           <p:cNvCxnSpPr>
+            <a:cxnSpLocks/>
             <a:stCxn id="8" idx="1"/>
             <a:endCxn id="9" idx="3"/>
           </p:cNvCxnSpPr>
@@ -8613,8 +8628,8 @@
         </p:nvCxnSpPr>
         <p:spPr>
           <a:xfrm flipH="1">
-            <a:off x="2695266" y="4087457"/>
-            <a:ext cx="725747" cy="0"/>
+            <a:off x="2695266" y="4082493"/>
+            <a:ext cx="725747" cy="3430"/>
           </a:xfrm>
           <a:prstGeom prst="straightConnector1">
             <a:avLst/>
@@ -8648,6 +8663,7 @@
             </a:extLst>
           </p:cNvPr>
           <p:cNvCxnSpPr>
+            <a:cxnSpLocks/>
             <a:stCxn id="9" idx="0"/>
             <a:endCxn id="5" idx="2"/>
           </p:cNvCxnSpPr>
@@ -8655,8 +8671,8 @@
         </p:nvCxnSpPr>
         <p:spPr>
           <a:xfrm rot="5400000" flipH="1" flipV="1">
-            <a:off x="3034164" y="1530858"/>
-            <a:ext cx="650788" cy="2761634"/>
+            <a:off x="3068577" y="1496446"/>
+            <a:ext cx="581963" cy="2761634"/>
           </a:xfrm>
           <a:prstGeom prst="bentConnector3">
             <a:avLst>
@@ -8726,7 +8742,7 @@
             <a:pPr algn="ctr"/>
             <a:r>
               <a:rPr lang="en-US" sz="1400" dirty="0"/>
-              <a:t>Claude reviews idea with user</a:t>
+              <a:t>Review: Claude reviews idea with user</a:t>
             </a:r>
           </a:p>
         </p:txBody>
@@ -8745,8 +8761,8 @@
         </p:nvSpPr>
         <p:spPr>
           <a:xfrm>
-            <a:off x="5735279" y="3606804"/>
-            <a:ext cx="1433051" cy="961303"/>
+            <a:off x="5735279" y="3528147"/>
+            <a:ext cx="1433051" cy="1098853"/>
           </a:xfrm>
           <a:prstGeom prst="rect">
             <a:avLst/>
@@ -8775,7 +8791,7 @@
             <a:pPr algn="ctr"/>
             <a:r>
               <a:rPr lang="en-US" sz="1400" dirty="0"/>
-              <a:t>Document update, push, conversation recording</a:t>
+              <a:t>History: Document update, push, conversation recording</a:t>
             </a:r>
           </a:p>
         </p:txBody>
@@ -8790,6 +8806,7 @@
             </a:extLst>
           </p:cNvPr>
           <p:cNvCxnSpPr>
+            <a:cxnSpLocks/>
             <a:stCxn id="43" idx="1"/>
             <a:endCxn id="8" idx="3"/>
           </p:cNvCxnSpPr>
@@ -8797,8 +8814,8 @@
         </p:nvCxnSpPr>
         <p:spPr>
           <a:xfrm flipH="1">
-            <a:off x="4854064" y="4087456"/>
-            <a:ext cx="881215" cy="1"/>
+            <a:off x="4854064" y="4077574"/>
+            <a:ext cx="881215" cy="4919"/>
           </a:xfrm>
           <a:prstGeom prst="straightConnector1">
             <a:avLst/>
@@ -8957,55 +8974,6 @@
           </a:fontRef>
         </p:style>
       </p:cxnSp>
-      <p:sp>
-        <p:nvSpPr>
-          <p:cNvPr id="60" name="Rectangle 59">
-            <a:extLst>
-              <a:ext uri="{FF2B5EF4-FFF2-40B4-BE49-F238E27FC236}">
-                <a16:creationId xmlns:a16="http://schemas.microsoft.com/office/drawing/2014/main" id="{36400CDD-2543-7C3C-6A95-3B9C4265B352}"/>
-              </a:ext>
-            </a:extLst>
-          </p:cNvPr>
-          <p:cNvSpPr/>
-          <p:nvPr/>
-        </p:nvSpPr>
-        <p:spPr>
-          <a:xfrm>
-            <a:off x="7742290" y="3606803"/>
-            <a:ext cx="1433051" cy="961303"/>
-          </a:xfrm>
-          <a:prstGeom prst="rect">
-            <a:avLst/>
-          </a:prstGeom>
-        </p:spPr>
-        <p:style>
-          <a:lnRef idx="2">
-            <a:schemeClr val="accent1">
-              <a:shade val="15000"/>
-            </a:schemeClr>
-          </a:lnRef>
-          <a:fillRef idx="1">
-            <a:schemeClr val="accent1"/>
-          </a:fillRef>
-          <a:effectRef idx="0">
-            <a:schemeClr val="accent1"/>
-          </a:effectRef>
-          <a:fontRef idx="minor">
-            <a:schemeClr val="lt1"/>
-          </a:fontRef>
-        </p:style>
-        <p:txBody>
-          <a:bodyPr rtlCol="0" anchor="ctr"/>
-          <a:lstStyle/>
-          <a:p>
-            <a:pPr algn="ctr"/>
-            <a:r>
-              <a:rPr lang="en-US" sz="1400" dirty="0"/>
-              <a:t>Document update, push, conversation recording</a:t>
-            </a:r>
-          </a:p>
-        </p:txBody>
-      </p:sp>
       <p:cxnSp>
         <p:nvCxnSpPr>
           <p:cNvPr id="62" name="Straight Arrow Connector 61">
@@ -9016,15 +8984,16 @@
             </a:extLst>
           </p:cNvPr>
           <p:cNvCxnSpPr>
+            <a:cxnSpLocks/>
             <a:stCxn id="53" idx="2"/>
-            <a:endCxn id="60" idx="0"/>
+            <a:endCxn id="21" idx="0"/>
           </p:cNvCxnSpPr>
           <p:nvPr/>
         </p:nvCxnSpPr>
         <p:spPr>
           <a:xfrm rot="5400000">
-            <a:off x="8890558" y="2317899"/>
-            <a:ext cx="857162" cy="1720646"/>
+            <a:off x="8969824" y="2285949"/>
+            <a:ext cx="745946" cy="1673331"/>
           </a:xfrm>
           <a:prstGeom prst="bentConnector3">
             <a:avLst>
@@ -9050,55 +9019,6 @@
           </a:fontRef>
         </p:style>
       </p:cxnSp>
-      <p:sp>
-        <p:nvSpPr>
-          <p:cNvPr id="63" name="Rectangle 62">
-            <a:extLst>
-              <a:ext uri="{FF2B5EF4-FFF2-40B4-BE49-F238E27FC236}">
-                <a16:creationId xmlns:a16="http://schemas.microsoft.com/office/drawing/2014/main" id="{BFFFC7C8-3FAF-B019-A2F9-0777385C7C86}"/>
-              </a:ext>
-            </a:extLst>
-          </p:cNvPr>
-          <p:cNvSpPr/>
-          <p:nvPr/>
-        </p:nvSpPr>
-        <p:spPr>
-          <a:xfrm>
-            <a:off x="7741060" y="5106224"/>
-            <a:ext cx="1433051" cy="961303"/>
-          </a:xfrm>
-          <a:prstGeom prst="rect">
-            <a:avLst/>
-          </a:prstGeom>
-        </p:spPr>
-        <p:style>
-          <a:lnRef idx="2">
-            <a:schemeClr val="accent1">
-              <a:shade val="15000"/>
-            </a:schemeClr>
-          </a:lnRef>
-          <a:fillRef idx="1">
-            <a:schemeClr val="accent1"/>
-          </a:fillRef>
-          <a:effectRef idx="0">
-            <a:schemeClr val="accent1"/>
-          </a:effectRef>
-          <a:fontRef idx="minor">
-            <a:schemeClr val="lt1"/>
-          </a:fontRef>
-        </p:style>
-        <p:txBody>
-          <a:bodyPr rtlCol="0" anchor="ctr"/>
-          <a:lstStyle/>
-          <a:p>
-            <a:pPr algn="ctr"/>
-            <a:r>
-              <a:rPr lang="en-US" sz="1400" dirty="0"/>
-              <a:t>Claude synthesizes with user feedback</a:t>
-            </a:r>
-          </a:p>
-        </p:txBody>
-      </p:sp>
       <p:cxnSp>
         <p:nvCxnSpPr>
           <p:cNvPr id="65" name="Straight Arrow Connector 64">
@@ -9109,15 +9029,16 @@
             </a:extLst>
           </p:cNvPr>
           <p:cNvCxnSpPr>
-            <a:stCxn id="60" idx="2"/>
-            <a:endCxn id="63" idx="0"/>
+            <a:cxnSpLocks/>
+            <a:stCxn id="21" idx="2"/>
+            <a:endCxn id="29" idx="0"/>
           </p:cNvCxnSpPr>
           <p:nvPr/>
         </p:nvCxnSpPr>
         <p:spPr>
-          <a:xfrm flipH="1">
-            <a:off x="8457586" y="4568106"/>
-            <a:ext cx="1230" cy="538118"/>
+          <a:xfrm>
+            <a:off x="8506131" y="4594440"/>
+            <a:ext cx="0" cy="477989"/>
           </a:xfrm>
           <a:prstGeom prst="straightConnector1">
             <a:avLst/>
@@ -9151,15 +9072,16 @@
             </a:extLst>
           </p:cNvPr>
           <p:cNvCxnSpPr>
-            <a:stCxn id="63" idx="1"/>
+            <a:cxnSpLocks/>
+            <a:stCxn id="29" idx="1"/>
             <a:endCxn id="9" idx="2"/>
           </p:cNvCxnSpPr>
           <p:nvPr/>
         </p:nvCxnSpPr>
         <p:spPr>
           <a:xfrm rot="10800000">
-            <a:off x="1978742" y="4937846"/>
-            <a:ext cx="5762319" cy="649031"/>
+            <a:off x="1978741" y="5003601"/>
+            <a:ext cx="5810864" cy="652668"/>
           </a:xfrm>
           <a:prstGeom prst="bentConnector2">
             <a:avLst/>
@@ -9183,12 +9105,55 @@
           </a:fontRef>
         </p:style>
       </p:cxnSp>
-      <p:sp>
-        <p:nvSpPr>
-          <p:cNvPr id="72" name="Rectangle 71">
-            <a:extLst>
-              <a:ext uri="{FF2B5EF4-FFF2-40B4-BE49-F238E27FC236}">
-                <a16:creationId xmlns:a16="http://schemas.microsoft.com/office/drawing/2014/main" id="{D9974F1C-AA03-3A94-D8F4-BF497887B78A}"/>
+      <p:cxnSp>
+        <p:nvCxnSpPr>
+          <p:cNvPr id="74" name="Straight Arrow Connector 73">
+            <a:extLst>
+              <a:ext uri="{FF2B5EF4-FFF2-40B4-BE49-F238E27FC236}">
+                <a16:creationId xmlns:a16="http://schemas.microsoft.com/office/drawing/2014/main" id="{4D358804-46D3-D230-D8FF-D80DABC55527}"/>
+              </a:ext>
+            </a:extLst>
+          </p:cNvPr>
+          <p:cNvCxnSpPr>
+            <a:cxnSpLocks/>
+            <a:stCxn id="53" idx="3"/>
+            <a:endCxn id="23" idx="0"/>
+          </p:cNvCxnSpPr>
+          <p:nvPr/>
+        </p:nvCxnSpPr>
+        <p:spPr>
+          <a:xfrm>
+            <a:off x="10975874" y="2105628"/>
+            <a:ext cx="138884" cy="1397032"/>
+          </a:xfrm>
+          <a:prstGeom prst="bentConnector2">
+            <a:avLst/>
+          </a:prstGeom>
+          <a:ln>
+            <a:tailEnd type="triangle"/>
+          </a:ln>
+        </p:spPr>
+        <p:style>
+          <a:lnRef idx="2">
+            <a:schemeClr val="accent1"/>
+          </a:lnRef>
+          <a:fillRef idx="0">
+            <a:schemeClr val="accent1"/>
+          </a:fillRef>
+          <a:effectRef idx="1">
+            <a:schemeClr val="accent1"/>
+          </a:effectRef>
+          <a:fontRef idx="minor">
+            <a:schemeClr val="tx1"/>
+          </a:fontRef>
+        </p:style>
+      </p:cxnSp>
+      <p:sp>
+        <p:nvSpPr>
+          <p:cNvPr id="75" name="Rectangle 74">
+            <a:extLst>
+              <a:ext uri="{FF2B5EF4-FFF2-40B4-BE49-F238E27FC236}">
+                <a16:creationId xmlns:a16="http://schemas.microsoft.com/office/drawing/2014/main" id="{099BF6C9-C91F-D154-B815-39D895E4B7E1}"/>
               </a:ext>
             </a:extLst>
           </p:cNvPr>
@@ -9197,7 +9162,7 @@
         </p:nvSpPr>
         <p:spPr>
           <a:xfrm>
-            <a:off x="10481183" y="3606802"/>
+            <a:off x="10479035" y="5072429"/>
             <a:ext cx="1433051" cy="961303"/>
           </a:xfrm>
           <a:prstGeom prst="rect">
@@ -9227,32 +9192,32 @@
             <a:pPr algn="ctr"/>
             <a:r>
               <a:rPr lang="en-US" sz="1400" dirty="0"/>
-              <a:t>Document update, push, conversation recording</a:t>
+              <a:t>Complete: Development Complete</a:t>
             </a:r>
           </a:p>
         </p:txBody>
       </p:sp>
       <p:cxnSp>
         <p:nvCxnSpPr>
-          <p:cNvPr id="74" name="Straight Arrow Connector 73">
-            <a:extLst>
-              <a:ext uri="{FF2B5EF4-FFF2-40B4-BE49-F238E27FC236}">
-                <a16:creationId xmlns:a16="http://schemas.microsoft.com/office/drawing/2014/main" id="{4D358804-46D3-D230-D8FF-D80DABC55527}"/>
+          <p:cNvPr id="77" name="Straight Arrow Connector 76">
+            <a:extLst>
+              <a:ext uri="{FF2B5EF4-FFF2-40B4-BE49-F238E27FC236}">
+                <a16:creationId xmlns:a16="http://schemas.microsoft.com/office/drawing/2014/main" id="{8E79BABF-EA34-BF6E-B949-0FF97D522FFD}"/>
               </a:ext>
             </a:extLst>
           </p:cNvPr>
           <p:cNvCxnSpPr>
-            <a:stCxn id="53" idx="3"/>
-            <a:endCxn id="72" idx="0"/>
+            <a:cxnSpLocks/>
+            <a:endCxn id="75" idx="0"/>
           </p:cNvCxnSpPr>
           <p:nvPr/>
         </p:nvCxnSpPr>
         <p:spPr>
-          <a:xfrm>
-            <a:off x="10975874" y="2105628"/>
-            <a:ext cx="221835" cy="1501174"/>
-          </a:xfrm>
-          <a:prstGeom prst="bentConnector2">
+          <a:xfrm flipH="1">
+            <a:off x="11195561" y="4568105"/>
+            <a:ext cx="2148" cy="504324"/>
+          </a:xfrm>
+          <a:prstGeom prst="straightConnector1">
             <a:avLst/>
           </a:prstGeom>
           <a:ln>
@@ -9276,10 +9241,45 @@
       </p:cxnSp>
       <p:sp>
         <p:nvSpPr>
-          <p:cNvPr id="75" name="Rectangle 74">
-            <a:extLst>
-              <a:ext uri="{FF2B5EF4-FFF2-40B4-BE49-F238E27FC236}">
-                <a16:creationId xmlns:a16="http://schemas.microsoft.com/office/drawing/2014/main" id="{099BF6C9-C91F-D154-B815-39D895E4B7E1}"/>
+          <p:cNvPr id="78" name="TextBox 77">
+            <a:extLst>
+              <a:ext uri="{FF2B5EF4-FFF2-40B4-BE49-F238E27FC236}">
+                <a16:creationId xmlns:a16="http://schemas.microsoft.com/office/drawing/2014/main" id="{46AC411C-59A7-14D8-47CC-17BB16671DD2}"/>
+              </a:ext>
+            </a:extLst>
+          </p:cNvPr>
+          <p:cNvSpPr txBox="1"/>
+          <p:nvPr/>
+        </p:nvSpPr>
+        <p:spPr>
+          <a:xfrm>
+            <a:off x="228107" y="6308208"/>
+            <a:ext cx="6358279" cy="369332"/>
+          </a:xfrm>
+          <a:prstGeom prst="rect">
+            <a:avLst/>
+          </a:prstGeom>
+          <a:noFill/>
+        </p:spPr>
+        <p:txBody>
+          <a:bodyPr wrap="none" rtlCol="0">
+            <a:spAutoFit/>
+          </a:bodyPr>
+          <a:lstStyle/>
+          <a:p>
+            <a:r>
+              <a:rPr lang="en-US" dirty="0"/>
+              <a:t>This cycle is used for the development of documents and code</a:t>
+            </a:r>
+          </a:p>
+        </p:txBody>
+      </p:sp>
+      <p:sp>
+        <p:nvSpPr>
+          <p:cNvPr id="21" name="Rectangle 20">
+            <a:extLst>
+              <a:ext uri="{FF2B5EF4-FFF2-40B4-BE49-F238E27FC236}">
+                <a16:creationId xmlns:a16="http://schemas.microsoft.com/office/drawing/2014/main" id="{D978B9DC-D646-C980-34DA-AEDBEE839E80}"/>
               </a:ext>
             </a:extLst>
           </p:cNvPr>
@@ -9288,8 +9288,8 @@
         </p:nvSpPr>
         <p:spPr>
           <a:xfrm>
-            <a:off x="10479035" y="5072429"/>
-            <a:ext cx="1433051" cy="961303"/>
+            <a:off x="7789605" y="3495587"/>
+            <a:ext cx="1433051" cy="1098853"/>
           </a:xfrm>
           <a:prstGeom prst="rect">
             <a:avLst/>
@@ -9318,84 +9318,105 @@
             <a:pPr algn="ctr"/>
             <a:r>
               <a:rPr lang="en-US" sz="1400" dirty="0"/>
-              <a:t>Development Complete</a:t>
-            </a:r>
-          </a:p>
-        </p:txBody>
-      </p:sp>
-      <p:cxnSp>
-        <p:nvCxnSpPr>
-          <p:cNvPr id="77" name="Straight Arrow Connector 76">
-            <a:extLst>
-              <a:ext uri="{FF2B5EF4-FFF2-40B4-BE49-F238E27FC236}">
-                <a16:creationId xmlns:a16="http://schemas.microsoft.com/office/drawing/2014/main" id="{8E79BABF-EA34-BF6E-B949-0FF97D522FFD}"/>
-              </a:ext>
-            </a:extLst>
-          </p:cNvPr>
-          <p:cNvCxnSpPr>
-            <a:stCxn id="72" idx="2"/>
-            <a:endCxn id="75" idx="0"/>
-          </p:cNvCxnSpPr>
-          <p:nvPr/>
-        </p:nvCxnSpPr>
-        <p:spPr>
-          <a:xfrm flipH="1">
-            <a:off x="11195561" y="4568105"/>
-            <a:ext cx="2148" cy="504324"/>
-          </a:xfrm>
-          <a:prstGeom prst="straightConnector1">
-            <a:avLst/>
-          </a:prstGeom>
-          <a:ln>
-            <a:tailEnd type="triangle"/>
-          </a:ln>
-        </p:spPr>
-        <p:style>
-          <a:lnRef idx="2">
-            <a:schemeClr val="accent1"/>
-          </a:lnRef>
-          <a:fillRef idx="0">
-            <a:schemeClr val="accent1"/>
-          </a:fillRef>
-          <a:effectRef idx="1">
-            <a:schemeClr val="accent1"/>
-          </a:effectRef>
-          <a:fontRef idx="minor">
-            <a:schemeClr val="tx1"/>
-          </a:fontRef>
-        </p:style>
-      </p:cxnSp>
-      <p:sp>
-        <p:nvSpPr>
-          <p:cNvPr id="78" name="TextBox 77">
-            <a:extLst>
-              <a:ext uri="{FF2B5EF4-FFF2-40B4-BE49-F238E27FC236}">
-                <a16:creationId xmlns:a16="http://schemas.microsoft.com/office/drawing/2014/main" id="{46AC411C-59A7-14D8-47CC-17BB16671DD2}"/>
-              </a:ext>
-            </a:extLst>
-          </p:cNvPr>
-          <p:cNvSpPr txBox="1"/>
-          <p:nvPr/>
-        </p:nvSpPr>
-        <p:spPr>
-          <a:xfrm>
-            <a:off x="228107" y="6308208"/>
-            <a:ext cx="6358279" cy="369332"/>
+              <a:t>History: Document update, push, conversation recording</a:t>
+            </a:r>
+          </a:p>
+        </p:txBody>
+      </p:sp>
+      <p:sp>
+        <p:nvSpPr>
+          <p:cNvPr id="23" name="Rectangle 22">
+            <a:extLst>
+              <a:ext uri="{FF2B5EF4-FFF2-40B4-BE49-F238E27FC236}">
+                <a16:creationId xmlns:a16="http://schemas.microsoft.com/office/drawing/2014/main" id="{11E57E5F-A936-DBB1-AEE2-74B9F74EC068}"/>
+              </a:ext>
+            </a:extLst>
+          </p:cNvPr>
+          <p:cNvSpPr/>
+          <p:nvPr/>
+        </p:nvSpPr>
+        <p:spPr>
+          <a:xfrm>
+            <a:off x="10398232" y="3502660"/>
+            <a:ext cx="1433051" cy="1098853"/>
           </a:xfrm>
           <a:prstGeom prst="rect">
             <a:avLst/>
           </a:prstGeom>
-          <a:noFill/>
-        </p:spPr>
-        <p:txBody>
-          <a:bodyPr wrap="none" rtlCol="0">
-            <a:spAutoFit/>
-          </a:bodyPr>
-          <a:lstStyle/>
-          <a:p>
-            <a:r>
-              <a:rPr lang="en-US" dirty="0"/>
-              <a:t>This cycle is used for the development of documents and code</a:t>
+        </p:spPr>
+        <p:style>
+          <a:lnRef idx="2">
+            <a:schemeClr val="accent1">
+              <a:shade val="15000"/>
+            </a:schemeClr>
+          </a:lnRef>
+          <a:fillRef idx="1">
+            <a:schemeClr val="accent1"/>
+          </a:fillRef>
+          <a:effectRef idx="0">
+            <a:schemeClr val="accent1"/>
+          </a:effectRef>
+          <a:fontRef idx="minor">
+            <a:schemeClr val="lt1"/>
+          </a:fontRef>
+        </p:style>
+        <p:txBody>
+          <a:bodyPr rtlCol="0" anchor="ctr"/>
+          <a:lstStyle/>
+          <a:p>
+            <a:pPr algn="ctr"/>
+            <a:r>
+              <a:rPr lang="en-US" sz="1400" dirty="0"/>
+              <a:t>History: Document update, push, conversation recording</a:t>
+            </a:r>
+          </a:p>
+        </p:txBody>
+      </p:sp>
+      <p:sp>
+        <p:nvSpPr>
+          <p:cNvPr id="29" name="Rectangle 28">
+            <a:extLst>
+              <a:ext uri="{FF2B5EF4-FFF2-40B4-BE49-F238E27FC236}">
+                <a16:creationId xmlns:a16="http://schemas.microsoft.com/office/drawing/2014/main" id="{FF5033B4-40BA-4E00-8B46-16B6C24FDD3C}"/>
+              </a:ext>
+            </a:extLst>
+          </p:cNvPr>
+          <p:cNvSpPr/>
+          <p:nvPr/>
+        </p:nvSpPr>
+        <p:spPr>
+          <a:xfrm>
+            <a:off x="7789605" y="5072429"/>
+            <a:ext cx="1433051" cy="1167680"/>
+          </a:xfrm>
+          <a:prstGeom prst="rect">
+            <a:avLst/>
+          </a:prstGeom>
+        </p:spPr>
+        <p:style>
+          <a:lnRef idx="2">
+            <a:schemeClr val="accent1">
+              <a:shade val="15000"/>
+            </a:schemeClr>
+          </a:lnRef>
+          <a:fillRef idx="1">
+            <a:schemeClr val="accent1"/>
+          </a:fillRef>
+          <a:effectRef idx="0">
+            <a:schemeClr val="accent1"/>
+          </a:effectRef>
+          <a:fontRef idx="minor">
+            <a:schemeClr val="lt1"/>
+          </a:fontRef>
+        </p:style>
+        <p:txBody>
+          <a:bodyPr rtlCol="0" anchor="ctr"/>
+          <a:lstStyle/>
+          <a:p>
+            <a:pPr algn="ctr"/>
+            <a:r>
+              <a:rPr lang="en-US" sz="1400" dirty="0"/>
+              <a:t>Synthesis: Claude synthesizes with reviews idea</a:t>
             </a:r>
           </a:p>
         </p:txBody>
@@ -9513,7 +9534,7 @@
             <a:pPr algn="ctr"/>
             <a:r>
               <a:rPr lang="en-US" sz="1400" dirty="0"/>
-              <a:t>Claude deploys new code using Blue/Green</a:t>
+              <a:t>Deploy: Claude deploys new code using Blue/Green</a:t>
             </a:r>
           </a:p>
         </p:txBody>
@@ -9562,7 +9583,7 @@
             <a:pPr algn="ctr"/>
             <a:r>
               <a:rPr lang="en-US" sz="1400" dirty="0"/>
-              <a:t>Claude tests deployment</a:t>
+              <a:t>Test: Claude tests deployment</a:t>
             </a:r>
           </a:p>
         </p:txBody>
@@ -9673,8 +9694,8 @@
         </p:nvSpPr>
         <p:spPr>
           <a:xfrm>
-            <a:off x="5593019" y="1617797"/>
-            <a:ext cx="1261594" cy="961303"/>
+            <a:off x="5593019" y="1578469"/>
+            <a:ext cx="1261594" cy="1047475"/>
           </a:xfrm>
           <a:prstGeom prst="rect">
             <a:avLst/>
@@ -9703,56 +9724,7 @@
             <a:pPr algn="ctr"/>
             <a:r>
               <a:rPr lang="en-US" sz="1400" dirty="0"/>
-              <a:t>Claude reviews code against requirements</a:t>
-            </a:r>
-          </a:p>
-        </p:txBody>
-      </p:sp>
-      <p:sp>
-        <p:nvSpPr>
-          <p:cNvPr id="43" name="Rectangle 42">
-            <a:extLst>
-              <a:ext uri="{FF2B5EF4-FFF2-40B4-BE49-F238E27FC236}">
-                <a16:creationId xmlns:a16="http://schemas.microsoft.com/office/drawing/2014/main" id="{6BA5CAAC-6A01-8073-C6E3-A5FA82242387}"/>
-              </a:ext>
-            </a:extLst>
-          </p:cNvPr>
-          <p:cNvSpPr/>
-          <p:nvPr/>
-        </p:nvSpPr>
-        <p:spPr>
-          <a:xfrm>
-            <a:off x="5507290" y="5472811"/>
-            <a:ext cx="1433051" cy="961303"/>
-          </a:xfrm>
-          <a:prstGeom prst="rect">
-            <a:avLst/>
-          </a:prstGeom>
-        </p:spPr>
-        <p:style>
-          <a:lnRef idx="2">
-            <a:schemeClr val="accent1">
-              <a:shade val="15000"/>
-            </a:schemeClr>
-          </a:lnRef>
-          <a:fillRef idx="1">
-            <a:schemeClr val="accent1"/>
-          </a:fillRef>
-          <a:effectRef idx="0">
-            <a:schemeClr val="accent1"/>
-          </a:effectRef>
-          <a:fontRef idx="minor">
-            <a:schemeClr val="lt1"/>
-          </a:fontRef>
-        </p:style>
-        <p:txBody>
-          <a:bodyPr rtlCol="0" anchor="ctr"/>
-          <a:lstStyle/>
-          <a:p>
-            <a:pPr algn="ctr"/>
-            <a:r>
-              <a:rPr lang="en-US" sz="1400" dirty="0"/>
-              <a:t>Document update, push, conversation recording</a:t>
+              <a:t>Review: Claude reviews code against requirements</a:t>
             </a:r>
           </a:p>
         </p:txBody>
@@ -9823,9 +9795,9 @@
           <p:nvPr/>
         </p:nvCxnSpPr>
         <p:spPr>
-          <a:xfrm flipV="1">
-            <a:off x="4907533" y="2098449"/>
-            <a:ext cx="685486" cy="3642"/>
+          <a:xfrm>
+            <a:off x="4907533" y="2102091"/>
+            <a:ext cx="685486" cy="116"/>
           </a:xfrm>
           <a:prstGeom prst="straightConnector1">
             <a:avLst/>
@@ -9904,14 +9876,14 @@
           <p:cNvCxnSpPr>
             <a:cxnSpLocks/>
             <a:stCxn id="53" idx="2"/>
-            <a:endCxn id="43" idx="3"/>
+            <a:endCxn id="15" idx="3"/>
           </p:cNvCxnSpPr>
           <p:nvPr/>
         </p:nvCxnSpPr>
         <p:spPr>
           <a:xfrm rot="5400000">
-            <a:off x="6720395" y="2878527"/>
-            <a:ext cx="3294883" cy="2854989"/>
+            <a:off x="6720369" y="2878553"/>
+            <a:ext cx="3294935" cy="2854989"/>
           </a:xfrm>
           <a:prstGeom prst="bentConnector2">
             <a:avLst/>
@@ -9947,14 +9919,14 @@
           <p:cNvCxnSpPr>
             <a:cxnSpLocks/>
             <a:stCxn id="53" idx="3"/>
-            <a:endCxn id="117" idx="0"/>
+            <a:endCxn id="9" idx="0"/>
           </p:cNvCxnSpPr>
           <p:nvPr/>
         </p:nvCxnSpPr>
         <p:spPr>
           <a:xfrm>
             <a:off x="10645874" y="2105628"/>
-            <a:ext cx="518957" cy="891112"/>
+            <a:ext cx="518955" cy="761761"/>
           </a:xfrm>
           <a:prstGeom prst="bentConnector2">
             <a:avLst/>
@@ -10022,7 +9994,7 @@
             <a:pPr algn="ctr"/>
             <a:r>
               <a:rPr lang="en-US" sz="1400" dirty="0"/>
-              <a:t>Deployment Complete</a:t>
+              <a:t>Complete: Deployment Complete</a:t>
             </a:r>
           </a:p>
         </p:txBody>
@@ -10038,15 +10010,15 @@
           </p:cNvPr>
           <p:cNvCxnSpPr>
             <a:cxnSpLocks/>
-            <a:stCxn id="117" idx="2"/>
+            <a:stCxn id="9" idx="2"/>
             <a:endCxn id="75" idx="0"/>
           </p:cNvCxnSpPr>
           <p:nvPr/>
         </p:nvCxnSpPr>
         <p:spPr>
-          <a:xfrm flipH="1">
-            <a:off x="11164830" y="3958043"/>
-            <a:ext cx="1" cy="833925"/>
+          <a:xfrm>
+            <a:off x="11164829" y="3966242"/>
+            <a:ext cx="1" cy="825726"/>
           </a:xfrm>
           <a:prstGeom prst="straightConnector1">
             <a:avLst/>
@@ -10163,7 +10135,7 @@
             <a:pPr algn="ctr"/>
             <a:r>
               <a:rPr lang="en-US" sz="1400" dirty="0"/>
-              <a:t>Claude attempts reasonable fixes</a:t>
+              <a:t>Fix: Claude attempts reasonable fixes</a:t>
             </a:r>
           </a:p>
         </p:txBody>
@@ -10261,7 +10233,7 @@
             <a:pPr algn="ctr"/>
             <a:r>
               <a:rPr lang="en-US" sz="1400" dirty="0"/>
-              <a:t>Claude consults with triplets</a:t>
+              <a:t>Consult: Claude consults with triplets</a:t>
             </a:r>
           </a:p>
         </p:txBody>
@@ -10310,56 +10282,7 @@
             <a:pPr algn="ctr"/>
             <a:r>
               <a:rPr lang="en-US" sz="1400" dirty="0"/>
-              <a:t>Claude synthesizes code update</a:t>
-            </a:r>
-          </a:p>
-        </p:txBody>
-      </p:sp>
-      <p:sp>
-        <p:nvSpPr>
-          <p:cNvPr id="31" name="Rectangle 30">
-            <a:extLst>
-              <a:ext uri="{FF2B5EF4-FFF2-40B4-BE49-F238E27FC236}">
-                <a16:creationId xmlns:a16="http://schemas.microsoft.com/office/drawing/2014/main" id="{F97CD188-2CC3-9A01-0808-DE1591D51DB9}"/>
-              </a:ext>
-            </a:extLst>
-          </p:cNvPr>
-          <p:cNvSpPr/>
-          <p:nvPr/>
-        </p:nvSpPr>
-        <p:spPr>
-          <a:xfrm>
-            <a:off x="1978286" y="4233409"/>
-            <a:ext cx="1433051" cy="961303"/>
-          </a:xfrm>
-          <a:prstGeom prst="rect">
-            <a:avLst/>
-          </a:prstGeom>
-        </p:spPr>
-        <p:style>
-          <a:lnRef idx="2">
-            <a:schemeClr val="accent1">
-              <a:shade val="15000"/>
-            </a:schemeClr>
-          </a:lnRef>
-          <a:fillRef idx="1">
-            <a:schemeClr val="accent1"/>
-          </a:fillRef>
-          <a:effectRef idx="0">
-            <a:schemeClr val="accent1"/>
-          </a:effectRef>
-          <a:fontRef idx="minor">
-            <a:schemeClr val="lt1"/>
-          </a:fontRef>
-        </p:style>
-        <p:txBody>
-          <a:bodyPr rtlCol="0" anchor="ctr"/>
-          <a:lstStyle/>
-          <a:p>
-            <a:pPr algn="ctr"/>
-            <a:r>
-              <a:rPr lang="en-US" sz="1400" dirty="0"/>
-              <a:t>Document update, push, conversation recording</a:t>
+              <a:t>Synthesis: Claude synthesizes code update</a:t>
             </a:r>
           </a:p>
         </p:txBody>
@@ -10375,15 +10298,15 @@
           </p:cNvPr>
           <p:cNvCxnSpPr>
             <a:cxnSpLocks/>
-            <a:stCxn id="31" idx="0"/>
+            <a:stCxn id="5" idx="0"/>
             <a:endCxn id="68" idx="2"/>
           </p:cNvCxnSpPr>
           <p:nvPr/>
         </p:nvCxnSpPr>
         <p:spPr>
-          <a:xfrm flipH="1" flipV="1">
+          <a:xfrm flipV="1">
             <a:off x="2694811" y="3922278"/>
-            <a:ext cx="1" cy="311131"/>
+            <a:ext cx="0" cy="251488"/>
           </a:xfrm>
           <a:prstGeom prst="straightConnector1">
             <a:avLst/>
@@ -10588,14 +10511,14 @@
           <p:cNvCxnSpPr>
             <a:cxnSpLocks/>
             <a:stCxn id="30" idx="0"/>
-            <a:endCxn id="31" idx="2"/>
+            <a:endCxn id="5" idx="2"/>
           </p:cNvCxnSpPr>
           <p:nvPr/>
         </p:nvCxnSpPr>
         <p:spPr>
           <a:xfrm flipH="1" flipV="1">
-            <a:off x="2694812" y="5194712"/>
-            <a:ext cx="1" cy="278100"/>
+            <a:off x="2694811" y="5272619"/>
+            <a:ext cx="2" cy="200193"/>
           </a:xfrm>
           <a:prstGeom prst="straightConnector1">
             <a:avLst/>
@@ -10633,8 +10556,8 @@
         </p:nvSpPr>
         <p:spPr>
           <a:xfrm>
-            <a:off x="1978285" y="2960975"/>
-            <a:ext cx="1433051" cy="961303"/>
+            <a:off x="1978285" y="2867389"/>
+            <a:ext cx="1433051" cy="1054889"/>
           </a:xfrm>
           <a:prstGeom prst="rect">
             <a:avLst/>
@@ -10663,7 +10586,7 @@
             <a:pPr algn="ctr"/>
             <a:r>
               <a:rPr lang="en-US" sz="1400" dirty="0"/>
-              <a:t>Claude deploys updated code using Blue/Green</a:t>
+              <a:t>Deploy: Claude deploys updated code using Blue/Green</a:t>
             </a:r>
           </a:p>
         </p:txBody>
@@ -10678,6 +10601,7 @@
             </a:extLst>
           </p:cNvPr>
           <p:cNvCxnSpPr>
+            <a:cxnSpLocks/>
             <a:stCxn id="68" idx="0"/>
             <a:endCxn id="4" idx="2"/>
           </p:cNvCxnSpPr>
@@ -10686,7 +10610,7 @@
         <p:spPr>
           <a:xfrm flipV="1">
             <a:off x="2694811" y="2579101"/>
-            <a:ext cx="3225" cy="381874"/>
+            <a:ext cx="3225" cy="288288"/>
           </a:xfrm>
           <a:prstGeom prst="straightConnector1">
             <a:avLst/>
@@ -10796,7 +10720,7 @@
             <a:pPr algn="ctr"/>
             <a:r>
               <a:rPr lang="en-US" sz="1400" dirty="0"/>
-              <a:t>User acceptance testing</a:t>
+              <a:t>UAE: User acceptance testing</a:t>
             </a:r>
           </a:p>
         </p:txBody>
@@ -10811,6 +10735,7 @@
             </a:extLst>
           </p:cNvPr>
           <p:cNvCxnSpPr>
+            <a:cxnSpLocks/>
             <a:stCxn id="38" idx="2"/>
             <a:endCxn id="7" idx="0"/>
           </p:cNvCxnSpPr>
@@ -10818,8 +10743,8 @@
         </p:nvCxnSpPr>
         <p:spPr>
           <a:xfrm flipH="1">
-            <a:off x="6223057" y="2579100"/>
-            <a:ext cx="759" cy="385464"/>
+            <a:off x="6223057" y="2625944"/>
+            <a:ext cx="759" cy="338620"/>
           </a:xfrm>
           <a:prstGeom prst="straightConnector1">
             <a:avLst/>
@@ -10853,15 +10778,16 @@
             </a:extLst>
           </p:cNvPr>
           <p:cNvCxnSpPr>
+            <a:cxnSpLocks/>
             <a:stCxn id="7" idx="2"/>
-            <a:endCxn id="43" idx="0"/>
+            <a:endCxn id="15" idx="0"/>
           </p:cNvCxnSpPr>
           <p:nvPr/>
         </p:nvCxnSpPr>
         <p:spPr>
           <a:xfrm>
             <a:off x="6223057" y="3918688"/>
-            <a:ext cx="759" cy="1554123"/>
+            <a:ext cx="759" cy="1485400"/>
           </a:xfrm>
           <a:prstGeom prst="straightConnector1">
             <a:avLst/>
@@ -10895,15 +10821,16 @@
             </a:extLst>
           </p:cNvPr>
           <p:cNvCxnSpPr>
-            <a:stCxn id="43" idx="1"/>
+            <a:cxnSpLocks/>
+            <a:stCxn id="15" idx="1"/>
             <a:endCxn id="29" idx="3"/>
           </p:cNvCxnSpPr>
           <p:nvPr/>
         </p:nvCxnSpPr>
         <p:spPr>
-          <a:xfrm flipH="1">
-            <a:off x="5137973" y="5953463"/>
-            <a:ext cx="369317" cy="1"/>
+          <a:xfrm flipH="1" flipV="1">
+            <a:off x="5137973" y="5953464"/>
+            <a:ext cx="369317" cy="51"/>
           </a:xfrm>
           <a:prstGeom prst="straightConnector1">
             <a:avLst/>
@@ -10971,10 +10898,10 @@
       </p:cxnSp>
       <p:sp>
         <p:nvSpPr>
-          <p:cNvPr id="117" name="Rectangle 116">
-            <a:extLst>
-              <a:ext uri="{FF2B5EF4-FFF2-40B4-BE49-F238E27FC236}">
-                <a16:creationId xmlns:a16="http://schemas.microsoft.com/office/drawing/2014/main" id="{4C76F9FA-FA68-6968-A843-73D47999CE41}"/>
+          <p:cNvPr id="5" name="Rectangle 4">
+            <a:extLst>
+              <a:ext uri="{FF2B5EF4-FFF2-40B4-BE49-F238E27FC236}">
+                <a16:creationId xmlns:a16="http://schemas.microsoft.com/office/drawing/2014/main" id="{DA1EFBCC-D515-3C78-1E14-7FD38DE1282E}"/>
               </a:ext>
             </a:extLst>
           </p:cNvPr>
@@ -10983,8 +10910,8 @@
         </p:nvSpPr>
         <p:spPr>
           <a:xfrm>
-            <a:off x="10448305" y="2996740"/>
-            <a:ext cx="1433051" cy="961303"/>
+            <a:off x="1978285" y="4173766"/>
+            <a:ext cx="1433051" cy="1098853"/>
           </a:xfrm>
           <a:prstGeom prst="rect">
             <a:avLst/>
@@ -11013,7 +10940,105 @@
             <a:pPr algn="ctr"/>
             <a:r>
               <a:rPr lang="en-US" sz="1400" dirty="0"/>
-              <a:t>Document update, push, conversation recording</a:t>
+              <a:t>History: Document update, push, conversation recording</a:t>
+            </a:r>
+          </a:p>
+        </p:txBody>
+      </p:sp>
+      <p:sp>
+        <p:nvSpPr>
+          <p:cNvPr id="9" name="Rectangle 8">
+            <a:extLst>
+              <a:ext uri="{FF2B5EF4-FFF2-40B4-BE49-F238E27FC236}">
+                <a16:creationId xmlns:a16="http://schemas.microsoft.com/office/drawing/2014/main" id="{D2C490DC-2428-86B9-2D4E-A4E3A4A2B75F}"/>
+              </a:ext>
+            </a:extLst>
+          </p:cNvPr>
+          <p:cNvSpPr/>
+          <p:nvPr/>
+        </p:nvSpPr>
+        <p:spPr>
+          <a:xfrm>
+            <a:off x="10448303" y="2867389"/>
+            <a:ext cx="1433051" cy="1098853"/>
+          </a:xfrm>
+          <a:prstGeom prst="rect">
+            <a:avLst/>
+          </a:prstGeom>
+        </p:spPr>
+        <p:style>
+          <a:lnRef idx="2">
+            <a:schemeClr val="accent1">
+              <a:shade val="15000"/>
+            </a:schemeClr>
+          </a:lnRef>
+          <a:fillRef idx="1">
+            <a:schemeClr val="accent1"/>
+          </a:fillRef>
+          <a:effectRef idx="0">
+            <a:schemeClr val="accent1"/>
+          </a:effectRef>
+          <a:fontRef idx="minor">
+            <a:schemeClr val="lt1"/>
+          </a:fontRef>
+        </p:style>
+        <p:txBody>
+          <a:bodyPr rtlCol="0" anchor="ctr"/>
+          <a:lstStyle/>
+          <a:p>
+            <a:pPr algn="ctr"/>
+            <a:r>
+              <a:rPr lang="en-US" sz="1400" dirty="0"/>
+              <a:t>History: Document update, push, conversation recording</a:t>
+            </a:r>
+          </a:p>
+        </p:txBody>
+      </p:sp>
+      <p:sp>
+        <p:nvSpPr>
+          <p:cNvPr id="15" name="Rectangle 14">
+            <a:extLst>
+              <a:ext uri="{FF2B5EF4-FFF2-40B4-BE49-F238E27FC236}">
+                <a16:creationId xmlns:a16="http://schemas.microsoft.com/office/drawing/2014/main" id="{063A4D3D-155F-9DD9-AFF3-B20E7BC5E1A0}"/>
+              </a:ext>
+            </a:extLst>
+          </p:cNvPr>
+          <p:cNvSpPr/>
+          <p:nvPr/>
+        </p:nvSpPr>
+        <p:spPr>
+          <a:xfrm>
+            <a:off x="5507290" y="5404088"/>
+            <a:ext cx="1433051" cy="1098853"/>
+          </a:xfrm>
+          <a:prstGeom prst="rect">
+            <a:avLst/>
+          </a:prstGeom>
+        </p:spPr>
+        <p:style>
+          <a:lnRef idx="2">
+            <a:schemeClr val="accent1">
+              <a:shade val="15000"/>
+            </a:schemeClr>
+          </a:lnRef>
+          <a:fillRef idx="1">
+            <a:schemeClr val="accent1"/>
+          </a:fillRef>
+          <a:effectRef idx="0">
+            <a:schemeClr val="accent1"/>
+          </a:effectRef>
+          <a:fontRef idx="minor">
+            <a:schemeClr val="lt1"/>
+          </a:fontRef>
+        </p:style>
+        <p:txBody>
+          <a:bodyPr rtlCol="0" anchor="ctr"/>
+          <a:lstStyle/>
+          <a:p>
+            <a:pPr algn="ctr"/>
+            <a:r>
+              <a:rPr lang="en-US" sz="1400" dirty="0"/>
+              <a:t>History: Document update, push, conversation recording</a:t>
             </a:r>
           </a:p>
         </p:txBody>
